--- a/New Microsoft PowerPoint Presentation.pptx
+++ b/New Microsoft PowerPoint Presentation.pptx
@@ -2,7 +2,7 @@
 <file path=ppt/presentation.xml><?xml version="1.0" encoding="utf-8"?>
 <p:presentation xmlns:a="http://schemas.openxmlformats.org/drawingml/2006/main" xmlns:r="http://schemas.openxmlformats.org/officeDocument/2006/relationships" xmlns:p="http://schemas.openxmlformats.org/presentationml/2006/main" saveSubsetFonts="1">
   <p:sldMasterIdLst>
-    <p:sldMasterId id="2147483648" r:id="rId1"/>
+    <p:sldMasterId id="2147483898" r:id="rId1"/>
   </p:sldMasterIdLst>
   <p:sldIdLst>
     <p:sldId id="256" r:id="rId2"/>
@@ -17,6 +17,8 @@
     <p:sldId id="264" r:id="rId11"/>
     <p:sldId id="265" r:id="rId12"/>
     <p:sldId id="267" r:id="rId13"/>
+    <p:sldId id="268" r:id="rId14"/>
+    <p:sldId id="269" r:id="rId15"/>
   </p:sldIdLst>
   <p:sldSz cx="12192000" cy="6858000"/>
   <p:notesSz cx="6858000" cy="9144000"/>
@@ -24,7 +26,7 @@
     <a:defPPr>
       <a:defRPr lang="en-US"/>
     </a:defPPr>
-    <a:lvl1pPr marL="0" algn="l" defTabSz="914400" rtl="0" eaLnBrk="1" latinLnBrk="0" hangingPunct="1">
+    <a:lvl1pPr marL="0" algn="l" defTabSz="457200" rtl="0" eaLnBrk="1" latinLnBrk="0" hangingPunct="1">
       <a:defRPr sz="1800" kern="1200">
         <a:solidFill>
           <a:schemeClr val="tx1"/>
@@ -34,7 +36,7 @@
         <a:cs typeface="+mn-cs"/>
       </a:defRPr>
     </a:lvl1pPr>
-    <a:lvl2pPr marL="457200" algn="l" defTabSz="914400" rtl="0" eaLnBrk="1" latinLnBrk="0" hangingPunct="1">
+    <a:lvl2pPr marL="457200" algn="l" defTabSz="457200" rtl="0" eaLnBrk="1" latinLnBrk="0" hangingPunct="1">
       <a:defRPr sz="1800" kern="1200">
         <a:solidFill>
           <a:schemeClr val="tx1"/>
@@ -44,7 +46,7 @@
         <a:cs typeface="+mn-cs"/>
       </a:defRPr>
     </a:lvl2pPr>
-    <a:lvl3pPr marL="914400" algn="l" defTabSz="914400" rtl="0" eaLnBrk="1" latinLnBrk="0" hangingPunct="1">
+    <a:lvl3pPr marL="914400" algn="l" defTabSz="457200" rtl="0" eaLnBrk="1" latinLnBrk="0" hangingPunct="1">
       <a:defRPr sz="1800" kern="1200">
         <a:solidFill>
           <a:schemeClr val="tx1"/>
@@ -54,7 +56,7 @@
         <a:cs typeface="+mn-cs"/>
       </a:defRPr>
     </a:lvl3pPr>
-    <a:lvl4pPr marL="1371600" algn="l" defTabSz="914400" rtl="0" eaLnBrk="1" latinLnBrk="0" hangingPunct="1">
+    <a:lvl4pPr marL="1371600" algn="l" defTabSz="457200" rtl="0" eaLnBrk="1" latinLnBrk="0" hangingPunct="1">
       <a:defRPr sz="1800" kern="1200">
         <a:solidFill>
           <a:schemeClr val="tx1"/>
@@ -64,7 +66,7 @@
         <a:cs typeface="+mn-cs"/>
       </a:defRPr>
     </a:lvl4pPr>
-    <a:lvl5pPr marL="1828800" algn="l" defTabSz="914400" rtl="0" eaLnBrk="1" latinLnBrk="0" hangingPunct="1">
+    <a:lvl5pPr marL="1828800" algn="l" defTabSz="457200" rtl="0" eaLnBrk="1" latinLnBrk="0" hangingPunct="1">
       <a:defRPr sz="1800" kern="1200">
         <a:solidFill>
           <a:schemeClr val="tx1"/>
@@ -74,7 +76,7 @@
         <a:cs typeface="+mn-cs"/>
       </a:defRPr>
     </a:lvl5pPr>
-    <a:lvl6pPr marL="2286000" algn="l" defTabSz="914400" rtl="0" eaLnBrk="1" latinLnBrk="0" hangingPunct="1">
+    <a:lvl6pPr marL="2286000" algn="l" defTabSz="457200" rtl="0" eaLnBrk="1" latinLnBrk="0" hangingPunct="1">
       <a:defRPr sz="1800" kern="1200">
         <a:solidFill>
           <a:schemeClr val="tx1"/>
@@ -84,7 +86,7 @@
         <a:cs typeface="+mn-cs"/>
       </a:defRPr>
     </a:lvl6pPr>
-    <a:lvl7pPr marL="2743200" algn="l" defTabSz="914400" rtl="0" eaLnBrk="1" latinLnBrk="0" hangingPunct="1">
+    <a:lvl7pPr marL="2743200" algn="l" defTabSz="457200" rtl="0" eaLnBrk="1" latinLnBrk="0" hangingPunct="1">
       <a:defRPr sz="1800" kern="1200">
         <a:solidFill>
           <a:schemeClr val="tx1"/>
@@ -94,7 +96,7 @@
         <a:cs typeface="+mn-cs"/>
       </a:defRPr>
     </a:lvl7pPr>
-    <a:lvl8pPr marL="3200400" algn="l" defTabSz="914400" rtl="0" eaLnBrk="1" latinLnBrk="0" hangingPunct="1">
+    <a:lvl8pPr marL="3200400" algn="l" defTabSz="457200" rtl="0" eaLnBrk="1" latinLnBrk="0" hangingPunct="1">
       <a:defRPr sz="1800" kern="1200">
         <a:solidFill>
           <a:schemeClr val="tx1"/>
@@ -104,7 +106,7 @@
         <a:cs typeface="+mn-cs"/>
       </a:defRPr>
     </a:lvl8pPr>
-    <a:lvl9pPr marL="3657600" algn="l" defTabSz="914400" rtl="0" eaLnBrk="1" latinLnBrk="0" hangingPunct="1">
+    <a:lvl9pPr marL="3657600" algn="l" defTabSz="457200" rtl="0" eaLnBrk="1" latinLnBrk="0" hangingPunct="1">
       <a:defRPr sz="1800" kern="1200">
         <a:solidFill>
           <a:schemeClr val="tx1"/>
@@ -126,6 +128,11 @@
 <file path=ppt/slideLayouts/slideLayout1.xml><?xml version="1.0" encoding="utf-8"?>
 <p:sldLayout xmlns:a="http://schemas.openxmlformats.org/drawingml/2006/main" xmlns:r="http://schemas.openxmlformats.org/officeDocument/2006/relationships" xmlns:p="http://schemas.openxmlformats.org/presentationml/2006/main" type="title" preserve="1">
   <p:cSld name="Title Slide">
+    <p:bg>
+      <p:bgRef idx="1003">
+        <a:schemeClr val="bg2"/>
+      </p:bgRef>
+    </p:bg>
     <p:spTree>
       <p:nvGrpSpPr>
         <p:cNvPr id="1" name=""/>
@@ -140,6 +147,36 @@
           <a:chExt cx="0" cy="0"/>
         </a:xfrm>
       </p:grpSpPr>
+      <p:pic>
+        <p:nvPicPr>
+          <p:cNvPr id="7" name="Picture 6" descr="Celestia-R1---OverlayTitleHD.png"/>
+          <p:cNvPicPr>
+            <a:picLocks noChangeAspect="1"/>
+          </p:cNvPicPr>
+          <p:nvPr/>
+        </p:nvPicPr>
+        <p:blipFill>
+          <a:blip r:embed="rId2">
+            <a:extLst>
+              <a:ext uri="{28A0092B-C50C-407E-A947-70E740481C1C}">
+                <a14:useLocalDpi xmlns:a14="http://schemas.microsoft.com/office/drawing/2010/main" val="0"/>
+              </a:ext>
+            </a:extLst>
+          </a:blip>
+          <a:stretch>
+            <a:fillRect/>
+          </a:stretch>
+        </p:blipFill>
+        <p:spPr>
+          <a:xfrm>
+            <a:off x="0" y="0"/>
+            <a:ext cx="12188825" cy="6856214"/>
+          </a:xfrm>
+          <a:prstGeom prst="rect">
+            <a:avLst/>
+          </a:prstGeom>
+        </p:spPr>
+      </p:pic>
       <p:sp>
         <p:nvSpPr>
           <p:cNvPr id="2" name="Title 1"/>
@@ -152,15 +189,19 @@
         </p:nvSpPr>
         <p:spPr>
           <a:xfrm>
-            <a:off x="1524000" y="1122363"/>
-            <a:ext cx="9144000" cy="2387600"/>
-          </a:xfrm>
-        </p:spPr>
-        <p:txBody>
-          <a:bodyPr anchor="b"/>
+            <a:off x="3962399" y="1964267"/>
+            <a:ext cx="7197726" cy="2421464"/>
+          </a:xfrm>
+        </p:spPr>
+        <p:txBody>
+          <a:bodyPr anchor="b">
+            <a:normAutofit/>
+          </a:bodyPr>
           <a:lstStyle>
-            <a:lvl1pPr algn="ctr">
-              <a:defRPr sz="6000"/>
+            <a:lvl1pPr algn="r">
+              <a:defRPr sz="4800">
+                <a:effectLst/>
+              </a:defRPr>
             </a:lvl1pPr>
           </a:lstStyle>
           <a:p>
@@ -168,7 +209,7 @@
               <a:rPr lang="en-US" smtClean="0"/>
               <a:t>Click to edit Master title style</a:t>
             </a:r>
-            <a:endParaRPr lang="en-PH"/>
+            <a:endParaRPr lang="en-US" dirty="0"/>
           </a:p>
         </p:txBody>
       </p:sp>
@@ -184,48 +225,102 @@
         </p:nvSpPr>
         <p:spPr>
           <a:xfrm>
-            <a:off x="1524000" y="3602038"/>
-            <a:ext cx="9144000" cy="1655762"/>
-          </a:xfrm>
-        </p:spPr>
-        <p:txBody>
-          <a:bodyPr/>
+            <a:off x="3962399" y="4385732"/>
+            <a:ext cx="7197726" cy="1405467"/>
+          </a:xfrm>
+        </p:spPr>
+        <p:txBody>
+          <a:bodyPr anchor="t">
+            <a:normAutofit/>
+          </a:bodyPr>
           <a:lstStyle>
-            <a:lvl1pPr marL="0" indent="0" algn="ctr">
+            <a:lvl1pPr marL="0" indent="0" algn="r">
               <a:buNone/>
-              <a:defRPr sz="2400"/>
+              <a:defRPr sz="1800" cap="all">
+                <a:solidFill>
+                  <a:schemeClr val="tx1"/>
+                </a:solidFill>
+              </a:defRPr>
             </a:lvl1pPr>
             <a:lvl2pPr marL="457200" indent="0" algn="ctr">
               <a:buNone/>
-              <a:defRPr sz="2000"/>
+              <a:defRPr>
+                <a:solidFill>
+                  <a:schemeClr val="tx1">
+                    <a:tint val="75000"/>
+                  </a:schemeClr>
+                </a:solidFill>
+              </a:defRPr>
             </a:lvl2pPr>
             <a:lvl3pPr marL="914400" indent="0" algn="ctr">
               <a:buNone/>
-              <a:defRPr sz="1800"/>
+              <a:defRPr>
+                <a:solidFill>
+                  <a:schemeClr val="tx1">
+                    <a:tint val="75000"/>
+                  </a:schemeClr>
+                </a:solidFill>
+              </a:defRPr>
             </a:lvl3pPr>
             <a:lvl4pPr marL="1371600" indent="0" algn="ctr">
               <a:buNone/>
-              <a:defRPr sz="1600"/>
+              <a:defRPr>
+                <a:solidFill>
+                  <a:schemeClr val="tx1">
+                    <a:tint val="75000"/>
+                  </a:schemeClr>
+                </a:solidFill>
+              </a:defRPr>
             </a:lvl4pPr>
             <a:lvl5pPr marL="1828800" indent="0" algn="ctr">
               <a:buNone/>
-              <a:defRPr sz="1600"/>
+              <a:defRPr>
+                <a:solidFill>
+                  <a:schemeClr val="tx1">
+                    <a:tint val="75000"/>
+                  </a:schemeClr>
+                </a:solidFill>
+              </a:defRPr>
             </a:lvl5pPr>
             <a:lvl6pPr marL="2286000" indent="0" algn="ctr">
               <a:buNone/>
-              <a:defRPr sz="1600"/>
+              <a:defRPr>
+                <a:solidFill>
+                  <a:schemeClr val="tx1">
+                    <a:tint val="75000"/>
+                  </a:schemeClr>
+                </a:solidFill>
+              </a:defRPr>
             </a:lvl6pPr>
             <a:lvl7pPr marL="2743200" indent="0" algn="ctr">
               <a:buNone/>
-              <a:defRPr sz="1600"/>
+              <a:defRPr>
+                <a:solidFill>
+                  <a:schemeClr val="tx1">
+                    <a:tint val="75000"/>
+                  </a:schemeClr>
+                </a:solidFill>
+              </a:defRPr>
             </a:lvl7pPr>
             <a:lvl8pPr marL="3200400" indent="0" algn="ctr">
               <a:buNone/>
-              <a:defRPr sz="1600"/>
+              <a:defRPr>
+                <a:solidFill>
+                  <a:schemeClr val="tx1">
+                    <a:tint val="75000"/>
+                  </a:schemeClr>
+                </a:solidFill>
+              </a:defRPr>
             </a:lvl8pPr>
             <a:lvl9pPr marL="3657600" indent="0" algn="ctr">
               <a:buNone/>
-              <a:defRPr sz="1600"/>
+              <a:defRPr>
+                <a:solidFill>
+                  <a:schemeClr val="tx1">
+                    <a:tint val="75000"/>
+                  </a:schemeClr>
+                </a:solidFill>
+              </a:defRPr>
             </a:lvl9pPr>
           </a:lstStyle>
           <a:p>
@@ -233,7 +328,7 @@
               <a:rPr lang="en-US" smtClean="0"/>
               <a:t>Click to edit Master subtitle style</a:t>
             </a:r>
-            <a:endParaRPr lang="en-PH"/>
+            <a:endParaRPr lang="en-US" dirty="0"/>
           </a:p>
         </p:txBody>
       </p:sp>
@@ -247,14 +342,19 @@
             <p:ph type="dt" sz="half" idx="10"/>
           </p:nvPr>
         </p:nvSpPr>
-        <p:spPr/>
+        <p:spPr>
+          <a:xfrm>
+            <a:off x="8932558" y="5870575"/>
+            <a:ext cx="1600200" cy="377825"/>
+          </a:xfrm>
+        </p:spPr>
         <p:txBody>
           <a:bodyPr/>
           <a:lstStyle/>
           <a:p>
             <a:fld id="{945F9D44-93C9-462C-8D82-785E1F97CC13}" type="datetimeFigureOut">
               <a:rPr lang="en-PH" smtClean="0"/>
-              <a:t>25/09/2023</a:t>
+              <a:t>04/10/2023</a:t>
             </a:fld>
             <a:endParaRPr lang="en-PH"/>
           </a:p>
@@ -270,7 +370,12 @@
             <p:ph type="ftr" sz="quarter" idx="11"/>
           </p:nvPr>
         </p:nvSpPr>
-        <p:spPr/>
+        <p:spPr>
+          <a:xfrm>
+            <a:off x="3962399" y="5870575"/>
+            <a:ext cx="4893958" cy="377825"/>
+          </a:xfrm>
+        </p:spPr>
         <p:txBody>
           <a:bodyPr/>
           <a:lstStyle/>
@@ -289,7 +394,12 @@
             <p:ph type="sldNum" sz="quarter" idx="12"/>
           </p:nvPr>
         </p:nvSpPr>
-        <p:spPr/>
+        <p:spPr>
+          <a:xfrm>
+            <a:off x="10608958" y="5870575"/>
+            <a:ext cx="551167" cy="377825"/>
+          </a:xfrm>
+        </p:spPr>
         <p:txBody>
           <a:bodyPr/>
           <a:lstStyle/>
@@ -305,7 +415,331 @@
     </p:spTree>
     <p:extLst>
       <p:ext uri="{BB962C8B-B14F-4D97-AF65-F5344CB8AC3E}">
-        <p14:creationId xmlns:p14="http://schemas.microsoft.com/office/powerpoint/2010/main" val="3141472281"/>
+        <p14:creationId xmlns:p14="http://schemas.microsoft.com/office/powerpoint/2010/main" val="4282242583"/>
+      </p:ext>
+    </p:extLst>
+  </p:cSld>
+  <p:clrMapOvr>
+    <a:overrideClrMapping bg1="dk1" tx1="lt1" bg2="dk2" tx2="lt2" accent1="accent1" accent2="accent2" accent3="accent3" accent4="accent4" accent5="accent5" accent6="accent6" hlink="hlink" folHlink="folHlink"/>
+  </p:clrMapOvr>
+</p:sldLayout>
+</file>
+
+<file path=ppt/slideLayouts/slideLayout10.xml><?xml version="1.0" encoding="utf-8"?>
+<p:sldLayout xmlns:a="http://schemas.openxmlformats.org/drawingml/2006/main" xmlns:r="http://schemas.openxmlformats.org/officeDocument/2006/relationships" xmlns:p="http://schemas.openxmlformats.org/presentationml/2006/main" preserve="1">
+  <p:cSld name="Panoramic Picture with Caption">
+    <p:spTree>
+      <p:nvGrpSpPr>
+        <p:cNvPr id="1" name=""/>
+        <p:cNvGrpSpPr/>
+        <p:nvPr/>
+      </p:nvGrpSpPr>
+      <p:grpSpPr>
+        <a:xfrm>
+          <a:off x="0" y="0"/>
+          <a:ext cx="0" cy="0"/>
+          <a:chOff x="0" y="0"/>
+          <a:chExt cx="0" cy="0"/>
+        </a:xfrm>
+      </p:grpSpPr>
+      <p:pic>
+        <p:nvPicPr>
+          <p:cNvPr id="8" name="Picture 7" descr="Celestia-R1---OverlayContentHD.png"/>
+          <p:cNvPicPr>
+            <a:picLocks noChangeAspect="1"/>
+          </p:cNvPicPr>
+          <p:nvPr/>
+        </p:nvPicPr>
+        <p:blipFill>
+          <a:blip r:embed="rId2">
+            <a:extLst>
+              <a:ext uri="{28A0092B-C50C-407E-A947-70E740481C1C}">
+                <a14:useLocalDpi xmlns:a14="http://schemas.microsoft.com/office/drawing/2010/main" val="0"/>
+              </a:ext>
+            </a:extLst>
+          </a:blip>
+          <a:stretch>
+            <a:fillRect/>
+          </a:stretch>
+        </p:blipFill>
+        <p:spPr>
+          <a:xfrm>
+            <a:off x="0" y="0"/>
+            <a:ext cx="12188825" cy="6856214"/>
+          </a:xfrm>
+          <a:prstGeom prst="rect">
+            <a:avLst/>
+          </a:prstGeom>
+        </p:spPr>
+      </p:pic>
+      <p:sp>
+        <p:nvSpPr>
+          <p:cNvPr id="2" name="Title 1"/>
+          <p:cNvSpPr>
+            <a:spLocks noGrp="1"/>
+          </p:cNvSpPr>
+          <p:nvPr>
+            <p:ph type="title"/>
+          </p:nvPr>
+        </p:nvSpPr>
+        <p:spPr>
+          <a:xfrm>
+            <a:off x="685800" y="4732865"/>
+            <a:ext cx="10131427" cy="566738"/>
+          </a:xfrm>
+        </p:spPr>
+        <p:txBody>
+          <a:bodyPr anchor="b">
+            <a:normAutofit/>
+          </a:bodyPr>
+          <a:lstStyle>
+            <a:lvl1pPr algn="l">
+              <a:defRPr sz="2400" b="0"/>
+            </a:lvl1pPr>
+          </a:lstStyle>
+          <a:p>
+            <a:r>
+              <a:rPr lang="en-US" smtClean="0"/>
+              <a:t>Click to edit Master title style</a:t>
+            </a:r>
+            <a:endParaRPr lang="en-US" dirty="0"/>
+          </a:p>
+        </p:txBody>
+      </p:sp>
+      <p:sp>
+        <p:nvSpPr>
+          <p:cNvPr id="3" name="Picture Placeholder 2"/>
+          <p:cNvSpPr>
+            <a:spLocks noGrp="1" noChangeAspect="1"/>
+          </p:cNvSpPr>
+          <p:nvPr>
+            <p:ph type="pic" idx="1"/>
+          </p:nvPr>
+        </p:nvSpPr>
+        <p:spPr>
+          <a:xfrm>
+            <a:off x="1371600" y="932112"/>
+            <a:ext cx="8759827" cy="3164976"/>
+          </a:xfrm>
+          <a:prstGeom prst="roundRect">
+            <a:avLst>
+              <a:gd name="adj" fmla="val 4380"/>
+            </a:avLst>
+          </a:prstGeom>
+          <a:ln w="50800" cap="sq" cmpd="dbl">
+            <a:gradFill flip="none" rotWithShape="1">
+              <a:gsLst>
+                <a:gs pos="0">
+                  <a:srgbClr val="FFFFFF"/>
+                </a:gs>
+                <a:gs pos="100000">
+                  <a:schemeClr val="tx1">
+                    <a:alpha val="0"/>
+                  </a:schemeClr>
+                </a:gs>
+              </a:gsLst>
+              <a:path path="circle">
+                <a:fillToRect l="50000" t="50000" r="50000" b="50000"/>
+              </a:path>
+              <a:tileRect/>
+            </a:gradFill>
+            <a:miter lim="800000"/>
+          </a:ln>
+          <a:effectLst>
+            <a:outerShdw blurRad="254000" algn="tl" rotWithShape="0">
+              <a:srgbClr val="000000">
+                <a:alpha val="43000"/>
+              </a:srgbClr>
+            </a:outerShdw>
+          </a:effectLst>
+        </p:spPr>
+        <p:txBody>
+          <a:bodyPr anchor="t">
+            <a:normAutofit/>
+          </a:bodyPr>
+          <a:lstStyle>
+            <a:lvl1pPr marL="0" indent="0" algn="ctr">
+              <a:buNone/>
+              <a:defRPr sz="1600"/>
+            </a:lvl1pPr>
+            <a:lvl2pPr marL="457200" indent="0">
+              <a:buNone/>
+              <a:defRPr sz="1600"/>
+            </a:lvl2pPr>
+            <a:lvl3pPr marL="914400" indent="0">
+              <a:buNone/>
+              <a:defRPr sz="1600"/>
+            </a:lvl3pPr>
+            <a:lvl4pPr marL="1371600" indent="0">
+              <a:buNone/>
+              <a:defRPr sz="1600"/>
+            </a:lvl4pPr>
+            <a:lvl5pPr marL="1828800" indent="0">
+              <a:buNone/>
+              <a:defRPr sz="1600"/>
+            </a:lvl5pPr>
+            <a:lvl6pPr marL="2286000" indent="0">
+              <a:buNone/>
+              <a:defRPr sz="1600"/>
+            </a:lvl6pPr>
+            <a:lvl7pPr marL="2743200" indent="0">
+              <a:buNone/>
+              <a:defRPr sz="1600"/>
+            </a:lvl7pPr>
+            <a:lvl8pPr marL="3200400" indent="0">
+              <a:buNone/>
+              <a:defRPr sz="1600"/>
+            </a:lvl8pPr>
+            <a:lvl9pPr marL="3657600" indent="0">
+              <a:buNone/>
+              <a:defRPr sz="1600"/>
+            </a:lvl9pPr>
+          </a:lstStyle>
+          <a:p>
+            <a:r>
+              <a:rPr lang="en-US" smtClean="0"/>
+              <a:t>Click icon to add picture</a:t>
+            </a:r>
+            <a:endParaRPr lang="en-US" dirty="0"/>
+          </a:p>
+        </p:txBody>
+      </p:sp>
+      <p:sp>
+        <p:nvSpPr>
+          <p:cNvPr id="4" name="Text Placeholder 3"/>
+          <p:cNvSpPr>
+            <a:spLocks noGrp="1"/>
+          </p:cNvSpPr>
+          <p:nvPr>
+            <p:ph type="body" sz="half" idx="2"/>
+          </p:nvPr>
+        </p:nvSpPr>
+        <p:spPr>
+          <a:xfrm>
+            <a:off x="685800" y="5299603"/>
+            <a:ext cx="10131427" cy="493712"/>
+          </a:xfrm>
+        </p:spPr>
+        <p:txBody>
+          <a:bodyPr anchor="t">
+            <a:normAutofit/>
+          </a:bodyPr>
+          <a:lstStyle>
+            <a:lvl1pPr marL="0" indent="0">
+              <a:buNone/>
+              <a:defRPr sz="1400"/>
+            </a:lvl1pPr>
+            <a:lvl2pPr marL="457200" indent="0">
+              <a:buNone/>
+              <a:defRPr sz="1200"/>
+            </a:lvl2pPr>
+            <a:lvl3pPr marL="914400" indent="0">
+              <a:buNone/>
+              <a:defRPr sz="1000"/>
+            </a:lvl3pPr>
+            <a:lvl4pPr marL="1371600" indent="0">
+              <a:buNone/>
+              <a:defRPr sz="900"/>
+            </a:lvl4pPr>
+            <a:lvl5pPr marL="1828800" indent="0">
+              <a:buNone/>
+              <a:defRPr sz="900"/>
+            </a:lvl5pPr>
+            <a:lvl6pPr marL="2286000" indent="0">
+              <a:buNone/>
+              <a:defRPr sz="900"/>
+            </a:lvl6pPr>
+            <a:lvl7pPr marL="2743200" indent="0">
+              <a:buNone/>
+              <a:defRPr sz="900"/>
+            </a:lvl7pPr>
+            <a:lvl8pPr marL="3200400" indent="0">
+              <a:buNone/>
+              <a:defRPr sz="900"/>
+            </a:lvl8pPr>
+            <a:lvl9pPr marL="3657600" indent="0">
+              <a:buNone/>
+              <a:defRPr sz="900"/>
+            </a:lvl9pPr>
+          </a:lstStyle>
+          <a:p>
+            <a:pPr lvl="0"/>
+            <a:r>
+              <a:rPr lang="en-US" smtClean="0"/>
+              <a:t>Edit Master text styles</a:t>
+            </a:r>
+          </a:p>
+        </p:txBody>
+      </p:sp>
+      <p:sp>
+        <p:nvSpPr>
+          <p:cNvPr id="5" name="Date Placeholder 4"/>
+          <p:cNvSpPr>
+            <a:spLocks noGrp="1"/>
+          </p:cNvSpPr>
+          <p:nvPr>
+            <p:ph type="dt" sz="half" idx="10"/>
+          </p:nvPr>
+        </p:nvSpPr>
+        <p:spPr/>
+        <p:txBody>
+          <a:bodyPr/>
+          <a:lstStyle/>
+          <a:p>
+            <a:fld id="{945F9D44-93C9-462C-8D82-785E1F97CC13}" type="datetimeFigureOut">
+              <a:rPr lang="en-PH" smtClean="0"/>
+              <a:t>04/10/2023</a:t>
+            </a:fld>
+            <a:endParaRPr lang="en-PH"/>
+          </a:p>
+        </p:txBody>
+      </p:sp>
+      <p:sp>
+        <p:nvSpPr>
+          <p:cNvPr id="6" name="Footer Placeholder 5"/>
+          <p:cNvSpPr>
+            <a:spLocks noGrp="1"/>
+          </p:cNvSpPr>
+          <p:nvPr>
+            <p:ph type="ftr" sz="quarter" idx="11"/>
+          </p:nvPr>
+        </p:nvSpPr>
+        <p:spPr/>
+        <p:txBody>
+          <a:bodyPr/>
+          <a:lstStyle/>
+          <a:p>
+            <a:endParaRPr lang="en-PH"/>
+          </a:p>
+        </p:txBody>
+      </p:sp>
+      <p:sp>
+        <p:nvSpPr>
+          <p:cNvPr id="7" name="Slide Number Placeholder 6"/>
+          <p:cNvSpPr>
+            <a:spLocks noGrp="1"/>
+          </p:cNvSpPr>
+          <p:nvPr>
+            <p:ph type="sldNum" sz="quarter" idx="12"/>
+          </p:nvPr>
+        </p:nvSpPr>
+        <p:spPr/>
+        <p:txBody>
+          <a:bodyPr/>
+          <a:lstStyle/>
+          <a:p>
+            <a:fld id="{AB63D9AA-3A33-4B0C-88F4-BD522B2C2158}" type="slidenum">
+              <a:rPr lang="en-PH" smtClean="0"/>
+              <a:t>‹#›</a:t>
+            </a:fld>
+            <a:endParaRPr lang="en-PH"/>
+          </a:p>
+        </p:txBody>
+      </p:sp>
+    </p:spTree>
+    <p:extLst>
+      <p:ext uri="{BB962C8B-B14F-4D97-AF65-F5344CB8AC3E}">
+        <p14:creationId xmlns:p14="http://schemas.microsoft.com/office/powerpoint/2010/main" val="480860660"/>
       </p:ext>
     </p:extLst>
   </p:cSld>
@@ -315,7 +749,2020 @@
 </p:sldLayout>
 </file>
 
-<file path=ppt/slideLayouts/slideLayout10.xml><?xml version="1.0" encoding="utf-8"?>
+<file path=ppt/slideLayouts/slideLayout11.xml><?xml version="1.0" encoding="utf-8"?>
+<p:sldLayout xmlns:a="http://schemas.openxmlformats.org/drawingml/2006/main" xmlns:r="http://schemas.openxmlformats.org/officeDocument/2006/relationships" xmlns:p="http://schemas.openxmlformats.org/presentationml/2006/main" preserve="1">
+  <p:cSld name="Title and Caption">
+    <p:spTree>
+      <p:nvGrpSpPr>
+        <p:cNvPr id="1" name=""/>
+        <p:cNvGrpSpPr/>
+        <p:nvPr/>
+      </p:nvGrpSpPr>
+      <p:grpSpPr>
+        <a:xfrm>
+          <a:off x="0" y="0"/>
+          <a:ext cx="0" cy="0"/>
+          <a:chOff x="0" y="0"/>
+          <a:chExt cx="0" cy="0"/>
+        </a:xfrm>
+      </p:grpSpPr>
+      <p:pic>
+        <p:nvPicPr>
+          <p:cNvPr id="7" name="Picture 6" descr="Celestia-R1---OverlayContentHD.png"/>
+          <p:cNvPicPr>
+            <a:picLocks noChangeAspect="1"/>
+          </p:cNvPicPr>
+          <p:nvPr/>
+        </p:nvPicPr>
+        <p:blipFill>
+          <a:blip r:embed="rId2">
+            <a:extLst>
+              <a:ext uri="{28A0092B-C50C-407E-A947-70E740481C1C}">
+                <a14:useLocalDpi xmlns:a14="http://schemas.microsoft.com/office/drawing/2010/main" val="0"/>
+              </a:ext>
+            </a:extLst>
+          </a:blip>
+          <a:stretch>
+            <a:fillRect/>
+          </a:stretch>
+        </p:blipFill>
+        <p:spPr>
+          <a:xfrm>
+            <a:off x="0" y="0"/>
+            <a:ext cx="12188825" cy="6856214"/>
+          </a:xfrm>
+          <a:prstGeom prst="rect">
+            <a:avLst/>
+          </a:prstGeom>
+        </p:spPr>
+      </p:pic>
+      <p:sp>
+        <p:nvSpPr>
+          <p:cNvPr id="2" name="Title 1"/>
+          <p:cNvSpPr>
+            <a:spLocks noGrp="1"/>
+          </p:cNvSpPr>
+          <p:nvPr>
+            <p:ph type="title"/>
+          </p:nvPr>
+        </p:nvSpPr>
+        <p:spPr>
+          <a:xfrm>
+            <a:off x="685801" y="609601"/>
+            <a:ext cx="10131427" cy="3124199"/>
+          </a:xfrm>
+        </p:spPr>
+        <p:txBody>
+          <a:bodyPr anchor="ctr">
+            <a:normAutofit/>
+          </a:bodyPr>
+          <a:lstStyle>
+            <a:lvl1pPr algn="l">
+              <a:defRPr sz="3200" b="0" cap="none"/>
+            </a:lvl1pPr>
+          </a:lstStyle>
+          <a:p>
+            <a:r>
+              <a:rPr lang="en-US" smtClean="0"/>
+              <a:t>Click to edit Master title style</a:t>
+            </a:r>
+            <a:endParaRPr lang="en-US" dirty="0"/>
+          </a:p>
+        </p:txBody>
+      </p:sp>
+      <p:sp>
+        <p:nvSpPr>
+          <p:cNvPr id="3" name="Text Placeholder 2"/>
+          <p:cNvSpPr>
+            <a:spLocks noGrp="1"/>
+          </p:cNvSpPr>
+          <p:nvPr>
+            <p:ph type="body" idx="1"/>
+          </p:nvPr>
+        </p:nvSpPr>
+        <p:spPr>
+          <a:xfrm>
+            <a:off x="685800" y="4343400"/>
+            <a:ext cx="10131428" cy="1447800"/>
+          </a:xfrm>
+        </p:spPr>
+        <p:txBody>
+          <a:bodyPr anchor="ctr">
+            <a:normAutofit/>
+          </a:bodyPr>
+          <a:lstStyle>
+            <a:lvl1pPr marL="0" indent="0" algn="l">
+              <a:buNone/>
+              <a:defRPr sz="2000">
+                <a:solidFill>
+                  <a:schemeClr val="tx1"/>
+                </a:solidFill>
+              </a:defRPr>
+            </a:lvl1pPr>
+            <a:lvl2pPr marL="457200" indent="0">
+              <a:buNone/>
+              <a:defRPr sz="1800">
+                <a:solidFill>
+                  <a:schemeClr val="tx1">
+                    <a:tint val="75000"/>
+                  </a:schemeClr>
+                </a:solidFill>
+              </a:defRPr>
+            </a:lvl2pPr>
+            <a:lvl3pPr marL="914400" indent="0">
+              <a:buNone/>
+              <a:defRPr sz="1600">
+                <a:solidFill>
+                  <a:schemeClr val="tx1">
+                    <a:tint val="75000"/>
+                  </a:schemeClr>
+                </a:solidFill>
+              </a:defRPr>
+            </a:lvl3pPr>
+            <a:lvl4pPr marL="1371600" indent="0">
+              <a:buNone/>
+              <a:defRPr sz="1400">
+                <a:solidFill>
+                  <a:schemeClr val="tx1">
+                    <a:tint val="75000"/>
+                  </a:schemeClr>
+                </a:solidFill>
+              </a:defRPr>
+            </a:lvl4pPr>
+            <a:lvl5pPr marL="1828800" indent="0">
+              <a:buNone/>
+              <a:defRPr sz="1400">
+                <a:solidFill>
+                  <a:schemeClr val="tx1">
+                    <a:tint val="75000"/>
+                  </a:schemeClr>
+                </a:solidFill>
+              </a:defRPr>
+            </a:lvl5pPr>
+            <a:lvl6pPr marL="2286000" indent="0">
+              <a:buNone/>
+              <a:defRPr sz="1400">
+                <a:solidFill>
+                  <a:schemeClr val="tx1">
+                    <a:tint val="75000"/>
+                  </a:schemeClr>
+                </a:solidFill>
+              </a:defRPr>
+            </a:lvl6pPr>
+            <a:lvl7pPr marL="2743200" indent="0">
+              <a:buNone/>
+              <a:defRPr sz="1400">
+                <a:solidFill>
+                  <a:schemeClr val="tx1">
+                    <a:tint val="75000"/>
+                  </a:schemeClr>
+                </a:solidFill>
+              </a:defRPr>
+            </a:lvl7pPr>
+            <a:lvl8pPr marL="3200400" indent="0">
+              <a:buNone/>
+              <a:defRPr sz="1400">
+                <a:solidFill>
+                  <a:schemeClr val="tx1">
+                    <a:tint val="75000"/>
+                  </a:schemeClr>
+                </a:solidFill>
+              </a:defRPr>
+            </a:lvl8pPr>
+            <a:lvl9pPr marL="3657600" indent="0">
+              <a:buNone/>
+              <a:defRPr sz="1400">
+                <a:solidFill>
+                  <a:schemeClr val="tx1">
+                    <a:tint val="75000"/>
+                  </a:schemeClr>
+                </a:solidFill>
+              </a:defRPr>
+            </a:lvl9pPr>
+          </a:lstStyle>
+          <a:p>
+            <a:pPr lvl="0"/>
+            <a:r>
+              <a:rPr lang="en-US" smtClean="0"/>
+              <a:t>Edit Master text styles</a:t>
+            </a:r>
+          </a:p>
+        </p:txBody>
+      </p:sp>
+      <p:sp>
+        <p:nvSpPr>
+          <p:cNvPr id="4" name="Date Placeholder 3"/>
+          <p:cNvSpPr>
+            <a:spLocks noGrp="1"/>
+          </p:cNvSpPr>
+          <p:nvPr>
+            <p:ph type="dt" sz="half" idx="10"/>
+          </p:nvPr>
+        </p:nvSpPr>
+        <p:spPr/>
+        <p:txBody>
+          <a:bodyPr/>
+          <a:lstStyle/>
+          <a:p>
+            <a:fld id="{945F9D44-93C9-462C-8D82-785E1F97CC13}" type="datetimeFigureOut">
+              <a:rPr lang="en-PH" smtClean="0"/>
+              <a:t>04/10/2023</a:t>
+            </a:fld>
+            <a:endParaRPr lang="en-PH"/>
+          </a:p>
+        </p:txBody>
+      </p:sp>
+      <p:sp>
+        <p:nvSpPr>
+          <p:cNvPr id="5" name="Footer Placeholder 4"/>
+          <p:cNvSpPr>
+            <a:spLocks noGrp="1"/>
+          </p:cNvSpPr>
+          <p:nvPr>
+            <p:ph type="ftr" sz="quarter" idx="11"/>
+          </p:nvPr>
+        </p:nvSpPr>
+        <p:spPr/>
+        <p:txBody>
+          <a:bodyPr/>
+          <a:lstStyle/>
+          <a:p>
+            <a:endParaRPr lang="en-PH"/>
+          </a:p>
+        </p:txBody>
+      </p:sp>
+      <p:sp>
+        <p:nvSpPr>
+          <p:cNvPr id="6" name="Slide Number Placeholder 5"/>
+          <p:cNvSpPr>
+            <a:spLocks noGrp="1"/>
+          </p:cNvSpPr>
+          <p:nvPr>
+            <p:ph type="sldNum" sz="quarter" idx="12"/>
+          </p:nvPr>
+        </p:nvSpPr>
+        <p:spPr/>
+        <p:txBody>
+          <a:bodyPr/>
+          <a:lstStyle/>
+          <a:p>
+            <a:fld id="{AB63D9AA-3A33-4B0C-88F4-BD522B2C2158}" type="slidenum">
+              <a:rPr lang="en-PH" smtClean="0"/>
+              <a:t>‹#›</a:t>
+            </a:fld>
+            <a:endParaRPr lang="en-PH"/>
+          </a:p>
+        </p:txBody>
+      </p:sp>
+    </p:spTree>
+    <p:extLst>
+      <p:ext uri="{BB962C8B-B14F-4D97-AF65-F5344CB8AC3E}">
+        <p14:creationId xmlns:p14="http://schemas.microsoft.com/office/powerpoint/2010/main" val="3851994346"/>
+      </p:ext>
+    </p:extLst>
+  </p:cSld>
+  <p:clrMapOvr>
+    <a:masterClrMapping/>
+  </p:clrMapOvr>
+</p:sldLayout>
+</file>
+
+<file path=ppt/slideLayouts/slideLayout12.xml><?xml version="1.0" encoding="utf-8"?>
+<p:sldLayout xmlns:a="http://schemas.openxmlformats.org/drawingml/2006/main" xmlns:r="http://schemas.openxmlformats.org/officeDocument/2006/relationships" xmlns:p="http://schemas.openxmlformats.org/presentationml/2006/main" preserve="1">
+  <p:cSld name="Quote with Caption">
+    <p:spTree>
+      <p:nvGrpSpPr>
+        <p:cNvPr id="1" name=""/>
+        <p:cNvGrpSpPr/>
+        <p:nvPr/>
+      </p:nvGrpSpPr>
+      <p:grpSpPr>
+        <a:xfrm>
+          <a:off x="0" y="0"/>
+          <a:ext cx="0" cy="0"/>
+          <a:chOff x="0" y="0"/>
+          <a:chExt cx="0" cy="0"/>
+        </a:xfrm>
+      </p:grpSpPr>
+      <p:pic>
+        <p:nvPicPr>
+          <p:cNvPr id="16" name="Picture 15" descr="Celestia-R1---OverlayContentHD.png"/>
+          <p:cNvPicPr>
+            <a:picLocks noChangeAspect="1"/>
+          </p:cNvPicPr>
+          <p:nvPr/>
+        </p:nvPicPr>
+        <p:blipFill>
+          <a:blip r:embed="rId2">
+            <a:extLst>
+              <a:ext uri="{28A0092B-C50C-407E-A947-70E740481C1C}">
+                <a14:useLocalDpi xmlns:a14="http://schemas.microsoft.com/office/drawing/2010/main" val="0"/>
+              </a:ext>
+            </a:extLst>
+          </a:blip>
+          <a:stretch>
+            <a:fillRect/>
+          </a:stretch>
+        </p:blipFill>
+        <p:spPr>
+          <a:xfrm>
+            <a:off x="0" y="0"/>
+            <a:ext cx="12188825" cy="6856214"/>
+          </a:xfrm>
+          <a:prstGeom prst="rect">
+            <a:avLst/>
+          </a:prstGeom>
+        </p:spPr>
+      </p:pic>
+      <p:sp>
+        <p:nvSpPr>
+          <p:cNvPr id="15" name="TextBox 14"/>
+          <p:cNvSpPr txBox="1"/>
+          <p:nvPr/>
+        </p:nvSpPr>
+        <p:spPr>
+          <a:xfrm>
+            <a:off x="10237867" y="2743200"/>
+            <a:ext cx="609600" cy="584776"/>
+          </a:xfrm>
+          <a:prstGeom prst="rect">
+            <a:avLst/>
+          </a:prstGeom>
+        </p:spPr>
+        <p:txBody>
+          <a:bodyPr vert="horz" lIns="91440" tIns="45720" rIns="91440" bIns="45720" rtlCol="0" anchor="ctr">
+            <a:noAutofit/>
+          </a:bodyPr>
+          <a:lstStyle>
+            <a:lvl1pPr>
+              <a:spcBef>
+                <a:spcPct val="0"/>
+              </a:spcBef>
+              <a:buNone/>
+              <a:defRPr sz="3200" b="0" cap="all">
+                <a:ln w="3175" cmpd="sng">
+                  <a:noFill/>
+                </a:ln>
+                <a:effectLst>
+                  <a:glow rad="38100">
+                    <a:schemeClr val="bg1">
+                      <a:lumMod val="65000"/>
+                      <a:lumOff val="35000"/>
+                      <a:alpha val="40000"/>
+                    </a:schemeClr>
+                  </a:glow>
+                  <a:outerShdw blurRad="28575" dist="38100" dir="14040000" algn="tl" rotWithShape="0">
+                    <a:srgbClr val="000000">
+                      <a:alpha val="25000"/>
+                    </a:srgbClr>
+                  </a:outerShdw>
+                </a:effectLst>
+              </a:defRPr>
+            </a:lvl1pPr>
+            <a:lvl2pPr>
+              <a:defRPr>
+                <a:solidFill>
+                  <a:schemeClr val="tx2"/>
+                </a:solidFill>
+              </a:defRPr>
+            </a:lvl2pPr>
+            <a:lvl3pPr>
+              <a:defRPr>
+                <a:solidFill>
+                  <a:schemeClr val="tx2"/>
+                </a:solidFill>
+              </a:defRPr>
+            </a:lvl3pPr>
+            <a:lvl4pPr>
+              <a:defRPr>
+                <a:solidFill>
+                  <a:schemeClr val="tx2"/>
+                </a:solidFill>
+              </a:defRPr>
+            </a:lvl4pPr>
+            <a:lvl5pPr>
+              <a:defRPr>
+                <a:solidFill>
+                  <a:schemeClr val="tx2"/>
+                </a:solidFill>
+              </a:defRPr>
+            </a:lvl5pPr>
+            <a:lvl6pPr>
+              <a:defRPr>
+                <a:solidFill>
+                  <a:schemeClr val="tx2"/>
+                </a:solidFill>
+              </a:defRPr>
+            </a:lvl6pPr>
+            <a:lvl7pPr>
+              <a:defRPr>
+                <a:solidFill>
+                  <a:schemeClr val="tx2"/>
+                </a:solidFill>
+              </a:defRPr>
+            </a:lvl7pPr>
+            <a:lvl8pPr>
+              <a:defRPr>
+                <a:solidFill>
+                  <a:schemeClr val="tx2"/>
+                </a:solidFill>
+              </a:defRPr>
+            </a:lvl8pPr>
+            <a:lvl9pPr>
+              <a:defRPr>
+                <a:solidFill>
+                  <a:schemeClr val="tx2"/>
+                </a:solidFill>
+              </a:defRPr>
+            </a:lvl9pPr>
+          </a:lstStyle>
+          <a:p>
+            <a:pPr lvl="0" algn="r"/>
+            <a:r>
+              <a:rPr lang="en-US" sz="8000" dirty="0">
+                <a:solidFill>
+                  <a:schemeClr val="tx1"/>
+                </a:solidFill>
+                <a:effectLst/>
+              </a:rPr>
+              <a:t>”</a:t>
+            </a:r>
+          </a:p>
+        </p:txBody>
+      </p:sp>
+      <p:sp>
+        <p:nvSpPr>
+          <p:cNvPr id="11" name="TextBox 10"/>
+          <p:cNvSpPr txBox="1"/>
+          <p:nvPr/>
+        </p:nvSpPr>
+        <p:spPr>
+          <a:xfrm>
+            <a:off x="488275" y="823337"/>
+            <a:ext cx="609600" cy="584776"/>
+          </a:xfrm>
+          <a:prstGeom prst="rect">
+            <a:avLst/>
+          </a:prstGeom>
+        </p:spPr>
+        <p:txBody>
+          <a:bodyPr vert="horz" lIns="91440" tIns="45720" rIns="91440" bIns="45720" rtlCol="0" anchor="ctr">
+            <a:noAutofit/>
+          </a:bodyPr>
+          <a:lstStyle>
+            <a:lvl1pPr>
+              <a:spcBef>
+                <a:spcPct val="0"/>
+              </a:spcBef>
+              <a:buNone/>
+              <a:defRPr sz="3200" b="0" cap="all">
+                <a:ln w="3175" cmpd="sng">
+                  <a:noFill/>
+                </a:ln>
+                <a:effectLst>
+                  <a:glow rad="38100">
+                    <a:schemeClr val="bg1">
+                      <a:lumMod val="65000"/>
+                      <a:lumOff val="35000"/>
+                      <a:alpha val="40000"/>
+                    </a:schemeClr>
+                  </a:glow>
+                  <a:outerShdw blurRad="28575" dist="38100" dir="14040000" algn="tl" rotWithShape="0">
+                    <a:srgbClr val="000000">
+                      <a:alpha val="25000"/>
+                    </a:srgbClr>
+                  </a:outerShdw>
+                </a:effectLst>
+              </a:defRPr>
+            </a:lvl1pPr>
+            <a:lvl2pPr>
+              <a:defRPr>
+                <a:solidFill>
+                  <a:schemeClr val="tx2"/>
+                </a:solidFill>
+              </a:defRPr>
+            </a:lvl2pPr>
+            <a:lvl3pPr>
+              <a:defRPr>
+                <a:solidFill>
+                  <a:schemeClr val="tx2"/>
+                </a:solidFill>
+              </a:defRPr>
+            </a:lvl3pPr>
+            <a:lvl4pPr>
+              <a:defRPr>
+                <a:solidFill>
+                  <a:schemeClr val="tx2"/>
+                </a:solidFill>
+              </a:defRPr>
+            </a:lvl4pPr>
+            <a:lvl5pPr>
+              <a:defRPr>
+                <a:solidFill>
+                  <a:schemeClr val="tx2"/>
+                </a:solidFill>
+              </a:defRPr>
+            </a:lvl5pPr>
+            <a:lvl6pPr>
+              <a:defRPr>
+                <a:solidFill>
+                  <a:schemeClr val="tx2"/>
+                </a:solidFill>
+              </a:defRPr>
+            </a:lvl6pPr>
+            <a:lvl7pPr>
+              <a:defRPr>
+                <a:solidFill>
+                  <a:schemeClr val="tx2"/>
+                </a:solidFill>
+              </a:defRPr>
+            </a:lvl7pPr>
+            <a:lvl8pPr>
+              <a:defRPr>
+                <a:solidFill>
+                  <a:schemeClr val="tx2"/>
+                </a:solidFill>
+              </a:defRPr>
+            </a:lvl8pPr>
+            <a:lvl9pPr>
+              <a:defRPr>
+                <a:solidFill>
+                  <a:schemeClr val="tx2"/>
+                </a:solidFill>
+              </a:defRPr>
+            </a:lvl9pPr>
+          </a:lstStyle>
+          <a:p>
+            <a:pPr lvl="0" algn="r"/>
+            <a:r>
+              <a:rPr lang="en-US" sz="8000" dirty="0">
+                <a:solidFill>
+                  <a:schemeClr val="tx1"/>
+                </a:solidFill>
+                <a:effectLst/>
+              </a:rPr>
+              <a:t>“</a:t>
+            </a:r>
+          </a:p>
+        </p:txBody>
+      </p:sp>
+      <p:sp>
+        <p:nvSpPr>
+          <p:cNvPr id="2" name="Title 1"/>
+          <p:cNvSpPr>
+            <a:spLocks noGrp="1"/>
+          </p:cNvSpPr>
+          <p:nvPr>
+            <p:ph type="title"/>
+          </p:nvPr>
+        </p:nvSpPr>
+        <p:spPr>
+          <a:xfrm>
+            <a:off x="992267" y="609601"/>
+            <a:ext cx="9550399" cy="2743199"/>
+          </a:xfrm>
+        </p:spPr>
+        <p:txBody>
+          <a:bodyPr anchor="ctr">
+            <a:normAutofit/>
+          </a:bodyPr>
+          <a:lstStyle>
+            <a:lvl1pPr algn="l">
+              <a:defRPr sz="3200" b="0" cap="none">
+                <a:solidFill>
+                  <a:schemeClr val="tx1"/>
+                </a:solidFill>
+              </a:defRPr>
+            </a:lvl1pPr>
+          </a:lstStyle>
+          <a:p>
+            <a:r>
+              <a:rPr lang="en-US" smtClean="0"/>
+              <a:t>Click to edit Master title style</a:t>
+            </a:r>
+            <a:endParaRPr lang="en-US" dirty="0"/>
+          </a:p>
+        </p:txBody>
+      </p:sp>
+      <p:sp>
+        <p:nvSpPr>
+          <p:cNvPr id="10" name="Text Placeholder 9"/>
+          <p:cNvSpPr>
+            <a:spLocks noGrp="1"/>
+          </p:cNvSpPr>
+          <p:nvPr>
+            <p:ph type="body" sz="quarter" idx="13"/>
+          </p:nvPr>
+        </p:nvSpPr>
+        <p:spPr>
+          <a:xfrm>
+            <a:off x="1097875" y="3352800"/>
+            <a:ext cx="9339184" cy="381000"/>
+          </a:xfrm>
+        </p:spPr>
+        <p:txBody>
+          <a:bodyPr anchor="ctr"/>
+          <a:lstStyle>
+            <a:lvl1pPr marL="0" indent="0">
+              <a:buFontTx/>
+              <a:buNone/>
+              <a:defRPr/>
+            </a:lvl1pPr>
+            <a:lvl2pPr marL="457200" indent="0">
+              <a:buFontTx/>
+              <a:buNone/>
+              <a:defRPr/>
+            </a:lvl2pPr>
+            <a:lvl3pPr marL="914400" indent="0">
+              <a:buFontTx/>
+              <a:buNone/>
+              <a:defRPr/>
+            </a:lvl3pPr>
+            <a:lvl4pPr marL="1371600" indent="0">
+              <a:buFontTx/>
+              <a:buNone/>
+              <a:defRPr/>
+            </a:lvl4pPr>
+            <a:lvl5pPr marL="1828800" indent="0">
+              <a:buFontTx/>
+              <a:buNone/>
+              <a:defRPr/>
+            </a:lvl5pPr>
+          </a:lstStyle>
+          <a:p>
+            <a:pPr lvl="0"/>
+            <a:r>
+              <a:rPr lang="en-US" smtClean="0"/>
+              <a:t>Edit Master text styles</a:t>
+            </a:r>
+          </a:p>
+        </p:txBody>
+      </p:sp>
+      <p:sp>
+        <p:nvSpPr>
+          <p:cNvPr id="3" name="Text Placeholder 2"/>
+          <p:cNvSpPr>
+            <a:spLocks noGrp="1"/>
+          </p:cNvSpPr>
+          <p:nvPr>
+            <p:ph type="body" idx="1"/>
+          </p:nvPr>
+        </p:nvSpPr>
+        <p:spPr>
+          <a:xfrm>
+            <a:off x="687465" y="4343400"/>
+            <a:ext cx="10152367" cy="1447800"/>
+          </a:xfrm>
+        </p:spPr>
+        <p:txBody>
+          <a:bodyPr anchor="ctr">
+            <a:normAutofit/>
+          </a:bodyPr>
+          <a:lstStyle>
+            <a:lvl1pPr marL="0" indent="0" algn="l">
+              <a:buNone/>
+              <a:defRPr sz="2000">
+                <a:solidFill>
+                  <a:schemeClr val="tx1"/>
+                </a:solidFill>
+              </a:defRPr>
+            </a:lvl1pPr>
+            <a:lvl2pPr marL="457200" indent="0">
+              <a:buNone/>
+              <a:defRPr sz="1800">
+                <a:solidFill>
+                  <a:schemeClr val="tx1">
+                    <a:tint val="75000"/>
+                  </a:schemeClr>
+                </a:solidFill>
+              </a:defRPr>
+            </a:lvl2pPr>
+            <a:lvl3pPr marL="914400" indent="0">
+              <a:buNone/>
+              <a:defRPr sz="1600">
+                <a:solidFill>
+                  <a:schemeClr val="tx1">
+                    <a:tint val="75000"/>
+                  </a:schemeClr>
+                </a:solidFill>
+              </a:defRPr>
+            </a:lvl3pPr>
+            <a:lvl4pPr marL="1371600" indent="0">
+              <a:buNone/>
+              <a:defRPr sz="1400">
+                <a:solidFill>
+                  <a:schemeClr val="tx1">
+                    <a:tint val="75000"/>
+                  </a:schemeClr>
+                </a:solidFill>
+              </a:defRPr>
+            </a:lvl4pPr>
+            <a:lvl5pPr marL="1828800" indent="0">
+              <a:buNone/>
+              <a:defRPr sz="1400">
+                <a:solidFill>
+                  <a:schemeClr val="tx1">
+                    <a:tint val="75000"/>
+                  </a:schemeClr>
+                </a:solidFill>
+              </a:defRPr>
+            </a:lvl5pPr>
+            <a:lvl6pPr marL="2286000" indent="0">
+              <a:buNone/>
+              <a:defRPr sz="1400">
+                <a:solidFill>
+                  <a:schemeClr val="tx1">
+                    <a:tint val="75000"/>
+                  </a:schemeClr>
+                </a:solidFill>
+              </a:defRPr>
+            </a:lvl6pPr>
+            <a:lvl7pPr marL="2743200" indent="0">
+              <a:buNone/>
+              <a:defRPr sz="1400">
+                <a:solidFill>
+                  <a:schemeClr val="tx1">
+                    <a:tint val="75000"/>
+                  </a:schemeClr>
+                </a:solidFill>
+              </a:defRPr>
+            </a:lvl7pPr>
+            <a:lvl8pPr marL="3200400" indent="0">
+              <a:buNone/>
+              <a:defRPr sz="1400">
+                <a:solidFill>
+                  <a:schemeClr val="tx1">
+                    <a:tint val="75000"/>
+                  </a:schemeClr>
+                </a:solidFill>
+              </a:defRPr>
+            </a:lvl8pPr>
+            <a:lvl9pPr marL="3657600" indent="0">
+              <a:buNone/>
+              <a:defRPr sz="1400">
+                <a:solidFill>
+                  <a:schemeClr val="tx1">
+                    <a:tint val="75000"/>
+                  </a:schemeClr>
+                </a:solidFill>
+              </a:defRPr>
+            </a:lvl9pPr>
+          </a:lstStyle>
+          <a:p>
+            <a:pPr lvl="0"/>
+            <a:r>
+              <a:rPr lang="en-US" smtClean="0"/>
+              <a:t>Edit Master text styles</a:t>
+            </a:r>
+          </a:p>
+        </p:txBody>
+      </p:sp>
+      <p:sp>
+        <p:nvSpPr>
+          <p:cNvPr id="4" name="Date Placeholder 3"/>
+          <p:cNvSpPr>
+            <a:spLocks noGrp="1"/>
+          </p:cNvSpPr>
+          <p:nvPr>
+            <p:ph type="dt" sz="half" idx="10"/>
+          </p:nvPr>
+        </p:nvSpPr>
+        <p:spPr/>
+        <p:txBody>
+          <a:bodyPr/>
+          <a:lstStyle/>
+          <a:p>
+            <a:fld id="{945F9D44-93C9-462C-8D82-785E1F97CC13}" type="datetimeFigureOut">
+              <a:rPr lang="en-PH" smtClean="0"/>
+              <a:t>04/10/2023</a:t>
+            </a:fld>
+            <a:endParaRPr lang="en-PH"/>
+          </a:p>
+        </p:txBody>
+      </p:sp>
+      <p:sp>
+        <p:nvSpPr>
+          <p:cNvPr id="5" name="Footer Placeholder 4"/>
+          <p:cNvSpPr>
+            <a:spLocks noGrp="1"/>
+          </p:cNvSpPr>
+          <p:nvPr>
+            <p:ph type="ftr" sz="quarter" idx="11"/>
+          </p:nvPr>
+        </p:nvSpPr>
+        <p:spPr/>
+        <p:txBody>
+          <a:bodyPr/>
+          <a:lstStyle/>
+          <a:p>
+            <a:endParaRPr lang="en-PH"/>
+          </a:p>
+        </p:txBody>
+      </p:sp>
+      <p:sp>
+        <p:nvSpPr>
+          <p:cNvPr id="6" name="Slide Number Placeholder 5"/>
+          <p:cNvSpPr>
+            <a:spLocks noGrp="1"/>
+          </p:cNvSpPr>
+          <p:nvPr>
+            <p:ph type="sldNum" sz="quarter" idx="12"/>
+          </p:nvPr>
+        </p:nvSpPr>
+        <p:spPr/>
+        <p:txBody>
+          <a:bodyPr/>
+          <a:lstStyle/>
+          <a:p>
+            <a:fld id="{AB63D9AA-3A33-4B0C-88F4-BD522B2C2158}" type="slidenum">
+              <a:rPr lang="en-PH" smtClean="0"/>
+              <a:t>‹#›</a:t>
+            </a:fld>
+            <a:endParaRPr lang="en-PH"/>
+          </a:p>
+        </p:txBody>
+      </p:sp>
+    </p:spTree>
+    <p:extLst>
+      <p:ext uri="{BB962C8B-B14F-4D97-AF65-F5344CB8AC3E}">
+        <p14:creationId xmlns:p14="http://schemas.microsoft.com/office/powerpoint/2010/main" val="2073070514"/>
+      </p:ext>
+    </p:extLst>
+  </p:cSld>
+  <p:clrMapOvr>
+    <a:masterClrMapping/>
+  </p:clrMapOvr>
+</p:sldLayout>
+</file>
+
+<file path=ppt/slideLayouts/slideLayout13.xml><?xml version="1.0" encoding="utf-8"?>
+<p:sldLayout xmlns:a="http://schemas.openxmlformats.org/drawingml/2006/main" xmlns:r="http://schemas.openxmlformats.org/officeDocument/2006/relationships" xmlns:p="http://schemas.openxmlformats.org/presentationml/2006/main" preserve="1">
+  <p:cSld name="Name Card">
+    <p:spTree>
+      <p:nvGrpSpPr>
+        <p:cNvPr id="1" name=""/>
+        <p:cNvGrpSpPr/>
+        <p:nvPr/>
+      </p:nvGrpSpPr>
+      <p:grpSpPr>
+        <a:xfrm>
+          <a:off x="0" y="0"/>
+          <a:ext cx="0" cy="0"/>
+          <a:chOff x="0" y="0"/>
+          <a:chExt cx="0" cy="0"/>
+        </a:xfrm>
+      </p:grpSpPr>
+      <p:pic>
+        <p:nvPicPr>
+          <p:cNvPr id="8" name="Picture 7" descr="Celestia-R1---OverlayContentHD.png"/>
+          <p:cNvPicPr>
+            <a:picLocks noChangeAspect="1"/>
+          </p:cNvPicPr>
+          <p:nvPr/>
+        </p:nvPicPr>
+        <p:blipFill>
+          <a:blip r:embed="rId2">
+            <a:extLst>
+              <a:ext uri="{28A0092B-C50C-407E-A947-70E740481C1C}">
+                <a14:useLocalDpi xmlns:a14="http://schemas.microsoft.com/office/drawing/2010/main" val="0"/>
+              </a:ext>
+            </a:extLst>
+          </a:blip>
+          <a:stretch>
+            <a:fillRect/>
+          </a:stretch>
+        </p:blipFill>
+        <p:spPr>
+          <a:xfrm>
+            <a:off x="0" y="0"/>
+            <a:ext cx="12188825" cy="6856214"/>
+          </a:xfrm>
+          <a:prstGeom prst="rect">
+            <a:avLst/>
+          </a:prstGeom>
+        </p:spPr>
+      </p:pic>
+      <p:sp>
+        <p:nvSpPr>
+          <p:cNvPr id="2" name="Title 1"/>
+          <p:cNvSpPr>
+            <a:spLocks noGrp="1"/>
+          </p:cNvSpPr>
+          <p:nvPr>
+            <p:ph type="title"/>
+          </p:nvPr>
+        </p:nvSpPr>
+        <p:spPr>
+          <a:xfrm>
+            <a:off x="685802" y="3308581"/>
+            <a:ext cx="10131425" cy="1468800"/>
+          </a:xfrm>
+        </p:spPr>
+        <p:txBody>
+          <a:bodyPr anchor="b">
+            <a:normAutofit/>
+          </a:bodyPr>
+          <a:lstStyle>
+            <a:lvl1pPr algn="l">
+              <a:defRPr sz="3200" b="0" cap="none"/>
+            </a:lvl1pPr>
+          </a:lstStyle>
+          <a:p>
+            <a:r>
+              <a:rPr lang="en-US" smtClean="0"/>
+              <a:t>Click to edit Master title style</a:t>
+            </a:r>
+            <a:endParaRPr lang="en-US" dirty="0"/>
+          </a:p>
+        </p:txBody>
+      </p:sp>
+      <p:sp>
+        <p:nvSpPr>
+          <p:cNvPr id="3" name="Text Placeholder 2"/>
+          <p:cNvSpPr>
+            <a:spLocks noGrp="1"/>
+          </p:cNvSpPr>
+          <p:nvPr>
+            <p:ph type="body" idx="1"/>
+          </p:nvPr>
+        </p:nvSpPr>
+        <p:spPr>
+          <a:xfrm>
+            <a:off x="685801" y="4777381"/>
+            <a:ext cx="10131426" cy="860400"/>
+          </a:xfrm>
+        </p:spPr>
+        <p:txBody>
+          <a:bodyPr anchor="t">
+            <a:normAutofit/>
+          </a:bodyPr>
+          <a:lstStyle>
+            <a:lvl1pPr marL="0" indent="0" algn="l">
+              <a:buNone/>
+              <a:defRPr sz="2000">
+                <a:solidFill>
+                  <a:schemeClr val="tx1"/>
+                </a:solidFill>
+              </a:defRPr>
+            </a:lvl1pPr>
+            <a:lvl2pPr marL="457200" indent="0">
+              <a:buNone/>
+              <a:defRPr sz="1800">
+                <a:solidFill>
+                  <a:schemeClr val="tx1">
+                    <a:tint val="75000"/>
+                  </a:schemeClr>
+                </a:solidFill>
+              </a:defRPr>
+            </a:lvl2pPr>
+            <a:lvl3pPr marL="914400" indent="0">
+              <a:buNone/>
+              <a:defRPr sz="1600">
+                <a:solidFill>
+                  <a:schemeClr val="tx1">
+                    <a:tint val="75000"/>
+                  </a:schemeClr>
+                </a:solidFill>
+              </a:defRPr>
+            </a:lvl3pPr>
+            <a:lvl4pPr marL="1371600" indent="0">
+              <a:buNone/>
+              <a:defRPr sz="1400">
+                <a:solidFill>
+                  <a:schemeClr val="tx1">
+                    <a:tint val="75000"/>
+                  </a:schemeClr>
+                </a:solidFill>
+              </a:defRPr>
+            </a:lvl4pPr>
+            <a:lvl5pPr marL="1828800" indent="0">
+              <a:buNone/>
+              <a:defRPr sz="1400">
+                <a:solidFill>
+                  <a:schemeClr val="tx1">
+                    <a:tint val="75000"/>
+                  </a:schemeClr>
+                </a:solidFill>
+              </a:defRPr>
+            </a:lvl5pPr>
+            <a:lvl6pPr marL="2286000" indent="0">
+              <a:buNone/>
+              <a:defRPr sz="1400">
+                <a:solidFill>
+                  <a:schemeClr val="tx1">
+                    <a:tint val="75000"/>
+                  </a:schemeClr>
+                </a:solidFill>
+              </a:defRPr>
+            </a:lvl6pPr>
+            <a:lvl7pPr marL="2743200" indent="0">
+              <a:buNone/>
+              <a:defRPr sz="1400">
+                <a:solidFill>
+                  <a:schemeClr val="tx1">
+                    <a:tint val="75000"/>
+                  </a:schemeClr>
+                </a:solidFill>
+              </a:defRPr>
+            </a:lvl7pPr>
+            <a:lvl8pPr marL="3200400" indent="0">
+              <a:buNone/>
+              <a:defRPr sz="1400">
+                <a:solidFill>
+                  <a:schemeClr val="tx1">
+                    <a:tint val="75000"/>
+                  </a:schemeClr>
+                </a:solidFill>
+              </a:defRPr>
+            </a:lvl8pPr>
+            <a:lvl9pPr marL="3657600" indent="0">
+              <a:buNone/>
+              <a:defRPr sz="1400">
+                <a:solidFill>
+                  <a:schemeClr val="tx1">
+                    <a:tint val="75000"/>
+                  </a:schemeClr>
+                </a:solidFill>
+              </a:defRPr>
+            </a:lvl9pPr>
+          </a:lstStyle>
+          <a:p>
+            <a:pPr lvl="0"/>
+            <a:r>
+              <a:rPr lang="en-US" smtClean="0"/>
+              <a:t>Edit Master text styles</a:t>
+            </a:r>
+          </a:p>
+        </p:txBody>
+      </p:sp>
+      <p:sp>
+        <p:nvSpPr>
+          <p:cNvPr id="4" name="Date Placeholder 3"/>
+          <p:cNvSpPr>
+            <a:spLocks noGrp="1"/>
+          </p:cNvSpPr>
+          <p:nvPr>
+            <p:ph type="dt" sz="half" idx="10"/>
+          </p:nvPr>
+        </p:nvSpPr>
+        <p:spPr/>
+        <p:txBody>
+          <a:bodyPr/>
+          <a:lstStyle/>
+          <a:p>
+            <a:fld id="{945F9D44-93C9-462C-8D82-785E1F97CC13}" type="datetimeFigureOut">
+              <a:rPr lang="en-PH" smtClean="0"/>
+              <a:t>04/10/2023</a:t>
+            </a:fld>
+            <a:endParaRPr lang="en-PH"/>
+          </a:p>
+        </p:txBody>
+      </p:sp>
+      <p:sp>
+        <p:nvSpPr>
+          <p:cNvPr id="5" name="Footer Placeholder 4"/>
+          <p:cNvSpPr>
+            <a:spLocks noGrp="1"/>
+          </p:cNvSpPr>
+          <p:nvPr>
+            <p:ph type="ftr" sz="quarter" idx="11"/>
+          </p:nvPr>
+        </p:nvSpPr>
+        <p:spPr/>
+        <p:txBody>
+          <a:bodyPr/>
+          <a:lstStyle/>
+          <a:p>
+            <a:endParaRPr lang="en-PH"/>
+          </a:p>
+        </p:txBody>
+      </p:sp>
+      <p:sp>
+        <p:nvSpPr>
+          <p:cNvPr id="6" name="Slide Number Placeholder 5"/>
+          <p:cNvSpPr>
+            <a:spLocks noGrp="1"/>
+          </p:cNvSpPr>
+          <p:nvPr>
+            <p:ph type="sldNum" sz="quarter" idx="12"/>
+          </p:nvPr>
+        </p:nvSpPr>
+        <p:spPr/>
+        <p:txBody>
+          <a:bodyPr/>
+          <a:lstStyle/>
+          <a:p>
+            <a:fld id="{AB63D9AA-3A33-4B0C-88F4-BD522B2C2158}" type="slidenum">
+              <a:rPr lang="en-PH" smtClean="0"/>
+              <a:t>‹#›</a:t>
+            </a:fld>
+            <a:endParaRPr lang="en-PH"/>
+          </a:p>
+        </p:txBody>
+      </p:sp>
+    </p:spTree>
+    <p:extLst>
+      <p:ext uri="{BB962C8B-B14F-4D97-AF65-F5344CB8AC3E}">
+        <p14:creationId xmlns:p14="http://schemas.microsoft.com/office/powerpoint/2010/main" val="3050001384"/>
+      </p:ext>
+    </p:extLst>
+  </p:cSld>
+  <p:clrMapOvr>
+    <a:masterClrMapping/>
+  </p:clrMapOvr>
+</p:sldLayout>
+</file>
+
+<file path=ppt/slideLayouts/slideLayout14.xml><?xml version="1.0" encoding="utf-8"?>
+<p:sldLayout xmlns:a="http://schemas.openxmlformats.org/drawingml/2006/main" xmlns:r="http://schemas.openxmlformats.org/officeDocument/2006/relationships" xmlns:p="http://schemas.openxmlformats.org/presentationml/2006/main" preserve="1">
+  <p:cSld name="Quote Name Card">
+    <p:spTree>
+      <p:nvGrpSpPr>
+        <p:cNvPr id="1" name=""/>
+        <p:cNvGrpSpPr/>
+        <p:nvPr/>
+      </p:nvGrpSpPr>
+      <p:grpSpPr>
+        <a:xfrm>
+          <a:off x="0" y="0"/>
+          <a:ext cx="0" cy="0"/>
+          <a:chOff x="0" y="0"/>
+          <a:chExt cx="0" cy="0"/>
+        </a:xfrm>
+      </p:grpSpPr>
+      <p:pic>
+        <p:nvPicPr>
+          <p:cNvPr id="11" name="Picture 10" descr="Celestia-R1---OverlayContentHD.png"/>
+          <p:cNvPicPr>
+            <a:picLocks noChangeAspect="1"/>
+          </p:cNvPicPr>
+          <p:nvPr/>
+        </p:nvPicPr>
+        <p:blipFill>
+          <a:blip r:embed="rId2">
+            <a:extLst>
+              <a:ext uri="{28A0092B-C50C-407E-A947-70E740481C1C}">
+                <a14:useLocalDpi xmlns:a14="http://schemas.microsoft.com/office/drawing/2010/main" val="0"/>
+              </a:ext>
+            </a:extLst>
+          </a:blip>
+          <a:stretch>
+            <a:fillRect/>
+          </a:stretch>
+        </p:blipFill>
+        <p:spPr>
+          <a:xfrm>
+            <a:off x="0" y="0"/>
+            <a:ext cx="12188825" cy="6856214"/>
+          </a:xfrm>
+          <a:prstGeom prst="rect">
+            <a:avLst/>
+          </a:prstGeom>
+        </p:spPr>
+      </p:pic>
+      <p:sp>
+        <p:nvSpPr>
+          <p:cNvPr id="13" name="TextBox 12"/>
+          <p:cNvSpPr txBox="1"/>
+          <p:nvPr/>
+        </p:nvSpPr>
+        <p:spPr>
+          <a:xfrm>
+            <a:off x="10237867" y="2743200"/>
+            <a:ext cx="609600" cy="584776"/>
+          </a:xfrm>
+          <a:prstGeom prst="rect">
+            <a:avLst/>
+          </a:prstGeom>
+        </p:spPr>
+        <p:txBody>
+          <a:bodyPr vert="horz" lIns="91440" tIns="45720" rIns="91440" bIns="45720" rtlCol="0" anchor="ctr">
+            <a:noAutofit/>
+          </a:bodyPr>
+          <a:lstStyle>
+            <a:lvl1pPr>
+              <a:spcBef>
+                <a:spcPct val="0"/>
+              </a:spcBef>
+              <a:buNone/>
+              <a:defRPr sz="3200" b="0" cap="all">
+                <a:ln w="3175" cmpd="sng">
+                  <a:noFill/>
+                </a:ln>
+                <a:effectLst>
+                  <a:glow rad="38100">
+                    <a:schemeClr val="bg1">
+                      <a:lumMod val="65000"/>
+                      <a:lumOff val="35000"/>
+                      <a:alpha val="40000"/>
+                    </a:schemeClr>
+                  </a:glow>
+                  <a:outerShdw blurRad="28575" dist="38100" dir="14040000" algn="tl" rotWithShape="0">
+                    <a:srgbClr val="000000">
+                      <a:alpha val="25000"/>
+                    </a:srgbClr>
+                  </a:outerShdw>
+                </a:effectLst>
+              </a:defRPr>
+            </a:lvl1pPr>
+            <a:lvl2pPr>
+              <a:defRPr>
+                <a:solidFill>
+                  <a:schemeClr val="tx2"/>
+                </a:solidFill>
+              </a:defRPr>
+            </a:lvl2pPr>
+            <a:lvl3pPr>
+              <a:defRPr>
+                <a:solidFill>
+                  <a:schemeClr val="tx2"/>
+                </a:solidFill>
+              </a:defRPr>
+            </a:lvl3pPr>
+            <a:lvl4pPr>
+              <a:defRPr>
+                <a:solidFill>
+                  <a:schemeClr val="tx2"/>
+                </a:solidFill>
+              </a:defRPr>
+            </a:lvl4pPr>
+            <a:lvl5pPr>
+              <a:defRPr>
+                <a:solidFill>
+                  <a:schemeClr val="tx2"/>
+                </a:solidFill>
+              </a:defRPr>
+            </a:lvl5pPr>
+            <a:lvl6pPr>
+              <a:defRPr>
+                <a:solidFill>
+                  <a:schemeClr val="tx2"/>
+                </a:solidFill>
+              </a:defRPr>
+            </a:lvl6pPr>
+            <a:lvl7pPr>
+              <a:defRPr>
+                <a:solidFill>
+                  <a:schemeClr val="tx2"/>
+                </a:solidFill>
+              </a:defRPr>
+            </a:lvl7pPr>
+            <a:lvl8pPr>
+              <a:defRPr>
+                <a:solidFill>
+                  <a:schemeClr val="tx2"/>
+                </a:solidFill>
+              </a:defRPr>
+            </a:lvl8pPr>
+            <a:lvl9pPr>
+              <a:defRPr>
+                <a:solidFill>
+                  <a:schemeClr val="tx2"/>
+                </a:solidFill>
+              </a:defRPr>
+            </a:lvl9pPr>
+          </a:lstStyle>
+          <a:p>
+            <a:pPr lvl="0" algn="r"/>
+            <a:r>
+              <a:rPr lang="en-US" sz="8000" dirty="0">
+                <a:solidFill>
+                  <a:schemeClr val="tx1"/>
+                </a:solidFill>
+                <a:effectLst/>
+              </a:rPr>
+              <a:t>”</a:t>
+            </a:r>
+          </a:p>
+        </p:txBody>
+      </p:sp>
+      <p:sp>
+        <p:nvSpPr>
+          <p:cNvPr id="14" name="TextBox 13"/>
+          <p:cNvSpPr txBox="1"/>
+          <p:nvPr/>
+        </p:nvSpPr>
+        <p:spPr>
+          <a:xfrm>
+            <a:off x="488275" y="823337"/>
+            <a:ext cx="609600" cy="584776"/>
+          </a:xfrm>
+          <a:prstGeom prst="rect">
+            <a:avLst/>
+          </a:prstGeom>
+        </p:spPr>
+        <p:txBody>
+          <a:bodyPr vert="horz" lIns="91440" tIns="45720" rIns="91440" bIns="45720" rtlCol="0" anchor="ctr">
+            <a:noAutofit/>
+          </a:bodyPr>
+          <a:lstStyle>
+            <a:lvl1pPr>
+              <a:spcBef>
+                <a:spcPct val="0"/>
+              </a:spcBef>
+              <a:buNone/>
+              <a:defRPr sz="3200" b="0" cap="all">
+                <a:ln w="3175" cmpd="sng">
+                  <a:noFill/>
+                </a:ln>
+                <a:effectLst>
+                  <a:glow rad="38100">
+                    <a:schemeClr val="bg1">
+                      <a:lumMod val="65000"/>
+                      <a:lumOff val="35000"/>
+                      <a:alpha val="40000"/>
+                    </a:schemeClr>
+                  </a:glow>
+                  <a:outerShdw blurRad="28575" dist="38100" dir="14040000" algn="tl" rotWithShape="0">
+                    <a:srgbClr val="000000">
+                      <a:alpha val="25000"/>
+                    </a:srgbClr>
+                  </a:outerShdw>
+                </a:effectLst>
+              </a:defRPr>
+            </a:lvl1pPr>
+            <a:lvl2pPr>
+              <a:defRPr>
+                <a:solidFill>
+                  <a:schemeClr val="tx2"/>
+                </a:solidFill>
+              </a:defRPr>
+            </a:lvl2pPr>
+            <a:lvl3pPr>
+              <a:defRPr>
+                <a:solidFill>
+                  <a:schemeClr val="tx2"/>
+                </a:solidFill>
+              </a:defRPr>
+            </a:lvl3pPr>
+            <a:lvl4pPr>
+              <a:defRPr>
+                <a:solidFill>
+                  <a:schemeClr val="tx2"/>
+                </a:solidFill>
+              </a:defRPr>
+            </a:lvl4pPr>
+            <a:lvl5pPr>
+              <a:defRPr>
+                <a:solidFill>
+                  <a:schemeClr val="tx2"/>
+                </a:solidFill>
+              </a:defRPr>
+            </a:lvl5pPr>
+            <a:lvl6pPr>
+              <a:defRPr>
+                <a:solidFill>
+                  <a:schemeClr val="tx2"/>
+                </a:solidFill>
+              </a:defRPr>
+            </a:lvl6pPr>
+            <a:lvl7pPr>
+              <a:defRPr>
+                <a:solidFill>
+                  <a:schemeClr val="tx2"/>
+                </a:solidFill>
+              </a:defRPr>
+            </a:lvl7pPr>
+            <a:lvl8pPr>
+              <a:defRPr>
+                <a:solidFill>
+                  <a:schemeClr val="tx2"/>
+                </a:solidFill>
+              </a:defRPr>
+            </a:lvl8pPr>
+            <a:lvl9pPr>
+              <a:defRPr>
+                <a:solidFill>
+                  <a:schemeClr val="tx2"/>
+                </a:solidFill>
+              </a:defRPr>
+            </a:lvl9pPr>
+          </a:lstStyle>
+          <a:p>
+            <a:pPr lvl="0" algn="r"/>
+            <a:r>
+              <a:rPr lang="en-US" sz="8000" dirty="0">
+                <a:solidFill>
+                  <a:schemeClr val="tx1"/>
+                </a:solidFill>
+                <a:effectLst/>
+              </a:rPr>
+              <a:t>“</a:t>
+            </a:r>
+          </a:p>
+        </p:txBody>
+      </p:sp>
+      <p:sp>
+        <p:nvSpPr>
+          <p:cNvPr id="16" name="Title 1"/>
+          <p:cNvSpPr>
+            <a:spLocks noGrp="1"/>
+          </p:cNvSpPr>
+          <p:nvPr>
+            <p:ph type="title"/>
+          </p:nvPr>
+        </p:nvSpPr>
+        <p:spPr>
+          <a:xfrm>
+            <a:off x="992267" y="609601"/>
+            <a:ext cx="9550399" cy="2743199"/>
+          </a:xfrm>
+        </p:spPr>
+        <p:txBody>
+          <a:bodyPr anchor="ctr">
+            <a:normAutofit/>
+          </a:bodyPr>
+          <a:lstStyle>
+            <a:lvl1pPr algn="l">
+              <a:defRPr sz="3200" b="0" cap="none">
+                <a:solidFill>
+                  <a:schemeClr val="tx1"/>
+                </a:solidFill>
+              </a:defRPr>
+            </a:lvl1pPr>
+          </a:lstStyle>
+          <a:p>
+            <a:r>
+              <a:rPr lang="en-US" smtClean="0"/>
+              <a:t>Click to edit Master title style</a:t>
+            </a:r>
+            <a:endParaRPr lang="en-US" dirty="0"/>
+          </a:p>
+        </p:txBody>
+      </p:sp>
+      <p:sp>
+        <p:nvSpPr>
+          <p:cNvPr id="10" name="Text Placeholder 9"/>
+          <p:cNvSpPr>
+            <a:spLocks noGrp="1"/>
+          </p:cNvSpPr>
+          <p:nvPr>
+            <p:ph type="body" sz="quarter" idx="13"/>
+          </p:nvPr>
+        </p:nvSpPr>
+        <p:spPr>
+          <a:xfrm>
+            <a:off x="685800" y="3886200"/>
+            <a:ext cx="10135436" cy="889000"/>
+          </a:xfrm>
+        </p:spPr>
+        <p:txBody>
+          <a:bodyPr vert="horz" lIns="91440" tIns="45720" rIns="91440" bIns="45720" rtlCol="0" anchor="b">
+            <a:normAutofit/>
+          </a:bodyPr>
+          <a:lstStyle>
+            <a:lvl1pPr>
+              <a:buNone/>
+              <a:defRPr lang="en-US" sz="2400" b="0" cap="none" dirty="0">
+                <a:ln w="3175" cmpd="sng">
+                  <a:noFill/>
+                </a:ln>
+                <a:solidFill>
+                  <a:schemeClr val="tx1"/>
+                </a:solidFill>
+                <a:effectLst/>
+              </a:defRPr>
+            </a:lvl1pPr>
+          </a:lstStyle>
+          <a:p>
+            <a:pPr marL="0" lvl="0">
+              <a:spcBef>
+                <a:spcPct val="0"/>
+              </a:spcBef>
+              <a:buNone/>
+            </a:pPr>
+            <a:r>
+              <a:rPr lang="en-US" smtClean="0"/>
+              <a:t>Edit Master text styles</a:t>
+            </a:r>
+          </a:p>
+        </p:txBody>
+      </p:sp>
+      <p:sp>
+        <p:nvSpPr>
+          <p:cNvPr id="3" name="Text Placeholder 2"/>
+          <p:cNvSpPr>
+            <a:spLocks noGrp="1"/>
+          </p:cNvSpPr>
+          <p:nvPr>
+            <p:ph type="body" idx="1"/>
+          </p:nvPr>
+        </p:nvSpPr>
+        <p:spPr>
+          <a:xfrm>
+            <a:off x="685799" y="4775200"/>
+            <a:ext cx="10135436" cy="1016000"/>
+          </a:xfrm>
+        </p:spPr>
+        <p:txBody>
+          <a:bodyPr anchor="t">
+            <a:normAutofit/>
+          </a:bodyPr>
+          <a:lstStyle>
+            <a:lvl1pPr marL="0" indent="0" algn="l">
+              <a:buNone/>
+              <a:defRPr sz="1800">
+                <a:solidFill>
+                  <a:schemeClr val="tx1"/>
+                </a:solidFill>
+              </a:defRPr>
+            </a:lvl1pPr>
+            <a:lvl2pPr marL="457200" indent="0">
+              <a:buNone/>
+              <a:defRPr sz="1800">
+                <a:solidFill>
+                  <a:schemeClr val="tx1">
+                    <a:tint val="75000"/>
+                  </a:schemeClr>
+                </a:solidFill>
+              </a:defRPr>
+            </a:lvl2pPr>
+            <a:lvl3pPr marL="914400" indent="0">
+              <a:buNone/>
+              <a:defRPr sz="1600">
+                <a:solidFill>
+                  <a:schemeClr val="tx1">
+                    <a:tint val="75000"/>
+                  </a:schemeClr>
+                </a:solidFill>
+              </a:defRPr>
+            </a:lvl3pPr>
+            <a:lvl4pPr marL="1371600" indent="0">
+              <a:buNone/>
+              <a:defRPr sz="1400">
+                <a:solidFill>
+                  <a:schemeClr val="tx1">
+                    <a:tint val="75000"/>
+                  </a:schemeClr>
+                </a:solidFill>
+              </a:defRPr>
+            </a:lvl4pPr>
+            <a:lvl5pPr marL="1828800" indent="0">
+              <a:buNone/>
+              <a:defRPr sz="1400">
+                <a:solidFill>
+                  <a:schemeClr val="tx1">
+                    <a:tint val="75000"/>
+                  </a:schemeClr>
+                </a:solidFill>
+              </a:defRPr>
+            </a:lvl5pPr>
+            <a:lvl6pPr marL="2286000" indent="0">
+              <a:buNone/>
+              <a:defRPr sz="1400">
+                <a:solidFill>
+                  <a:schemeClr val="tx1">
+                    <a:tint val="75000"/>
+                  </a:schemeClr>
+                </a:solidFill>
+              </a:defRPr>
+            </a:lvl6pPr>
+            <a:lvl7pPr marL="2743200" indent="0">
+              <a:buNone/>
+              <a:defRPr sz="1400">
+                <a:solidFill>
+                  <a:schemeClr val="tx1">
+                    <a:tint val="75000"/>
+                  </a:schemeClr>
+                </a:solidFill>
+              </a:defRPr>
+            </a:lvl7pPr>
+            <a:lvl8pPr marL="3200400" indent="0">
+              <a:buNone/>
+              <a:defRPr sz="1400">
+                <a:solidFill>
+                  <a:schemeClr val="tx1">
+                    <a:tint val="75000"/>
+                  </a:schemeClr>
+                </a:solidFill>
+              </a:defRPr>
+            </a:lvl8pPr>
+            <a:lvl9pPr marL="3657600" indent="0">
+              <a:buNone/>
+              <a:defRPr sz="1400">
+                <a:solidFill>
+                  <a:schemeClr val="tx1">
+                    <a:tint val="75000"/>
+                  </a:schemeClr>
+                </a:solidFill>
+              </a:defRPr>
+            </a:lvl9pPr>
+          </a:lstStyle>
+          <a:p>
+            <a:pPr lvl="0"/>
+            <a:r>
+              <a:rPr lang="en-US" smtClean="0"/>
+              <a:t>Edit Master text styles</a:t>
+            </a:r>
+          </a:p>
+        </p:txBody>
+      </p:sp>
+      <p:sp>
+        <p:nvSpPr>
+          <p:cNvPr id="4" name="Date Placeholder 3"/>
+          <p:cNvSpPr>
+            <a:spLocks noGrp="1"/>
+          </p:cNvSpPr>
+          <p:nvPr>
+            <p:ph type="dt" sz="half" idx="10"/>
+          </p:nvPr>
+        </p:nvSpPr>
+        <p:spPr/>
+        <p:txBody>
+          <a:bodyPr/>
+          <a:lstStyle/>
+          <a:p>
+            <a:fld id="{945F9D44-93C9-462C-8D82-785E1F97CC13}" type="datetimeFigureOut">
+              <a:rPr lang="en-PH" smtClean="0"/>
+              <a:t>04/10/2023</a:t>
+            </a:fld>
+            <a:endParaRPr lang="en-PH"/>
+          </a:p>
+        </p:txBody>
+      </p:sp>
+      <p:sp>
+        <p:nvSpPr>
+          <p:cNvPr id="5" name="Footer Placeholder 4"/>
+          <p:cNvSpPr>
+            <a:spLocks noGrp="1"/>
+          </p:cNvSpPr>
+          <p:nvPr>
+            <p:ph type="ftr" sz="quarter" idx="11"/>
+          </p:nvPr>
+        </p:nvSpPr>
+        <p:spPr/>
+        <p:txBody>
+          <a:bodyPr/>
+          <a:lstStyle/>
+          <a:p>
+            <a:endParaRPr lang="en-PH"/>
+          </a:p>
+        </p:txBody>
+      </p:sp>
+      <p:sp>
+        <p:nvSpPr>
+          <p:cNvPr id="6" name="Slide Number Placeholder 5"/>
+          <p:cNvSpPr>
+            <a:spLocks noGrp="1"/>
+          </p:cNvSpPr>
+          <p:nvPr>
+            <p:ph type="sldNum" sz="quarter" idx="12"/>
+          </p:nvPr>
+        </p:nvSpPr>
+        <p:spPr/>
+        <p:txBody>
+          <a:bodyPr/>
+          <a:lstStyle/>
+          <a:p>
+            <a:fld id="{AB63D9AA-3A33-4B0C-88F4-BD522B2C2158}" type="slidenum">
+              <a:rPr lang="en-PH" smtClean="0"/>
+              <a:t>‹#›</a:t>
+            </a:fld>
+            <a:endParaRPr lang="en-PH"/>
+          </a:p>
+        </p:txBody>
+      </p:sp>
+    </p:spTree>
+    <p:extLst>
+      <p:ext uri="{BB962C8B-B14F-4D97-AF65-F5344CB8AC3E}">
+        <p14:creationId xmlns:p14="http://schemas.microsoft.com/office/powerpoint/2010/main" val="1068083603"/>
+      </p:ext>
+    </p:extLst>
+  </p:cSld>
+  <p:clrMapOvr>
+    <a:masterClrMapping/>
+  </p:clrMapOvr>
+</p:sldLayout>
+</file>
+
+<file path=ppt/slideLayouts/slideLayout15.xml><?xml version="1.0" encoding="utf-8"?>
+<p:sldLayout xmlns:a="http://schemas.openxmlformats.org/drawingml/2006/main" xmlns:r="http://schemas.openxmlformats.org/officeDocument/2006/relationships" xmlns:p="http://schemas.openxmlformats.org/presentationml/2006/main" preserve="1">
+  <p:cSld name="True or False">
+    <p:spTree>
+      <p:nvGrpSpPr>
+        <p:cNvPr id="1" name=""/>
+        <p:cNvGrpSpPr/>
+        <p:nvPr/>
+      </p:nvGrpSpPr>
+      <p:grpSpPr>
+        <a:xfrm>
+          <a:off x="0" y="0"/>
+          <a:ext cx="0" cy="0"/>
+          <a:chOff x="0" y="0"/>
+          <a:chExt cx="0" cy="0"/>
+        </a:xfrm>
+      </p:grpSpPr>
+      <p:pic>
+        <p:nvPicPr>
+          <p:cNvPr id="8" name="Picture 7" descr="Celestia-R1---OverlayContentHD.png"/>
+          <p:cNvPicPr>
+            <a:picLocks noChangeAspect="1"/>
+          </p:cNvPicPr>
+          <p:nvPr/>
+        </p:nvPicPr>
+        <p:blipFill>
+          <a:blip r:embed="rId2">
+            <a:extLst>
+              <a:ext uri="{28A0092B-C50C-407E-A947-70E740481C1C}">
+                <a14:useLocalDpi xmlns:a14="http://schemas.microsoft.com/office/drawing/2010/main" val="0"/>
+              </a:ext>
+            </a:extLst>
+          </a:blip>
+          <a:stretch>
+            <a:fillRect/>
+          </a:stretch>
+        </p:blipFill>
+        <p:spPr>
+          <a:xfrm>
+            <a:off x="0" y="0"/>
+            <a:ext cx="12188825" cy="6856214"/>
+          </a:xfrm>
+          <a:prstGeom prst="rect">
+            <a:avLst/>
+          </a:prstGeom>
+        </p:spPr>
+      </p:pic>
+      <p:sp>
+        <p:nvSpPr>
+          <p:cNvPr id="2" name="Title 1"/>
+          <p:cNvSpPr>
+            <a:spLocks noGrp="1"/>
+          </p:cNvSpPr>
+          <p:nvPr>
+            <p:ph type="title"/>
+          </p:nvPr>
+        </p:nvSpPr>
+        <p:spPr>
+          <a:xfrm>
+            <a:off x="685801" y="609601"/>
+            <a:ext cx="10131427" cy="2743199"/>
+          </a:xfrm>
+        </p:spPr>
+        <p:txBody>
+          <a:bodyPr vert="horz" lIns="91440" tIns="45720" rIns="91440" bIns="45720" rtlCol="0" anchor="ctr">
+            <a:normAutofit/>
+          </a:bodyPr>
+          <a:lstStyle>
+            <a:lvl1pPr>
+              <a:defRPr lang="en-US" b="0" dirty="0"/>
+            </a:lvl1pPr>
+          </a:lstStyle>
+          <a:p>
+            <a:pPr marL="0" lvl="0"/>
+            <a:r>
+              <a:rPr lang="en-US" smtClean="0"/>
+              <a:t>Click to edit Master title style</a:t>
+            </a:r>
+            <a:endParaRPr lang="en-US" dirty="0"/>
+          </a:p>
+        </p:txBody>
+      </p:sp>
+      <p:sp>
+        <p:nvSpPr>
+          <p:cNvPr id="10" name="Text Placeholder 9"/>
+          <p:cNvSpPr>
+            <a:spLocks noGrp="1"/>
+          </p:cNvSpPr>
+          <p:nvPr>
+            <p:ph type="body" sz="quarter" idx="13"/>
+          </p:nvPr>
+        </p:nvSpPr>
+        <p:spPr>
+          <a:xfrm>
+            <a:off x="685801" y="3505200"/>
+            <a:ext cx="10131428" cy="838200"/>
+          </a:xfrm>
+        </p:spPr>
+        <p:txBody>
+          <a:bodyPr vert="horz" lIns="91440" tIns="45720" rIns="91440" bIns="45720" rtlCol="0" anchor="b">
+            <a:normAutofit/>
+          </a:bodyPr>
+          <a:lstStyle>
+            <a:lvl1pPr>
+              <a:buNone/>
+              <a:defRPr lang="en-US" sz="2800" b="0" cap="none" dirty="0">
+                <a:ln w="3175" cmpd="sng">
+                  <a:noFill/>
+                </a:ln>
+                <a:solidFill>
+                  <a:schemeClr val="tx1"/>
+                </a:solidFill>
+                <a:effectLst/>
+              </a:defRPr>
+            </a:lvl1pPr>
+          </a:lstStyle>
+          <a:p>
+            <a:pPr marL="0" lvl="0">
+              <a:spcBef>
+                <a:spcPct val="0"/>
+              </a:spcBef>
+              <a:buNone/>
+            </a:pPr>
+            <a:r>
+              <a:rPr lang="en-US" smtClean="0"/>
+              <a:t>Edit Master text styles</a:t>
+            </a:r>
+          </a:p>
+        </p:txBody>
+      </p:sp>
+      <p:sp>
+        <p:nvSpPr>
+          <p:cNvPr id="3" name="Text Placeholder 2"/>
+          <p:cNvSpPr>
+            <a:spLocks noGrp="1"/>
+          </p:cNvSpPr>
+          <p:nvPr>
+            <p:ph type="body" idx="1"/>
+          </p:nvPr>
+        </p:nvSpPr>
+        <p:spPr>
+          <a:xfrm>
+            <a:off x="685800" y="4343400"/>
+            <a:ext cx="10131428" cy="1447800"/>
+          </a:xfrm>
+        </p:spPr>
+        <p:txBody>
+          <a:bodyPr anchor="t">
+            <a:normAutofit/>
+          </a:bodyPr>
+          <a:lstStyle>
+            <a:lvl1pPr marL="0" indent="0" algn="l">
+              <a:buNone/>
+              <a:defRPr sz="1800">
+                <a:solidFill>
+                  <a:schemeClr val="tx1"/>
+                </a:solidFill>
+              </a:defRPr>
+            </a:lvl1pPr>
+            <a:lvl2pPr marL="457200" indent="0">
+              <a:buNone/>
+              <a:defRPr sz="1800">
+                <a:solidFill>
+                  <a:schemeClr val="tx1">
+                    <a:tint val="75000"/>
+                  </a:schemeClr>
+                </a:solidFill>
+              </a:defRPr>
+            </a:lvl2pPr>
+            <a:lvl3pPr marL="914400" indent="0">
+              <a:buNone/>
+              <a:defRPr sz="1600">
+                <a:solidFill>
+                  <a:schemeClr val="tx1">
+                    <a:tint val="75000"/>
+                  </a:schemeClr>
+                </a:solidFill>
+              </a:defRPr>
+            </a:lvl3pPr>
+            <a:lvl4pPr marL="1371600" indent="0">
+              <a:buNone/>
+              <a:defRPr sz="1400">
+                <a:solidFill>
+                  <a:schemeClr val="tx1">
+                    <a:tint val="75000"/>
+                  </a:schemeClr>
+                </a:solidFill>
+              </a:defRPr>
+            </a:lvl4pPr>
+            <a:lvl5pPr marL="1828800" indent="0">
+              <a:buNone/>
+              <a:defRPr sz="1400">
+                <a:solidFill>
+                  <a:schemeClr val="tx1">
+                    <a:tint val="75000"/>
+                  </a:schemeClr>
+                </a:solidFill>
+              </a:defRPr>
+            </a:lvl5pPr>
+            <a:lvl6pPr marL="2286000" indent="0">
+              <a:buNone/>
+              <a:defRPr sz="1400">
+                <a:solidFill>
+                  <a:schemeClr val="tx1">
+                    <a:tint val="75000"/>
+                  </a:schemeClr>
+                </a:solidFill>
+              </a:defRPr>
+            </a:lvl6pPr>
+            <a:lvl7pPr marL="2743200" indent="0">
+              <a:buNone/>
+              <a:defRPr sz="1400">
+                <a:solidFill>
+                  <a:schemeClr val="tx1">
+                    <a:tint val="75000"/>
+                  </a:schemeClr>
+                </a:solidFill>
+              </a:defRPr>
+            </a:lvl7pPr>
+            <a:lvl8pPr marL="3200400" indent="0">
+              <a:buNone/>
+              <a:defRPr sz="1400">
+                <a:solidFill>
+                  <a:schemeClr val="tx1">
+                    <a:tint val="75000"/>
+                  </a:schemeClr>
+                </a:solidFill>
+              </a:defRPr>
+            </a:lvl8pPr>
+            <a:lvl9pPr marL="3657600" indent="0">
+              <a:buNone/>
+              <a:defRPr sz="1400">
+                <a:solidFill>
+                  <a:schemeClr val="tx1">
+                    <a:tint val="75000"/>
+                  </a:schemeClr>
+                </a:solidFill>
+              </a:defRPr>
+            </a:lvl9pPr>
+          </a:lstStyle>
+          <a:p>
+            <a:pPr lvl="0"/>
+            <a:r>
+              <a:rPr lang="en-US" smtClean="0"/>
+              <a:t>Edit Master text styles</a:t>
+            </a:r>
+          </a:p>
+        </p:txBody>
+      </p:sp>
+      <p:sp>
+        <p:nvSpPr>
+          <p:cNvPr id="4" name="Date Placeholder 3"/>
+          <p:cNvSpPr>
+            <a:spLocks noGrp="1"/>
+          </p:cNvSpPr>
+          <p:nvPr>
+            <p:ph type="dt" sz="half" idx="10"/>
+          </p:nvPr>
+        </p:nvSpPr>
+        <p:spPr/>
+        <p:txBody>
+          <a:bodyPr/>
+          <a:lstStyle/>
+          <a:p>
+            <a:fld id="{945F9D44-93C9-462C-8D82-785E1F97CC13}" type="datetimeFigureOut">
+              <a:rPr lang="en-PH" smtClean="0"/>
+              <a:t>04/10/2023</a:t>
+            </a:fld>
+            <a:endParaRPr lang="en-PH"/>
+          </a:p>
+        </p:txBody>
+      </p:sp>
+      <p:sp>
+        <p:nvSpPr>
+          <p:cNvPr id="5" name="Footer Placeholder 4"/>
+          <p:cNvSpPr>
+            <a:spLocks noGrp="1"/>
+          </p:cNvSpPr>
+          <p:nvPr>
+            <p:ph type="ftr" sz="quarter" idx="11"/>
+          </p:nvPr>
+        </p:nvSpPr>
+        <p:spPr/>
+        <p:txBody>
+          <a:bodyPr/>
+          <a:lstStyle/>
+          <a:p>
+            <a:endParaRPr lang="en-PH"/>
+          </a:p>
+        </p:txBody>
+      </p:sp>
+      <p:sp>
+        <p:nvSpPr>
+          <p:cNvPr id="6" name="Slide Number Placeholder 5"/>
+          <p:cNvSpPr>
+            <a:spLocks noGrp="1"/>
+          </p:cNvSpPr>
+          <p:nvPr>
+            <p:ph type="sldNum" sz="quarter" idx="12"/>
+          </p:nvPr>
+        </p:nvSpPr>
+        <p:spPr/>
+        <p:txBody>
+          <a:bodyPr/>
+          <a:lstStyle/>
+          <a:p>
+            <a:fld id="{AB63D9AA-3A33-4B0C-88F4-BD522B2C2158}" type="slidenum">
+              <a:rPr lang="en-PH" smtClean="0"/>
+              <a:t>‹#›</a:t>
+            </a:fld>
+            <a:endParaRPr lang="en-PH"/>
+          </a:p>
+        </p:txBody>
+      </p:sp>
+    </p:spTree>
+    <p:extLst>
+      <p:ext uri="{BB962C8B-B14F-4D97-AF65-F5344CB8AC3E}">
+        <p14:creationId xmlns:p14="http://schemas.microsoft.com/office/powerpoint/2010/main" val="451437669"/>
+      </p:ext>
+    </p:extLst>
+  </p:cSld>
+  <p:clrMapOvr>
+    <a:masterClrMapping/>
+  </p:clrMapOvr>
+</p:sldLayout>
+</file>
+
+<file path=ppt/slideLayouts/slideLayout16.xml><?xml version="1.0" encoding="utf-8"?>
 <p:sldLayout xmlns:a="http://schemas.openxmlformats.org/drawingml/2006/main" xmlns:r="http://schemas.openxmlformats.org/officeDocument/2006/relationships" xmlns:p="http://schemas.openxmlformats.org/presentationml/2006/main" type="vertTx" preserve="1">
   <p:cSld name="Title and Vertical Text">
     <p:spTree>
@@ -332,29 +2779,36 @@
           <a:chExt cx="0" cy="0"/>
         </a:xfrm>
       </p:grpSpPr>
-      <p:sp>
-        <p:nvSpPr>
-          <p:cNvPr id="2" name="Title 1"/>
-          <p:cNvSpPr>
-            <a:spLocks noGrp="1"/>
-          </p:cNvSpPr>
-          <p:nvPr>
-            <p:ph type="title"/>
-          </p:nvPr>
-        </p:nvSpPr>
-        <p:spPr/>
-        <p:txBody>
-          <a:bodyPr/>
-          <a:lstStyle/>
-          <a:p>
-            <a:r>
-              <a:rPr lang="en-US" smtClean="0"/>
-              <a:t>Click to edit Master title style</a:t>
-            </a:r>
-            <a:endParaRPr lang="en-PH"/>
-          </a:p>
-        </p:txBody>
-      </p:sp>
+      <p:pic>
+        <p:nvPicPr>
+          <p:cNvPr id="7" name="Picture 6" descr="Celestia-R1---OverlayContentHD.png"/>
+          <p:cNvPicPr>
+            <a:picLocks noChangeAspect="1"/>
+          </p:cNvPicPr>
+          <p:nvPr/>
+        </p:nvPicPr>
+        <p:blipFill>
+          <a:blip r:embed="rId2">
+            <a:extLst>
+              <a:ext uri="{28A0092B-C50C-407E-A947-70E740481C1C}">
+                <a14:useLocalDpi xmlns:a14="http://schemas.microsoft.com/office/drawing/2010/main" val="0"/>
+              </a:ext>
+            </a:extLst>
+          </a:blip>
+          <a:stretch>
+            <a:fillRect/>
+          </a:stretch>
+        </p:blipFill>
+        <p:spPr>
+          <a:xfrm>
+            <a:off x="0" y="0"/>
+            <a:ext cx="12188825" cy="6856214"/>
+          </a:xfrm>
+          <a:prstGeom prst="rect">
+            <a:avLst/>
+          </a:prstGeom>
+        </p:spPr>
+      </p:pic>
       <p:sp>
         <p:nvSpPr>
           <p:cNvPr id="3" name="Vertical Text Placeholder 2"/>
@@ -367,7 +2821,7 @@
         </p:nvSpPr>
         <p:spPr/>
         <p:txBody>
-          <a:bodyPr vert="eaVert"/>
+          <a:bodyPr vert="eaVert" anchor="t"/>
           <a:lstStyle/>
           <a:p>
             <a:pPr lvl="0"/>
@@ -403,7 +2857,7 @@
               <a:rPr lang="en-US" smtClean="0"/>
               <a:t>Fifth level</a:t>
             </a:r>
-            <a:endParaRPr lang="en-PH"/>
+            <a:endParaRPr lang="en-US" dirty="0"/>
           </a:p>
         </p:txBody>
       </p:sp>
@@ -424,7 +2878,7 @@
           <a:p>
             <a:fld id="{945F9D44-93C9-462C-8D82-785E1F97CC13}" type="datetimeFigureOut">
               <a:rPr lang="en-PH" smtClean="0"/>
-              <a:t>25/09/2023</a:t>
+              <a:t>04/10/2023</a:t>
             </a:fld>
             <a:endParaRPr lang="en-PH"/>
           </a:p>
@@ -472,10 +2926,38 @@
           </a:p>
         </p:txBody>
       </p:sp>
+      <p:sp>
+        <p:nvSpPr>
+          <p:cNvPr id="8" name="Title 1"/>
+          <p:cNvSpPr>
+            <a:spLocks noGrp="1"/>
+          </p:cNvSpPr>
+          <p:nvPr>
+            <p:ph type="title"/>
+          </p:nvPr>
+        </p:nvSpPr>
+        <p:spPr>
+          <a:xfrm>
+            <a:off x="685801" y="609600"/>
+            <a:ext cx="10131425" cy="1456267"/>
+          </a:xfrm>
+        </p:spPr>
+        <p:txBody>
+          <a:bodyPr/>
+          <a:lstStyle/>
+          <a:p>
+            <a:r>
+              <a:rPr lang="en-US" smtClean="0"/>
+              <a:t>Click to edit Master title style</a:t>
+            </a:r>
+            <a:endParaRPr lang="en-US" dirty="0"/>
+          </a:p>
+        </p:txBody>
+      </p:sp>
     </p:spTree>
     <p:extLst>
       <p:ext uri="{BB962C8B-B14F-4D97-AF65-F5344CB8AC3E}">
-        <p14:creationId xmlns:p14="http://schemas.microsoft.com/office/powerpoint/2010/main" val="3523375532"/>
+        <p14:creationId xmlns:p14="http://schemas.microsoft.com/office/powerpoint/2010/main" val="2029177863"/>
       </p:ext>
     </p:extLst>
   </p:cSld>
@@ -485,7 +2967,7 @@
 </p:sldLayout>
 </file>
 
-<file path=ppt/slideLayouts/slideLayout11.xml><?xml version="1.0" encoding="utf-8"?>
+<file path=ppt/slideLayouts/slideLayout17.xml><?xml version="1.0" encoding="utf-8"?>
 <p:sldLayout xmlns:a="http://schemas.openxmlformats.org/drawingml/2006/main" xmlns:r="http://schemas.openxmlformats.org/officeDocument/2006/relationships" xmlns:p="http://schemas.openxmlformats.org/presentationml/2006/main" type="vertTitleAndTx" preserve="1">
   <p:cSld name="Vertical Title and Text">
     <p:spTree>
@@ -502,6 +2984,36 @@
           <a:chExt cx="0" cy="0"/>
         </a:xfrm>
       </p:grpSpPr>
+      <p:pic>
+        <p:nvPicPr>
+          <p:cNvPr id="7" name="Picture 6" descr="Celestia-R1---OverlayContentHD.png"/>
+          <p:cNvPicPr>
+            <a:picLocks noChangeAspect="1"/>
+          </p:cNvPicPr>
+          <p:nvPr/>
+        </p:nvPicPr>
+        <p:blipFill>
+          <a:blip r:embed="rId2">
+            <a:extLst>
+              <a:ext uri="{28A0092B-C50C-407E-A947-70E740481C1C}">
+                <a14:useLocalDpi xmlns:a14="http://schemas.microsoft.com/office/drawing/2010/main" val="0"/>
+              </a:ext>
+            </a:extLst>
+          </a:blip>
+          <a:stretch>
+            <a:fillRect/>
+          </a:stretch>
+        </p:blipFill>
+        <p:spPr>
+          <a:xfrm>
+            <a:off x="0" y="0"/>
+            <a:ext cx="12188825" cy="6856214"/>
+          </a:xfrm>
+          <a:prstGeom prst="rect">
+            <a:avLst/>
+          </a:prstGeom>
+        </p:spPr>
+      </p:pic>
       <p:sp>
         <p:nvSpPr>
           <p:cNvPr id="2" name="Vertical Title 1"/>
@@ -514,8 +3026,8 @@
         </p:nvSpPr>
         <p:spPr>
           <a:xfrm>
-            <a:off x="8724900" y="365125"/>
-            <a:ext cx="2628900" cy="5811838"/>
+            <a:off x="8658675" y="609599"/>
+            <a:ext cx="2158552" cy="5181601"/>
           </a:xfrm>
         </p:spPr>
         <p:txBody>
@@ -526,7 +3038,7 @@
               <a:rPr lang="en-US" smtClean="0"/>
               <a:t>Click to edit Master title style</a:t>
             </a:r>
-            <a:endParaRPr lang="en-PH"/>
+            <a:endParaRPr lang="en-US" dirty="0"/>
           </a:p>
         </p:txBody>
       </p:sp>
@@ -542,12 +3054,12 @@
         </p:nvSpPr>
         <p:spPr>
           <a:xfrm>
-            <a:off x="838200" y="365125"/>
-            <a:ext cx="7734300" cy="5811838"/>
-          </a:xfrm>
-        </p:spPr>
-        <p:txBody>
-          <a:bodyPr vert="eaVert"/>
+            <a:off x="685800" y="609600"/>
+            <a:ext cx="7832116" cy="5181600"/>
+          </a:xfrm>
+        </p:spPr>
+        <p:txBody>
+          <a:bodyPr vert="eaVert" anchor="t"/>
           <a:lstStyle/>
           <a:p>
             <a:pPr lvl="0"/>
@@ -583,7 +3095,7 @@
               <a:rPr lang="en-US" smtClean="0"/>
               <a:t>Fifth level</a:t>
             </a:r>
-            <a:endParaRPr lang="en-PH"/>
+            <a:endParaRPr lang="en-US" dirty="0"/>
           </a:p>
         </p:txBody>
       </p:sp>
@@ -604,7 +3116,7 @@
           <a:p>
             <a:fld id="{945F9D44-93C9-462C-8D82-785E1F97CC13}" type="datetimeFigureOut">
               <a:rPr lang="en-PH" smtClean="0"/>
-              <a:t>25/09/2023</a:t>
+              <a:t>04/10/2023</a:t>
             </a:fld>
             <a:endParaRPr lang="en-PH"/>
           </a:p>
@@ -655,7 +3167,7 @@
     </p:spTree>
     <p:extLst>
       <p:ext uri="{BB962C8B-B14F-4D97-AF65-F5344CB8AC3E}">
-        <p14:creationId xmlns:p14="http://schemas.microsoft.com/office/powerpoint/2010/main" val="432619479"/>
+        <p14:creationId xmlns:p14="http://schemas.microsoft.com/office/powerpoint/2010/main" val="2949788649"/>
       </p:ext>
     </p:extLst>
   </p:cSld>
@@ -682,6 +3194,36 @@
           <a:chExt cx="0" cy="0"/>
         </a:xfrm>
       </p:grpSpPr>
+      <p:pic>
+        <p:nvPicPr>
+          <p:cNvPr id="7" name="Picture 6" descr="Celestia-R1---OverlayContentHD.png"/>
+          <p:cNvPicPr>
+            <a:picLocks noChangeAspect="1"/>
+          </p:cNvPicPr>
+          <p:nvPr/>
+        </p:nvPicPr>
+        <p:blipFill>
+          <a:blip r:embed="rId2">
+            <a:extLst>
+              <a:ext uri="{28A0092B-C50C-407E-A947-70E740481C1C}">
+                <a14:useLocalDpi xmlns:a14="http://schemas.microsoft.com/office/drawing/2010/main" val="0"/>
+              </a:ext>
+            </a:extLst>
+          </a:blip>
+          <a:stretch>
+            <a:fillRect/>
+          </a:stretch>
+        </p:blipFill>
+        <p:spPr>
+          <a:xfrm>
+            <a:off x="0" y="0"/>
+            <a:ext cx="12188825" cy="6856214"/>
+          </a:xfrm>
+          <a:prstGeom prst="rect">
+            <a:avLst/>
+          </a:prstGeom>
+        </p:spPr>
+      </p:pic>
       <p:sp>
         <p:nvSpPr>
           <p:cNvPr id="2" name="Title 1"/>
@@ -701,7 +3243,7 @@
               <a:rPr lang="en-US" smtClean="0"/>
               <a:t>Click to edit Master title style</a:t>
             </a:r>
-            <a:endParaRPr lang="en-PH"/>
+            <a:endParaRPr lang="en-US" dirty="0"/>
           </a:p>
         </p:txBody>
       </p:sp>
@@ -717,7 +3259,7 @@
         </p:nvSpPr>
         <p:spPr/>
         <p:txBody>
-          <a:bodyPr/>
+          <a:bodyPr anchor="ctr"/>
           <a:lstStyle/>
           <a:p>
             <a:pPr lvl="0"/>
@@ -753,7 +3295,7 @@
               <a:rPr lang="en-US" smtClean="0"/>
               <a:t>Fifth level</a:t>
             </a:r>
-            <a:endParaRPr lang="en-PH"/>
+            <a:endParaRPr lang="en-US" dirty="0"/>
           </a:p>
         </p:txBody>
       </p:sp>
@@ -774,7 +3316,7 @@
           <a:p>
             <a:fld id="{945F9D44-93C9-462C-8D82-785E1F97CC13}" type="datetimeFigureOut">
               <a:rPr lang="en-PH" smtClean="0"/>
-              <a:t>25/09/2023</a:t>
+              <a:t>04/10/2023</a:t>
             </a:fld>
             <a:endParaRPr lang="en-PH"/>
           </a:p>
@@ -825,7 +3367,7 @@
     </p:spTree>
     <p:extLst>
       <p:ext uri="{BB962C8B-B14F-4D97-AF65-F5344CB8AC3E}">
-        <p14:creationId xmlns:p14="http://schemas.microsoft.com/office/powerpoint/2010/main" val="3933985175"/>
+        <p14:creationId xmlns:p14="http://schemas.microsoft.com/office/powerpoint/2010/main" val="468081415"/>
       </p:ext>
     </p:extLst>
   </p:cSld>
@@ -852,6 +3394,36 @@
           <a:chExt cx="0" cy="0"/>
         </a:xfrm>
       </p:grpSpPr>
+      <p:pic>
+        <p:nvPicPr>
+          <p:cNvPr id="7" name="Picture 6" descr="Celestia-R1---OverlayContentHD.png"/>
+          <p:cNvPicPr>
+            <a:picLocks noChangeAspect="1"/>
+          </p:cNvPicPr>
+          <p:nvPr/>
+        </p:nvPicPr>
+        <p:blipFill>
+          <a:blip r:embed="rId2">
+            <a:extLst>
+              <a:ext uri="{28A0092B-C50C-407E-A947-70E740481C1C}">
+                <a14:useLocalDpi xmlns:a14="http://schemas.microsoft.com/office/drawing/2010/main" val="0"/>
+              </a:ext>
+            </a:extLst>
+          </a:blip>
+          <a:stretch>
+            <a:fillRect/>
+          </a:stretch>
+        </p:blipFill>
+        <p:spPr>
+          <a:xfrm>
+            <a:off x="0" y="0"/>
+            <a:ext cx="12188825" cy="6856214"/>
+          </a:xfrm>
+          <a:prstGeom prst="rect">
+            <a:avLst/>
+          </a:prstGeom>
+        </p:spPr>
+      </p:pic>
       <p:sp>
         <p:nvSpPr>
           <p:cNvPr id="2" name="Title 1"/>
@@ -864,15 +3436,15 @@
         </p:nvSpPr>
         <p:spPr>
           <a:xfrm>
-            <a:off x="831850" y="1709738"/>
-            <a:ext cx="10515600" cy="2852737"/>
+            <a:off x="685800" y="3308581"/>
+            <a:ext cx="10131427" cy="1468800"/>
           </a:xfrm>
         </p:spPr>
         <p:txBody>
           <a:bodyPr anchor="b"/>
           <a:lstStyle>
-            <a:lvl1pPr>
-              <a:defRPr sz="6000"/>
+            <a:lvl1pPr algn="l">
+              <a:defRPr sz="4000" b="0" cap="all"/>
             </a:lvl1pPr>
           </a:lstStyle>
           <a:p>
@@ -880,7 +3452,7 @@
               <a:rPr lang="en-US" smtClean="0"/>
               <a:t>Click to edit Master title style</a:t>
             </a:r>
-            <a:endParaRPr lang="en-PH"/>
+            <a:endParaRPr lang="en-US" dirty="0"/>
           </a:p>
         </p:txBody>
       </p:sp>
@@ -896,26 +3468,26 @@
         </p:nvSpPr>
         <p:spPr>
           <a:xfrm>
-            <a:off x="831850" y="4589463"/>
-            <a:ext cx="10515600" cy="1500187"/>
-          </a:xfrm>
-        </p:spPr>
-        <p:txBody>
-          <a:bodyPr/>
+            <a:off x="685799" y="4777381"/>
+            <a:ext cx="10131428" cy="860400"/>
+          </a:xfrm>
+        </p:spPr>
+        <p:txBody>
+          <a:bodyPr anchor="t">
+            <a:normAutofit/>
+          </a:bodyPr>
           <a:lstStyle>
-            <a:lvl1pPr marL="0" indent="0">
+            <a:lvl1pPr marL="0" indent="0" algn="l">
               <a:buNone/>
-              <a:defRPr sz="2400">
+              <a:defRPr sz="2000" cap="all">
                 <a:solidFill>
-                  <a:schemeClr val="tx1">
-                    <a:tint val="75000"/>
-                  </a:schemeClr>
+                  <a:schemeClr val="tx1"/>
                 </a:solidFill>
               </a:defRPr>
             </a:lvl1pPr>
             <a:lvl2pPr marL="457200" indent="0">
               <a:buNone/>
-              <a:defRPr sz="2000">
+              <a:defRPr sz="1800">
                 <a:solidFill>
                   <a:schemeClr val="tx1">
                     <a:tint val="75000"/>
@@ -925,7 +3497,7 @@
             </a:lvl2pPr>
             <a:lvl3pPr marL="914400" indent="0">
               <a:buNone/>
-              <a:defRPr sz="1800">
+              <a:defRPr sz="1600">
                 <a:solidFill>
                   <a:schemeClr val="tx1">
                     <a:tint val="75000"/>
@@ -935,7 +3507,7 @@
             </a:lvl3pPr>
             <a:lvl4pPr marL="1371600" indent="0">
               <a:buNone/>
-              <a:defRPr sz="1600">
+              <a:defRPr sz="1400">
                 <a:solidFill>
                   <a:schemeClr val="tx1">
                     <a:tint val="75000"/>
@@ -945,7 +3517,7 @@
             </a:lvl4pPr>
             <a:lvl5pPr marL="1828800" indent="0">
               <a:buNone/>
-              <a:defRPr sz="1600">
+              <a:defRPr sz="1400">
                 <a:solidFill>
                   <a:schemeClr val="tx1">
                     <a:tint val="75000"/>
@@ -955,7 +3527,7 @@
             </a:lvl5pPr>
             <a:lvl6pPr marL="2286000" indent="0">
               <a:buNone/>
-              <a:defRPr sz="1600">
+              <a:defRPr sz="1400">
                 <a:solidFill>
                   <a:schemeClr val="tx1">
                     <a:tint val="75000"/>
@@ -965,7 +3537,7 @@
             </a:lvl6pPr>
             <a:lvl7pPr marL="2743200" indent="0">
               <a:buNone/>
-              <a:defRPr sz="1600">
+              <a:defRPr sz="1400">
                 <a:solidFill>
                   <a:schemeClr val="tx1">
                     <a:tint val="75000"/>
@@ -975,7 +3547,7 @@
             </a:lvl7pPr>
             <a:lvl8pPr marL="3200400" indent="0">
               <a:buNone/>
-              <a:defRPr sz="1600">
+              <a:defRPr sz="1400">
                 <a:solidFill>
                   <a:schemeClr val="tx1">
                     <a:tint val="75000"/>
@@ -985,7 +3557,7 @@
             </a:lvl8pPr>
             <a:lvl9pPr marL="3657600" indent="0">
               <a:buNone/>
-              <a:defRPr sz="1600">
+              <a:defRPr sz="1400">
                 <a:solidFill>
                   <a:schemeClr val="tx1">
                     <a:tint val="75000"/>
@@ -1020,7 +3592,7 @@
           <a:p>
             <a:fld id="{945F9D44-93C9-462C-8D82-785E1F97CC13}" type="datetimeFigureOut">
               <a:rPr lang="en-PH" smtClean="0"/>
-              <a:t>25/09/2023</a:t>
+              <a:t>04/10/2023</a:t>
             </a:fld>
             <a:endParaRPr lang="en-PH"/>
           </a:p>
@@ -1071,7 +3643,7 @@
     </p:spTree>
     <p:extLst>
       <p:ext uri="{BB962C8B-B14F-4D97-AF65-F5344CB8AC3E}">
-        <p14:creationId xmlns:p14="http://schemas.microsoft.com/office/powerpoint/2010/main" val="1990981922"/>
+        <p14:creationId xmlns:p14="http://schemas.microsoft.com/office/powerpoint/2010/main" val="3723880164"/>
       </p:ext>
     </p:extLst>
   </p:cSld>
@@ -1098,6 +3670,36 @@
           <a:chExt cx="0" cy="0"/>
         </a:xfrm>
       </p:grpSpPr>
+      <p:pic>
+        <p:nvPicPr>
+          <p:cNvPr id="8" name="Picture 7" descr="Celestia-R1---OverlayContentHD.png"/>
+          <p:cNvPicPr>
+            <a:picLocks noChangeAspect="1"/>
+          </p:cNvPicPr>
+          <p:nvPr/>
+        </p:nvPicPr>
+        <p:blipFill>
+          <a:blip r:embed="rId2">
+            <a:extLst>
+              <a:ext uri="{28A0092B-C50C-407E-A947-70E740481C1C}">
+                <a14:useLocalDpi xmlns:a14="http://schemas.microsoft.com/office/drawing/2010/main" val="0"/>
+              </a:ext>
+            </a:extLst>
+          </a:blip>
+          <a:stretch>
+            <a:fillRect/>
+          </a:stretch>
+        </p:blipFill>
+        <p:spPr>
+          <a:xfrm>
+            <a:off x="0" y="0"/>
+            <a:ext cx="12188825" cy="6856214"/>
+          </a:xfrm>
+          <a:prstGeom prst="rect">
+            <a:avLst/>
+          </a:prstGeom>
+        </p:spPr>
+      </p:pic>
       <p:sp>
         <p:nvSpPr>
           <p:cNvPr id="2" name="Title 1"/>
@@ -1117,7 +3719,7 @@
               <a:rPr lang="en-US" smtClean="0"/>
               <a:t>Click to edit Master title style</a:t>
             </a:r>
-            <a:endParaRPr lang="en-PH"/>
+            <a:endParaRPr lang="en-US" dirty="0"/>
           </a:p>
         </p:txBody>
       </p:sp>
@@ -1133,12 +3735,14 @@
         </p:nvSpPr>
         <p:spPr>
           <a:xfrm>
-            <a:off x="838200" y="1825625"/>
-            <a:ext cx="5181600" cy="4351338"/>
-          </a:xfrm>
-        </p:spPr>
-        <p:txBody>
-          <a:bodyPr/>
+            <a:off x="685802" y="2142067"/>
+            <a:ext cx="4995334" cy="3649134"/>
+          </a:xfrm>
+        </p:spPr>
+        <p:txBody>
+          <a:bodyPr>
+            <a:normAutofit/>
+          </a:bodyPr>
           <a:lstStyle/>
           <a:p>
             <a:pPr lvl="0"/>
@@ -1174,7 +3778,7 @@
               <a:rPr lang="en-US" smtClean="0"/>
               <a:t>Fifth level</a:t>
             </a:r>
-            <a:endParaRPr lang="en-PH"/>
+            <a:endParaRPr lang="en-US" dirty="0"/>
           </a:p>
         </p:txBody>
       </p:sp>
@@ -1190,12 +3794,14 @@
         </p:nvSpPr>
         <p:spPr>
           <a:xfrm>
-            <a:off x="6172200" y="1825625"/>
-            <a:ext cx="5181600" cy="4351338"/>
-          </a:xfrm>
-        </p:spPr>
-        <p:txBody>
-          <a:bodyPr/>
+            <a:off x="5821895" y="2142067"/>
+            <a:ext cx="4995332" cy="3649133"/>
+          </a:xfrm>
+        </p:spPr>
+        <p:txBody>
+          <a:bodyPr>
+            <a:normAutofit/>
+          </a:bodyPr>
           <a:lstStyle/>
           <a:p>
             <a:pPr lvl="0"/>
@@ -1231,7 +3837,7 @@
               <a:rPr lang="en-US" smtClean="0"/>
               <a:t>Fifth level</a:t>
             </a:r>
-            <a:endParaRPr lang="en-PH"/>
+            <a:endParaRPr lang="en-US" dirty="0"/>
           </a:p>
         </p:txBody>
       </p:sp>
@@ -1252,7 +3858,7 @@
           <a:p>
             <a:fld id="{945F9D44-93C9-462C-8D82-785E1F97CC13}" type="datetimeFigureOut">
               <a:rPr lang="en-PH" smtClean="0"/>
-              <a:t>25/09/2023</a:t>
+              <a:t>04/10/2023</a:t>
             </a:fld>
             <a:endParaRPr lang="en-PH"/>
           </a:p>
@@ -1303,7 +3909,7 @@
     </p:spTree>
     <p:extLst>
       <p:ext uri="{BB962C8B-B14F-4D97-AF65-F5344CB8AC3E}">
-        <p14:creationId xmlns:p14="http://schemas.microsoft.com/office/powerpoint/2010/main" val="2498379231"/>
+        <p14:creationId xmlns:p14="http://schemas.microsoft.com/office/powerpoint/2010/main" val="4269154140"/>
       </p:ext>
     </p:extLst>
   </p:cSld>
@@ -1340,21 +3946,20 @@
             <p:ph type="title"/>
           </p:nvPr>
         </p:nvSpPr>
-        <p:spPr>
-          <a:xfrm>
-            <a:off x="839788" y="365125"/>
-            <a:ext cx="10515600" cy="1325563"/>
-          </a:xfrm>
-        </p:spPr>
+        <p:spPr/>
         <p:txBody>
           <a:bodyPr/>
-          <a:lstStyle/>
+          <a:lstStyle>
+            <a:lvl1pPr>
+              <a:defRPr/>
+            </a:lvl1pPr>
+          </a:lstStyle>
           <a:p>
             <a:r>
               <a:rPr lang="en-US" smtClean="0"/>
               <a:t>Click to edit Master title style</a:t>
             </a:r>
-            <a:endParaRPr lang="en-PH"/>
+            <a:endParaRPr lang="en-US" dirty="0"/>
           </a:p>
         </p:txBody>
       </p:sp>
@@ -1370,16 +3975,18 @@
         </p:nvSpPr>
         <p:spPr>
           <a:xfrm>
-            <a:off x="839788" y="1681163"/>
-            <a:ext cx="5157787" cy="823912"/>
-          </a:xfrm>
-        </p:spPr>
-        <p:txBody>
-          <a:bodyPr anchor="b"/>
+            <a:off x="973670" y="2218267"/>
+            <a:ext cx="4709054" cy="576262"/>
+          </a:xfrm>
+        </p:spPr>
+        <p:txBody>
+          <a:bodyPr anchor="b">
+            <a:noAutofit/>
+          </a:bodyPr>
           <a:lstStyle>
             <a:lvl1pPr marL="0" indent="0">
               <a:buNone/>
-              <a:defRPr sz="2400" b="1"/>
+              <a:defRPr sz="2800" b="0"/>
             </a:lvl1pPr>
             <a:lvl2pPr marL="457200" indent="0">
               <a:buNone/>
@@ -1435,12 +4042,14 @@
         </p:nvSpPr>
         <p:spPr>
           <a:xfrm>
-            <a:off x="839788" y="2505075"/>
-            <a:ext cx="5157787" cy="3684588"/>
-          </a:xfrm>
-        </p:spPr>
-        <p:txBody>
-          <a:bodyPr/>
+            <a:off x="685801" y="2870201"/>
+            <a:ext cx="4996923" cy="2920998"/>
+          </a:xfrm>
+        </p:spPr>
+        <p:txBody>
+          <a:bodyPr anchor="t">
+            <a:normAutofit/>
+          </a:bodyPr>
           <a:lstStyle/>
           <a:p>
             <a:pPr lvl="0"/>
@@ -1476,7 +4085,7 @@
               <a:rPr lang="en-US" smtClean="0"/>
               <a:t>Fifth level</a:t>
             </a:r>
-            <a:endParaRPr lang="en-PH"/>
+            <a:endParaRPr lang="en-US" dirty="0"/>
           </a:p>
         </p:txBody>
       </p:sp>
@@ -1492,16 +4101,18 @@
         </p:nvSpPr>
         <p:spPr>
           <a:xfrm>
-            <a:off x="6172200" y="1681163"/>
-            <a:ext cx="5183188" cy="823912"/>
-          </a:xfrm>
-        </p:spPr>
-        <p:txBody>
-          <a:bodyPr anchor="b"/>
+            <a:off x="6096003" y="2226734"/>
+            <a:ext cx="4722813" cy="576262"/>
+          </a:xfrm>
+        </p:spPr>
+        <p:txBody>
+          <a:bodyPr anchor="b">
+            <a:noAutofit/>
+          </a:bodyPr>
           <a:lstStyle>
             <a:lvl1pPr marL="0" indent="0">
               <a:buNone/>
-              <a:defRPr sz="2400" b="1"/>
+              <a:defRPr sz="2800" b="0"/>
             </a:lvl1pPr>
             <a:lvl2pPr marL="457200" indent="0">
               <a:buNone/>
@@ -1557,12 +4168,14 @@
         </p:nvSpPr>
         <p:spPr>
           <a:xfrm>
-            <a:off x="6172200" y="2505075"/>
-            <a:ext cx="5183188" cy="3684588"/>
-          </a:xfrm>
-        </p:spPr>
-        <p:txBody>
-          <a:bodyPr/>
+            <a:off x="5823483" y="2870201"/>
+            <a:ext cx="4995334" cy="2920998"/>
+          </a:xfrm>
+        </p:spPr>
+        <p:txBody>
+          <a:bodyPr anchor="t">
+            <a:normAutofit/>
+          </a:bodyPr>
           <a:lstStyle/>
           <a:p>
             <a:pPr lvl="0"/>
@@ -1598,7 +4211,7 @@
               <a:rPr lang="en-US" smtClean="0"/>
               <a:t>Fifth level</a:t>
             </a:r>
-            <a:endParaRPr lang="en-PH"/>
+            <a:endParaRPr lang="en-US" dirty="0"/>
           </a:p>
         </p:txBody>
       </p:sp>
@@ -1619,7 +4232,7 @@
           <a:p>
             <a:fld id="{945F9D44-93C9-462C-8D82-785E1F97CC13}" type="datetimeFigureOut">
               <a:rPr lang="en-PH" smtClean="0"/>
-              <a:t>25/09/2023</a:t>
+              <a:t>04/10/2023</a:t>
             </a:fld>
             <a:endParaRPr lang="en-PH"/>
           </a:p>
@@ -1670,7 +4283,7 @@
     </p:spTree>
     <p:extLst>
       <p:ext uri="{BB962C8B-B14F-4D97-AF65-F5344CB8AC3E}">
-        <p14:creationId xmlns:p14="http://schemas.microsoft.com/office/powerpoint/2010/main" val="2844938663"/>
+        <p14:creationId xmlns:p14="http://schemas.microsoft.com/office/powerpoint/2010/main" val="967978559"/>
       </p:ext>
     </p:extLst>
   </p:cSld>
@@ -1697,6 +4310,36 @@
           <a:chExt cx="0" cy="0"/>
         </a:xfrm>
       </p:grpSpPr>
+      <p:pic>
+        <p:nvPicPr>
+          <p:cNvPr id="6" name="Picture 5" descr="Celestia-R1---OverlayContentHD.png"/>
+          <p:cNvPicPr>
+            <a:picLocks noChangeAspect="1"/>
+          </p:cNvPicPr>
+          <p:nvPr/>
+        </p:nvPicPr>
+        <p:blipFill>
+          <a:blip r:embed="rId2">
+            <a:extLst>
+              <a:ext uri="{28A0092B-C50C-407E-A947-70E740481C1C}">
+                <a14:useLocalDpi xmlns:a14="http://schemas.microsoft.com/office/drawing/2010/main" val="0"/>
+              </a:ext>
+            </a:extLst>
+          </a:blip>
+          <a:stretch>
+            <a:fillRect/>
+          </a:stretch>
+        </p:blipFill>
+        <p:spPr>
+          <a:xfrm>
+            <a:off x="0" y="0"/>
+            <a:ext cx="12188825" cy="6856214"/>
+          </a:xfrm>
+          <a:prstGeom prst="rect">
+            <a:avLst/>
+          </a:prstGeom>
+        </p:spPr>
+      </p:pic>
       <p:sp>
         <p:nvSpPr>
           <p:cNvPr id="2" name="Title 1"/>
@@ -1716,7 +4359,7 @@
               <a:rPr lang="en-US" smtClean="0"/>
               <a:t>Click to edit Master title style</a:t>
             </a:r>
-            <a:endParaRPr lang="en-PH"/>
+            <a:endParaRPr lang="en-US" dirty="0"/>
           </a:p>
         </p:txBody>
       </p:sp>
@@ -1737,7 +4380,7 @@
           <a:p>
             <a:fld id="{945F9D44-93C9-462C-8D82-785E1F97CC13}" type="datetimeFigureOut">
               <a:rPr lang="en-PH" smtClean="0"/>
-              <a:t>25/09/2023</a:t>
+              <a:t>04/10/2023</a:t>
             </a:fld>
             <a:endParaRPr lang="en-PH"/>
           </a:p>
@@ -1788,7 +4431,7 @@
     </p:spTree>
     <p:extLst>
       <p:ext uri="{BB962C8B-B14F-4D97-AF65-F5344CB8AC3E}">
-        <p14:creationId xmlns:p14="http://schemas.microsoft.com/office/powerpoint/2010/main" val="3645696822"/>
+        <p14:creationId xmlns:p14="http://schemas.microsoft.com/office/powerpoint/2010/main" val="2619155098"/>
       </p:ext>
     </p:extLst>
   </p:cSld>
@@ -1815,6 +4458,36 @@
           <a:chExt cx="0" cy="0"/>
         </a:xfrm>
       </p:grpSpPr>
+      <p:pic>
+        <p:nvPicPr>
+          <p:cNvPr id="5" name="Picture 4" descr="Celestia-R1---OverlayContentHD.png"/>
+          <p:cNvPicPr>
+            <a:picLocks noChangeAspect="1"/>
+          </p:cNvPicPr>
+          <p:nvPr/>
+        </p:nvPicPr>
+        <p:blipFill>
+          <a:blip r:embed="rId2">
+            <a:extLst>
+              <a:ext uri="{28A0092B-C50C-407E-A947-70E740481C1C}">
+                <a14:useLocalDpi xmlns:a14="http://schemas.microsoft.com/office/drawing/2010/main" val="0"/>
+              </a:ext>
+            </a:extLst>
+          </a:blip>
+          <a:stretch>
+            <a:fillRect/>
+          </a:stretch>
+        </p:blipFill>
+        <p:spPr>
+          <a:xfrm>
+            <a:off x="0" y="0"/>
+            <a:ext cx="12188825" cy="6856214"/>
+          </a:xfrm>
+          <a:prstGeom prst="rect">
+            <a:avLst/>
+          </a:prstGeom>
+        </p:spPr>
+      </p:pic>
       <p:sp>
         <p:nvSpPr>
           <p:cNvPr id="2" name="Date Placeholder 1"/>
@@ -1832,7 +4505,7 @@
           <a:p>
             <a:fld id="{945F9D44-93C9-462C-8D82-785E1F97CC13}" type="datetimeFigureOut">
               <a:rPr lang="en-PH" smtClean="0"/>
-              <a:t>25/09/2023</a:t>
+              <a:t>04/10/2023</a:t>
             </a:fld>
             <a:endParaRPr lang="en-PH"/>
           </a:p>
@@ -1883,7 +4556,7 @@
     </p:spTree>
     <p:extLst>
       <p:ext uri="{BB962C8B-B14F-4D97-AF65-F5344CB8AC3E}">
-        <p14:creationId xmlns:p14="http://schemas.microsoft.com/office/powerpoint/2010/main" val="1258623562"/>
+        <p14:creationId xmlns:p14="http://schemas.microsoft.com/office/powerpoint/2010/main" val="752750632"/>
       </p:ext>
     </p:extLst>
   </p:cSld>
@@ -1910,6 +4583,36 @@
           <a:chExt cx="0" cy="0"/>
         </a:xfrm>
       </p:grpSpPr>
+      <p:pic>
+        <p:nvPicPr>
+          <p:cNvPr id="8" name="Picture 7" descr="Celestia-R1---OverlayContentHD.png"/>
+          <p:cNvPicPr>
+            <a:picLocks noChangeAspect="1"/>
+          </p:cNvPicPr>
+          <p:nvPr/>
+        </p:nvPicPr>
+        <p:blipFill>
+          <a:blip r:embed="rId2">
+            <a:extLst>
+              <a:ext uri="{28A0092B-C50C-407E-A947-70E740481C1C}">
+                <a14:useLocalDpi xmlns:a14="http://schemas.microsoft.com/office/drawing/2010/main" val="0"/>
+              </a:ext>
+            </a:extLst>
+          </a:blip>
+          <a:stretch>
+            <a:fillRect/>
+          </a:stretch>
+        </p:blipFill>
+        <p:spPr>
+          <a:xfrm>
+            <a:off x="0" y="0"/>
+            <a:ext cx="12188825" cy="6856214"/>
+          </a:xfrm>
+          <a:prstGeom prst="rect">
+            <a:avLst/>
+          </a:prstGeom>
+        </p:spPr>
+      </p:pic>
       <p:sp>
         <p:nvSpPr>
           <p:cNvPr id="2" name="Title 1"/>
@@ -1922,15 +4625,17 @@
         </p:nvSpPr>
         <p:spPr>
           <a:xfrm>
-            <a:off x="839788" y="457200"/>
-            <a:ext cx="3932237" cy="1600200"/>
-          </a:xfrm>
-        </p:spPr>
-        <p:txBody>
-          <a:bodyPr anchor="b"/>
+            <a:off x="685800" y="2074333"/>
+            <a:ext cx="3680885" cy="1371600"/>
+          </a:xfrm>
+        </p:spPr>
+        <p:txBody>
+          <a:bodyPr anchor="b">
+            <a:normAutofit/>
+          </a:bodyPr>
           <a:lstStyle>
-            <a:lvl1pPr>
-              <a:defRPr sz="3200"/>
+            <a:lvl1pPr algn="l">
+              <a:defRPr sz="2400" b="0"/>
             </a:lvl1pPr>
           </a:lstStyle>
           <a:p>
@@ -1938,7 +4643,7 @@
               <a:rPr lang="en-US" smtClean="0"/>
               <a:t>Click to edit Master title style</a:t>
             </a:r>
-            <a:endParaRPr lang="en-PH"/>
+            <a:endParaRPr lang="en-US" dirty="0"/>
           </a:p>
         </p:txBody>
       </p:sp>
@@ -1954,41 +4659,15 @@
         </p:nvSpPr>
         <p:spPr>
           <a:xfrm>
-            <a:off x="5183188" y="987425"/>
-            <a:ext cx="6172200" cy="4873625"/>
-          </a:xfrm>
-        </p:spPr>
-        <p:txBody>
-          <a:bodyPr/>
-          <a:lstStyle>
-            <a:lvl1pPr>
-              <a:defRPr sz="3200"/>
-            </a:lvl1pPr>
-            <a:lvl2pPr>
-              <a:defRPr sz="2800"/>
-            </a:lvl2pPr>
-            <a:lvl3pPr>
-              <a:defRPr sz="2400"/>
-            </a:lvl3pPr>
-            <a:lvl4pPr>
-              <a:defRPr sz="2000"/>
-            </a:lvl4pPr>
-            <a:lvl5pPr>
-              <a:defRPr sz="2000"/>
-            </a:lvl5pPr>
-            <a:lvl6pPr>
-              <a:defRPr sz="2000"/>
-            </a:lvl6pPr>
-            <a:lvl7pPr>
-              <a:defRPr sz="2000"/>
-            </a:lvl7pPr>
-            <a:lvl8pPr>
-              <a:defRPr sz="2000"/>
-            </a:lvl8pPr>
-            <a:lvl9pPr>
-              <a:defRPr sz="2000"/>
-            </a:lvl9pPr>
-          </a:lstStyle>
+            <a:off x="4648201" y="609601"/>
+            <a:ext cx="6169026" cy="5181600"/>
+          </a:xfrm>
+        </p:spPr>
+        <p:txBody>
+          <a:bodyPr anchor="ctr">
+            <a:normAutofit/>
+          </a:bodyPr>
+          <a:lstStyle/>
           <a:p>
             <a:pPr lvl="0"/>
             <a:r>
@@ -2023,7 +4702,7 @@
               <a:rPr lang="en-US" smtClean="0"/>
               <a:t>Fifth level</a:t>
             </a:r>
-            <a:endParaRPr lang="en-PH"/>
+            <a:endParaRPr lang="en-US" dirty="0"/>
           </a:p>
         </p:txBody>
       </p:sp>
@@ -2039,12 +4718,14 @@
         </p:nvSpPr>
         <p:spPr>
           <a:xfrm>
-            <a:off x="839788" y="2057400"/>
-            <a:ext cx="3932237" cy="3811588"/>
-          </a:xfrm>
-        </p:spPr>
-        <p:txBody>
-          <a:bodyPr/>
+            <a:off x="685800" y="3445933"/>
+            <a:ext cx="3680885" cy="1828800"/>
+          </a:xfrm>
+        </p:spPr>
+        <p:txBody>
+          <a:bodyPr anchor="t">
+            <a:normAutofit/>
+          </a:bodyPr>
           <a:lstStyle>
             <a:lvl1pPr marL="0" indent="0">
               <a:buNone/>
@@ -2052,35 +4733,35 @@
             </a:lvl1pPr>
             <a:lvl2pPr marL="457200" indent="0">
               <a:buNone/>
-              <a:defRPr sz="1400"/>
+              <a:defRPr sz="1200"/>
             </a:lvl2pPr>
             <a:lvl3pPr marL="914400" indent="0">
               <a:buNone/>
-              <a:defRPr sz="1200"/>
+              <a:defRPr sz="1000"/>
             </a:lvl3pPr>
             <a:lvl4pPr marL="1371600" indent="0">
               <a:buNone/>
-              <a:defRPr sz="1000"/>
+              <a:defRPr sz="900"/>
             </a:lvl4pPr>
             <a:lvl5pPr marL="1828800" indent="0">
               <a:buNone/>
-              <a:defRPr sz="1000"/>
+              <a:defRPr sz="900"/>
             </a:lvl5pPr>
             <a:lvl6pPr marL="2286000" indent="0">
               <a:buNone/>
-              <a:defRPr sz="1000"/>
+              <a:defRPr sz="900"/>
             </a:lvl6pPr>
             <a:lvl7pPr marL="2743200" indent="0">
               <a:buNone/>
-              <a:defRPr sz="1000"/>
+              <a:defRPr sz="900"/>
             </a:lvl7pPr>
             <a:lvl8pPr marL="3200400" indent="0">
               <a:buNone/>
-              <a:defRPr sz="1000"/>
+              <a:defRPr sz="900"/>
             </a:lvl8pPr>
             <a:lvl9pPr marL="3657600" indent="0">
               <a:buNone/>
-              <a:defRPr sz="1000"/>
+              <a:defRPr sz="900"/>
             </a:lvl9pPr>
           </a:lstStyle>
           <a:p>
@@ -2109,7 +4790,7 @@
           <a:p>
             <a:fld id="{945F9D44-93C9-462C-8D82-785E1F97CC13}" type="datetimeFigureOut">
               <a:rPr lang="en-PH" smtClean="0"/>
-              <a:t>25/09/2023</a:t>
+              <a:t>04/10/2023</a:t>
             </a:fld>
             <a:endParaRPr lang="en-PH"/>
           </a:p>
@@ -2160,7 +4841,7 @@
     </p:spTree>
     <p:extLst>
       <p:ext uri="{BB962C8B-B14F-4D97-AF65-F5344CB8AC3E}">
-        <p14:creationId xmlns:p14="http://schemas.microsoft.com/office/powerpoint/2010/main" val="2319436289"/>
+        <p14:creationId xmlns:p14="http://schemas.microsoft.com/office/powerpoint/2010/main" val="1626280821"/>
       </p:ext>
     </p:extLst>
   </p:cSld>
@@ -2187,6 +4868,36 @@
           <a:chExt cx="0" cy="0"/>
         </a:xfrm>
       </p:grpSpPr>
+      <p:pic>
+        <p:nvPicPr>
+          <p:cNvPr id="8" name="Picture 7" descr="Celestia-R1---OverlayContentHD.png"/>
+          <p:cNvPicPr>
+            <a:picLocks noChangeAspect="1"/>
+          </p:cNvPicPr>
+          <p:nvPr/>
+        </p:nvPicPr>
+        <p:blipFill>
+          <a:blip r:embed="rId2">
+            <a:extLst>
+              <a:ext uri="{28A0092B-C50C-407E-A947-70E740481C1C}">
+                <a14:useLocalDpi xmlns:a14="http://schemas.microsoft.com/office/drawing/2010/main" val="0"/>
+              </a:ext>
+            </a:extLst>
+          </a:blip>
+          <a:stretch>
+            <a:fillRect/>
+          </a:stretch>
+        </p:blipFill>
+        <p:spPr>
+          <a:xfrm>
+            <a:off x="0" y="0"/>
+            <a:ext cx="12188825" cy="6856214"/>
+          </a:xfrm>
+          <a:prstGeom prst="rect">
+            <a:avLst/>
+          </a:prstGeom>
+        </p:spPr>
+      </p:pic>
       <p:sp>
         <p:nvSpPr>
           <p:cNvPr id="2" name="Title 1"/>
@@ -2199,15 +4910,17 @@
         </p:nvSpPr>
         <p:spPr>
           <a:xfrm>
-            <a:off x="839788" y="457200"/>
-            <a:ext cx="3932237" cy="1600200"/>
-          </a:xfrm>
-        </p:spPr>
-        <p:txBody>
-          <a:bodyPr anchor="b"/>
+            <a:off x="685800" y="1600200"/>
+            <a:ext cx="6164653" cy="1371600"/>
+          </a:xfrm>
+        </p:spPr>
+        <p:txBody>
+          <a:bodyPr anchor="b">
+            <a:normAutofit/>
+          </a:bodyPr>
           <a:lstStyle>
-            <a:lvl1pPr>
-              <a:defRPr sz="3200"/>
+            <a:lvl1pPr algn="l">
+              <a:defRPr sz="2800" b="0"/>
             </a:lvl1pPr>
           </a:lstStyle>
           <a:p>
@@ -2215,15 +4928,15 @@
               <a:rPr lang="en-US" smtClean="0"/>
               <a:t>Click to edit Master title style</a:t>
             </a:r>
-            <a:endParaRPr lang="en-PH"/>
-          </a:p>
-        </p:txBody>
-      </p:sp>
-      <p:sp>
-        <p:nvSpPr>
-          <p:cNvPr id="3" name="Picture Placeholder 2"/>
+            <a:endParaRPr lang="en-US" dirty="0"/>
+          </a:p>
+        </p:txBody>
+      </p:sp>
+      <p:sp>
+        <p:nvSpPr>
+          <p:cNvPr id="14" name="Picture Placeholder 2"/>
           <p:cNvSpPr>
-            <a:spLocks noGrp="1"/>
+            <a:spLocks noGrp="1" noChangeAspect="1"/>
           </p:cNvSpPr>
           <p:nvPr>
             <p:ph type="pic" idx="1"/>
@@ -2231,52 +4944,89 @@
         </p:nvSpPr>
         <p:spPr>
           <a:xfrm>
-            <a:off x="5183188" y="987425"/>
-            <a:ext cx="6172200" cy="4873625"/>
-          </a:xfrm>
-        </p:spPr>
-        <p:txBody>
-          <a:bodyPr/>
+            <a:off x="7536253" y="914400"/>
+            <a:ext cx="3280974" cy="4572000"/>
+          </a:xfrm>
+          <a:prstGeom prst="roundRect">
+            <a:avLst>
+              <a:gd name="adj" fmla="val 4280"/>
+            </a:avLst>
+          </a:prstGeom>
+          <a:ln w="50800" cap="sq" cmpd="dbl">
+            <a:gradFill flip="none" rotWithShape="1">
+              <a:gsLst>
+                <a:gs pos="0">
+                  <a:srgbClr val="FFFFFF"/>
+                </a:gs>
+                <a:gs pos="100000">
+                  <a:schemeClr val="tx1">
+                    <a:alpha val="0"/>
+                  </a:schemeClr>
+                </a:gs>
+              </a:gsLst>
+              <a:path path="circle">
+                <a:fillToRect l="50000" t="50000" r="50000" b="50000"/>
+              </a:path>
+              <a:tileRect/>
+            </a:gradFill>
+            <a:miter lim="800000"/>
+          </a:ln>
+          <a:effectLst>
+            <a:outerShdw blurRad="254000" algn="tl" rotWithShape="0">
+              <a:srgbClr val="000000">
+                <a:alpha val="43000"/>
+              </a:srgbClr>
+            </a:outerShdw>
+          </a:effectLst>
+        </p:spPr>
+        <p:txBody>
+          <a:bodyPr anchor="t">
+            <a:normAutofit/>
+          </a:bodyPr>
           <a:lstStyle>
-            <a:lvl1pPr marL="0" indent="0">
+            <a:lvl1pPr marL="0" indent="0" algn="ctr">
               <a:buNone/>
-              <a:defRPr sz="3200"/>
+              <a:defRPr sz="1600"/>
             </a:lvl1pPr>
             <a:lvl2pPr marL="457200" indent="0">
               <a:buNone/>
-              <a:defRPr sz="2800"/>
+              <a:defRPr sz="1600"/>
             </a:lvl2pPr>
             <a:lvl3pPr marL="914400" indent="0">
               <a:buNone/>
-              <a:defRPr sz="2400"/>
+              <a:defRPr sz="1600"/>
             </a:lvl3pPr>
             <a:lvl4pPr marL="1371600" indent="0">
               <a:buNone/>
-              <a:defRPr sz="2000"/>
+              <a:defRPr sz="1600"/>
             </a:lvl4pPr>
             <a:lvl5pPr marL="1828800" indent="0">
               <a:buNone/>
-              <a:defRPr sz="2000"/>
+              <a:defRPr sz="1600"/>
             </a:lvl5pPr>
             <a:lvl6pPr marL="2286000" indent="0">
               <a:buNone/>
-              <a:defRPr sz="2000"/>
+              <a:defRPr sz="1600"/>
             </a:lvl6pPr>
             <a:lvl7pPr marL="2743200" indent="0">
               <a:buNone/>
-              <a:defRPr sz="2000"/>
+              <a:defRPr sz="1600"/>
             </a:lvl7pPr>
             <a:lvl8pPr marL="3200400" indent="0">
               <a:buNone/>
-              <a:defRPr sz="2000"/>
+              <a:defRPr sz="1600"/>
             </a:lvl8pPr>
             <a:lvl9pPr marL="3657600" indent="0">
               <a:buNone/>
-              <a:defRPr sz="2000"/>
+              <a:defRPr sz="1600"/>
             </a:lvl9pPr>
           </a:lstStyle>
           <a:p>
-            <a:endParaRPr lang="en-PH"/>
+            <a:r>
+              <a:rPr lang="en-US" smtClean="0"/>
+              <a:t>Click icon to add picture</a:t>
+            </a:r>
+            <a:endParaRPr lang="en-US" dirty="0"/>
           </a:p>
         </p:txBody>
       </p:sp>
@@ -2292,48 +5042,50 @@
         </p:nvSpPr>
         <p:spPr>
           <a:xfrm>
-            <a:off x="839788" y="2057400"/>
-            <a:ext cx="3932237" cy="3811588"/>
-          </a:xfrm>
-        </p:spPr>
-        <p:txBody>
-          <a:bodyPr/>
+            <a:off x="685800" y="2971800"/>
+            <a:ext cx="6164653" cy="1828800"/>
+          </a:xfrm>
+        </p:spPr>
+        <p:txBody>
+          <a:bodyPr anchor="t">
+            <a:normAutofit/>
+          </a:bodyPr>
           <a:lstStyle>
             <a:lvl1pPr marL="0" indent="0">
               <a:buNone/>
-              <a:defRPr sz="1600"/>
+              <a:defRPr sz="1800"/>
             </a:lvl1pPr>
             <a:lvl2pPr marL="457200" indent="0">
               <a:buNone/>
-              <a:defRPr sz="1400"/>
+              <a:defRPr sz="1200"/>
             </a:lvl2pPr>
             <a:lvl3pPr marL="914400" indent="0">
               <a:buNone/>
-              <a:defRPr sz="1200"/>
+              <a:defRPr sz="1000"/>
             </a:lvl3pPr>
             <a:lvl4pPr marL="1371600" indent="0">
               <a:buNone/>
-              <a:defRPr sz="1000"/>
+              <a:defRPr sz="900"/>
             </a:lvl4pPr>
             <a:lvl5pPr marL="1828800" indent="0">
               <a:buNone/>
-              <a:defRPr sz="1000"/>
+              <a:defRPr sz="900"/>
             </a:lvl5pPr>
             <a:lvl6pPr marL="2286000" indent="0">
               <a:buNone/>
-              <a:defRPr sz="1000"/>
+              <a:defRPr sz="900"/>
             </a:lvl6pPr>
             <a:lvl7pPr marL="2743200" indent="0">
               <a:buNone/>
-              <a:defRPr sz="1000"/>
+              <a:defRPr sz="900"/>
             </a:lvl7pPr>
             <a:lvl8pPr marL="3200400" indent="0">
               <a:buNone/>
-              <a:defRPr sz="1000"/>
+              <a:defRPr sz="900"/>
             </a:lvl8pPr>
             <a:lvl9pPr marL="3657600" indent="0">
               <a:buNone/>
-              <a:defRPr sz="1000"/>
+              <a:defRPr sz="900"/>
             </a:lvl9pPr>
           </a:lstStyle>
           <a:p>
@@ -2362,7 +5114,7 @@
           <a:p>
             <a:fld id="{945F9D44-93C9-462C-8D82-785E1F97CC13}" type="datetimeFigureOut">
               <a:rPr lang="en-PH" smtClean="0"/>
-              <a:t>25/09/2023</a:t>
+              <a:t>04/10/2023</a:t>
             </a:fld>
             <a:endParaRPr lang="en-PH"/>
           </a:p>
@@ -2383,7 +5135,7 @@
           <a:bodyPr/>
           <a:lstStyle/>
           <a:p>
-            <a:endParaRPr lang="en-PH"/>
+            <a:endParaRPr lang="en-US" dirty="0"/>
           </a:p>
         </p:txBody>
       </p:sp>
@@ -2413,7 +5165,7 @@
     </p:spTree>
     <p:extLst>
       <p:ext uri="{BB962C8B-B14F-4D97-AF65-F5344CB8AC3E}">
-        <p14:creationId xmlns:p14="http://schemas.microsoft.com/office/powerpoint/2010/main" val="4023596613"/>
+        <p14:creationId xmlns:p14="http://schemas.microsoft.com/office/powerpoint/2010/main" val="3488107215"/>
       </p:ext>
     </p:extLst>
   </p:cSld>
@@ -2427,8 +5179,8 @@
 <p:sldMaster xmlns:a="http://schemas.openxmlformats.org/drawingml/2006/main" xmlns:r="http://schemas.openxmlformats.org/officeDocument/2006/relationships" xmlns:p="http://schemas.openxmlformats.org/presentationml/2006/main">
   <p:cSld>
     <p:bg>
-      <p:bgRef idx="1001">
-        <a:schemeClr val="bg1"/>
+      <p:bgRef idx="1003">
+        <a:schemeClr val="bg2"/>
       </p:bgRef>
     </p:bg>
     <p:spTree>
@@ -2457,12 +5209,13 @@
         </p:nvSpPr>
         <p:spPr>
           <a:xfrm>
-            <a:off x="838200" y="365125"/>
-            <a:ext cx="10515600" cy="1325563"/>
-          </a:xfrm>
-          <a:prstGeom prst="rect">
-            <a:avLst/>
-          </a:prstGeom>
+            <a:off x="685801" y="609600"/>
+            <a:ext cx="10131425" cy="1456267"/>
+          </a:xfrm>
+          <a:prstGeom prst="rect">
+            <a:avLst/>
+          </a:prstGeom>
+          <a:effectLst/>
         </p:spPr>
         <p:txBody>
           <a:bodyPr vert="horz" lIns="91440" tIns="45720" rIns="91440" bIns="45720" rtlCol="0" anchor="ctr">
@@ -2474,7 +5227,7 @@
               <a:rPr lang="en-US" smtClean="0"/>
               <a:t>Click to edit Master title style</a:t>
             </a:r>
-            <a:endParaRPr lang="en-PH"/>
+            <a:endParaRPr lang="en-US" dirty="0"/>
           </a:p>
         </p:txBody>
       </p:sp>
@@ -2490,15 +5243,15 @@
         </p:nvSpPr>
         <p:spPr>
           <a:xfrm>
-            <a:off x="838200" y="1825625"/>
-            <a:ext cx="10515600" cy="4351338"/>
-          </a:xfrm>
-          <a:prstGeom prst="rect">
-            <a:avLst/>
-          </a:prstGeom>
-        </p:spPr>
-        <p:txBody>
-          <a:bodyPr vert="horz" lIns="91440" tIns="45720" rIns="91440" bIns="45720" rtlCol="0">
+            <a:off x="685801" y="2142067"/>
+            <a:ext cx="10131425" cy="3649133"/>
+          </a:xfrm>
+          <a:prstGeom prst="rect">
+            <a:avLst/>
+          </a:prstGeom>
+        </p:spPr>
+        <p:txBody>
+          <a:bodyPr vert="horz" lIns="91440" tIns="45720" rIns="91440" bIns="45720" rtlCol="0" anchor="ctr">
             <a:normAutofit/>
           </a:bodyPr>
           <a:lstStyle/>
@@ -2536,7 +5289,7 @@
               <a:rPr lang="en-US" smtClean="0"/>
               <a:t>Fifth level</a:t>
             </a:r>
-            <a:endParaRPr lang="en-PH"/>
+            <a:endParaRPr lang="en-US" dirty="0"/>
           </a:p>
         </p:txBody>
       </p:sp>
@@ -2552,8 +5305,8 @@
         </p:nvSpPr>
         <p:spPr>
           <a:xfrm>
-            <a:off x="838200" y="6356350"/>
-            <a:ext cx="2743200" cy="365125"/>
+            <a:off x="8589660" y="5870575"/>
+            <a:ext cx="1600200" cy="377825"/>
           </a:xfrm>
           <a:prstGeom prst="rect">
             <a:avLst/>
@@ -2562,20 +5315,20 @@
         <p:txBody>
           <a:bodyPr vert="horz" lIns="91440" tIns="45720" rIns="91440" bIns="45720" rtlCol="0" anchor="ctr"/>
           <a:lstStyle>
-            <a:lvl1pPr algn="l">
-              <a:defRPr sz="1200">
+            <a:lvl1pPr algn="r">
+              <a:defRPr sz="1000" b="0" i="0">
                 <a:solidFill>
-                  <a:schemeClr val="tx1">
-                    <a:tint val="75000"/>
-                  </a:schemeClr>
+                  <a:schemeClr val="tx1"/>
                 </a:solidFill>
+                <a:effectLst/>
+                <a:latin typeface="+mn-lt"/>
               </a:defRPr>
             </a:lvl1pPr>
           </a:lstStyle>
           <a:p>
             <a:fld id="{945F9D44-93C9-462C-8D82-785E1F97CC13}" type="datetimeFigureOut">
               <a:rPr lang="en-PH" smtClean="0"/>
-              <a:t>25/09/2023</a:t>
+              <a:t>04/10/2023</a:t>
             </a:fld>
             <a:endParaRPr lang="en-PH"/>
           </a:p>
@@ -2593,8 +5346,8 @@
         </p:nvSpPr>
         <p:spPr>
           <a:xfrm>
-            <a:off x="4038600" y="6356350"/>
-            <a:ext cx="4114800" cy="365125"/>
+            <a:off x="685800" y="5870575"/>
+            <a:ext cx="7827659" cy="377825"/>
           </a:xfrm>
           <a:prstGeom prst="rect">
             <a:avLst/>
@@ -2603,13 +5356,13 @@
         <p:txBody>
           <a:bodyPr vert="horz" lIns="91440" tIns="45720" rIns="91440" bIns="45720" rtlCol="0" anchor="ctr"/>
           <a:lstStyle>
-            <a:lvl1pPr algn="ctr">
-              <a:defRPr sz="1200">
+            <a:lvl1pPr algn="l">
+              <a:defRPr sz="1000" b="0" i="0">
                 <a:solidFill>
-                  <a:schemeClr val="tx1">
-                    <a:tint val="75000"/>
-                  </a:schemeClr>
+                  <a:schemeClr val="tx1"/>
                 </a:solidFill>
+                <a:effectLst/>
+                <a:latin typeface="+mn-lt"/>
               </a:defRPr>
             </a:lvl1pPr>
           </a:lstStyle>
@@ -2630,8 +5383,8 @@
         </p:nvSpPr>
         <p:spPr>
           <a:xfrm>
-            <a:off x="8610600" y="6356350"/>
-            <a:ext cx="2743200" cy="365125"/>
+            <a:off x="10266060" y="5870575"/>
+            <a:ext cx="551167" cy="377825"/>
           </a:xfrm>
           <a:prstGeom prst="rect">
             <a:avLst/>
@@ -2641,12 +5394,12 @@
           <a:bodyPr vert="horz" lIns="91440" tIns="45720" rIns="91440" bIns="45720" rtlCol="0" anchor="ctr"/>
           <a:lstStyle>
             <a:lvl1pPr algn="r">
-              <a:defRPr sz="1200">
+              <a:defRPr sz="1000" b="0" i="0">
                 <a:solidFill>
-                  <a:schemeClr val="tx1">
-                    <a:tint val="75000"/>
-                  </a:schemeClr>
+                  <a:schemeClr val="tx1"/>
                 </a:solidFill>
+                <a:effectLst/>
+                <a:latin typeface="+mn-lt"/>
               </a:defRPr>
             </a:lvl1pPr>
           </a:lstStyle>
@@ -2662,202 +5415,310 @@
     </p:spTree>
     <p:extLst>
       <p:ext uri="{BB962C8B-B14F-4D97-AF65-F5344CB8AC3E}">
-        <p14:creationId xmlns:p14="http://schemas.microsoft.com/office/powerpoint/2010/main" val="4058276743"/>
+        <p14:creationId xmlns:p14="http://schemas.microsoft.com/office/powerpoint/2010/main" val="437003021"/>
       </p:ext>
     </p:extLst>
   </p:cSld>
-  <p:clrMap bg1="lt1" tx1="dk1" bg2="lt2" tx2="dk2" accent1="accent1" accent2="accent2" accent3="accent3" accent4="accent4" accent5="accent5" accent6="accent6" hlink="hlink" folHlink="folHlink"/>
+  <p:clrMap bg1="dk1" tx1="lt1" bg2="dk2" tx2="lt2" accent1="accent1" accent2="accent2" accent3="accent3" accent4="accent4" accent5="accent5" accent6="accent6" hlink="hlink" folHlink="folHlink"/>
   <p:sldLayoutIdLst>
-    <p:sldLayoutId id="2147483649" r:id="rId1"/>
-    <p:sldLayoutId id="2147483650" r:id="rId2"/>
-    <p:sldLayoutId id="2147483651" r:id="rId3"/>
-    <p:sldLayoutId id="2147483652" r:id="rId4"/>
-    <p:sldLayoutId id="2147483653" r:id="rId5"/>
-    <p:sldLayoutId id="2147483654" r:id="rId6"/>
-    <p:sldLayoutId id="2147483655" r:id="rId7"/>
-    <p:sldLayoutId id="2147483656" r:id="rId8"/>
-    <p:sldLayoutId id="2147483657" r:id="rId9"/>
-    <p:sldLayoutId id="2147483658" r:id="rId10"/>
-    <p:sldLayoutId id="2147483659" r:id="rId11"/>
+    <p:sldLayoutId id="2147483899" r:id="rId1"/>
+    <p:sldLayoutId id="2147483900" r:id="rId2"/>
+    <p:sldLayoutId id="2147483901" r:id="rId3"/>
+    <p:sldLayoutId id="2147483902" r:id="rId4"/>
+    <p:sldLayoutId id="2147483903" r:id="rId5"/>
+    <p:sldLayoutId id="2147483904" r:id="rId6"/>
+    <p:sldLayoutId id="2147483905" r:id="rId7"/>
+    <p:sldLayoutId id="2147483906" r:id="rId8"/>
+    <p:sldLayoutId id="2147483907" r:id="rId9"/>
+    <p:sldLayoutId id="2147483908" r:id="rId10"/>
+    <p:sldLayoutId id="2147483909" r:id="rId11"/>
+    <p:sldLayoutId id="2147483910" r:id="rId12"/>
+    <p:sldLayoutId id="2147483911" r:id="rId13"/>
+    <p:sldLayoutId id="2147483912" r:id="rId14"/>
+    <p:sldLayoutId id="2147483913" r:id="rId15"/>
+    <p:sldLayoutId id="2147483914" r:id="rId16"/>
+    <p:sldLayoutId id="2147483915" r:id="rId17"/>
   </p:sldLayoutIdLst>
   <p:txStyles>
     <p:titleStyle>
-      <a:lvl1pPr algn="l" defTabSz="914400" rtl="0" eaLnBrk="1" latinLnBrk="0" hangingPunct="1">
-        <a:lnSpc>
-          <a:spcPct val="90000"/>
-        </a:lnSpc>
+      <a:lvl1pPr algn="l" defTabSz="457200" rtl="0" eaLnBrk="1" latinLnBrk="0" hangingPunct="1">
         <a:spcBef>
           <a:spcPct val="0"/>
         </a:spcBef>
         <a:buNone/>
-        <a:defRPr sz="4400" kern="1200">
+        <a:defRPr sz="3600" kern="1200" cap="all">
+          <a:ln w="3175" cmpd="sng">
+            <a:noFill/>
+          </a:ln>
           <a:solidFill>
             <a:schemeClr val="tx1"/>
           </a:solidFill>
+          <a:effectLst/>
           <a:latin typeface="+mj-lt"/>
           <a:ea typeface="+mj-ea"/>
           <a:cs typeface="+mj-cs"/>
         </a:defRPr>
       </a:lvl1pPr>
+      <a:lvl2pPr eaLnBrk="1" hangingPunct="1">
+        <a:defRPr>
+          <a:solidFill>
+            <a:schemeClr val="tx2"/>
+          </a:solidFill>
+        </a:defRPr>
+      </a:lvl2pPr>
+      <a:lvl3pPr eaLnBrk="1" hangingPunct="1">
+        <a:defRPr>
+          <a:solidFill>
+            <a:schemeClr val="tx2"/>
+          </a:solidFill>
+        </a:defRPr>
+      </a:lvl3pPr>
+      <a:lvl4pPr eaLnBrk="1" hangingPunct="1">
+        <a:defRPr>
+          <a:solidFill>
+            <a:schemeClr val="tx2"/>
+          </a:solidFill>
+        </a:defRPr>
+      </a:lvl4pPr>
+      <a:lvl5pPr eaLnBrk="1" hangingPunct="1">
+        <a:defRPr>
+          <a:solidFill>
+            <a:schemeClr val="tx2"/>
+          </a:solidFill>
+        </a:defRPr>
+      </a:lvl5pPr>
+      <a:lvl6pPr eaLnBrk="1" hangingPunct="1">
+        <a:defRPr>
+          <a:solidFill>
+            <a:schemeClr val="tx2"/>
+          </a:solidFill>
+        </a:defRPr>
+      </a:lvl6pPr>
+      <a:lvl7pPr eaLnBrk="1" hangingPunct="1">
+        <a:defRPr>
+          <a:solidFill>
+            <a:schemeClr val="tx2"/>
+          </a:solidFill>
+        </a:defRPr>
+      </a:lvl7pPr>
+      <a:lvl8pPr eaLnBrk="1" hangingPunct="1">
+        <a:defRPr>
+          <a:solidFill>
+            <a:schemeClr val="tx2"/>
+          </a:solidFill>
+        </a:defRPr>
+      </a:lvl8pPr>
+      <a:lvl9pPr eaLnBrk="1" hangingPunct="1">
+        <a:defRPr>
+          <a:solidFill>
+            <a:schemeClr val="tx2"/>
+          </a:solidFill>
+        </a:defRPr>
+      </a:lvl9pPr>
     </p:titleStyle>
     <p:bodyStyle>
-      <a:lvl1pPr marL="228600" indent="-228600" algn="l" defTabSz="914400" rtl="0" eaLnBrk="1" latinLnBrk="0" hangingPunct="1">
-        <a:lnSpc>
-          <a:spcPct val="90000"/>
-        </a:lnSpc>
+      <a:lvl1pPr marL="285750" indent="-285750" algn="l" defTabSz="457200" rtl="0" eaLnBrk="1" latinLnBrk="0" hangingPunct="1">
         <a:spcBef>
+          <a:spcPts val="0"/>
+        </a:spcBef>
+        <a:spcAft>
           <a:spcPts val="1000"/>
-        </a:spcBef>
-        <a:buFont typeface="Arial" panose="020B0604020202020204" pitchFamily="34" charset="0"/>
+        </a:spcAft>
+        <a:buClr>
+          <a:schemeClr val="tx1"/>
+        </a:buClr>
+        <a:buSzPct val="100000"/>
+        <a:buFont typeface="Arial"/>
         <a:buChar char="•"/>
-        <a:defRPr sz="2800" kern="1200">
+        <a:defRPr sz="1800" kern="1200" cap="none">
           <a:solidFill>
             <a:schemeClr val="tx1"/>
           </a:solidFill>
+          <a:effectLst/>
           <a:latin typeface="+mn-lt"/>
           <a:ea typeface="+mn-ea"/>
           <a:cs typeface="+mn-cs"/>
         </a:defRPr>
       </a:lvl1pPr>
-      <a:lvl2pPr marL="685800" indent="-228600" algn="l" defTabSz="914400" rtl="0" eaLnBrk="1" latinLnBrk="0" hangingPunct="1">
-        <a:lnSpc>
-          <a:spcPct val="90000"/>
-        </a:lnSpc>
+      <a:lvl2pPr marL="742950" indent="-285750" algn="l" defTabSz="457200" rtl="0" eaLnBrk="1" latinLnBrk="0" hangingPunct="1">
         <a:spcBef>
-          <a:spcPts val="500"/>
+          <a:spcPts val="0"/>
         </a:spcBef>
-        <a:buFont typeface="Arial" panose="020B0604020202020204" pitchFamily="34" charset="0"/>
+        <a:spcAft>
+          <a:spcPts val="1000"/>
+        </a:spcAft>
+        <a:buClr>
+          <a:schemeClr val="tx1"/>
+        </a:buClr>
+        <a:buSzPct val="100000"/>
+        <a:buFont typeface="Arial"/>
         <a:buChar char="•"/>
-        <a:defRPr sz="2400" kern="1200">
+        <a:defRPr sz="1600" kern="1200" cap="none">
           <a:solidFill>
             <a:schemeClr val="tx1"/>
           </a:solidFill>
+          <a:effectLst/>
           <a:latin typeface="+mn-lt"/>
           <a:ea typeface="+mn-ea"/>
           <a:cs typeface="+mn-cs"/>
         </a:defRPr>
       </a:lvl2pPr>
-      <a:lvl3pPr marL="1143000" indent="-228600" algn="l" defTabSz="914400" rtl="0" eaLnBrk="1" latinLnBrk="0" hangingPunct="1">
-        <a:lnSpc>
-          <a:spcPct val="90000"/>
-        </a:lnSpc>
+      <a:lvl3pPr marL="1200150" indent="-285750" algn="l" defTabSz="457200" rtl="0" eaLnBrk="1" latinLnBrk="0" hangingPunct="1">
         <a:spcBef>
-          <a:spcPts val="500"/>
+          <a:spcPts val="0"/>
         </a:spcBef>
-        <a:buFont typeface="Arial" panose="020B0604020202020204" pitchFamily="34" charset="0"/>
+        <a:spcAft>
+          <a:spcPts val="1000"/>
+        </a:spcAft>
+        <a:buClr>
+          <a:schemeClr val="tx1"/>
+        </a:buClr>
+        <a:buSzPct val="100000"/>
+        <a:buFont typeface="Arial"/>
         <a:buChar char="•"/>
-        <a:defRPr sz="2000" kern="1200">
+        <a:defRPr sz="1400" kern="1200" cap="none">
           <a:solidFill>
             <a:schemeClr val="tx1"/>
           </a:solidFill>
+          <a:effectLst/>
           <a:latin typeface="+mn-lt"/>
           <a:ea typeface="+mn-ea"/>
           <a:cs typeface="+mn-cs"/>
         </a:defRPr>
       </a:lvl3pPr>
-      <a:lvl4pPr marL="1600200" indent="-228600" algn="l" defTabSz="914400" rtl="0" eaLnBrk="1" latinLnBrk="0" hangingPunct="1">
-        <a:lnSpc>
-          <a:spcPct val="90000"/>
-        </a:lnSpc>
+      <a:lvl4pPr marL="1543050" indent="-171450" algn="l" defTabSz="457200" rtl="0" eaLnBrk="1" latinLnBrk="0" hangingPunct="1">
         <a:spcBef>
-          <a:spcPts val="500"/>
+          <a:spcPts val="0"/>
         </a:spcBef>
-        <a:buFont typeface="Arial" panose="020B0604020202020204" pitchFamily="34" charset="0"/>
+        <a:spcAft>
+          <a:spcPts val="1000"/>
+        </a:spcAft>
+        <a:buClr>
+          <a:schemeClr val="tx1"/>
+        </a:buClr>
+        <a:buSzPct val="100000"/>
+        <a:buFont typeface="Arial"/>
         <a:buChar char="•"/>
-        <a:defRPr sz="1800" kern="1200">
+        <a:defRPr sz="1200" kern="1200" cap="none">
           <a:solidFill>
             <a:schemeClr val="tx1"/>
           </a:solidFill>
+          <a:effectLst/>
           <a:latin typeface="+mn-lt"/>
           <a:ea typeface="+mn-ea"/>
           <a:cs typeface="+mn-cs"/>
         </a:defRPr>
       </a:lvl4pPr>
-      <a:lvl5pPr marL="2057400" indent="-228600" algn="l" defTabSz="914400" rtl="0" eaLnBrk="1" latinLnBrk="0" hangingPunct="1">
-        <a:lnSpc>
-          <a:spcPct val="90000"/>
-        </a:lnSpc>
+      <a:lvl5pPr marL="2000250" indent="-171450" algn="l" defTabSz="457200" rtl="0" eaLnBrk="1" latinLnBrk="0" hangingPunct="1">
         <a:spcBef>
-          <a:spcPts val="500"/>
+          <a:spcPts val="0"/>
         </a:spcBef>
-        <a:buFont typeface="Arial" panose="020B0604020202020204" pitchFamily="34" charset="0"/>
+        <a:spcAft>
+          <a:spcPts val="1000"/>
+        </a:spcAft>
+        <a:buClr>
+          <a:schemeClr val="tx1"/>
+        </a:buClr>
+        <a:buSzPct val="100000"/>
+        <a:buFont typeface="Arial"/>
         <a:buChar char="•"/>
-        <a:defRPr sz="1800" kern="1200">
+        <a:defRPr sz="1200" kern="1200" cap="none">
           <a:solidFill>
             <a:schemeClr val="tx1"/>
           </a:solidFill>
+          <a:effectLst/>
           <a:latin typeface="+mn-lt"/>
           <a:ea typeface="+mn-ea"/>
           <a:cs typeface="+mn-cs"/>
         </a:defRPr>
       </a:lvl5pPr>
-      <a:lvl6pPr marL="2514600" indent="-228600" algn="l" defTabSz="914400" rtl="0" eaLnBrk="1" latinLnBrk="0" hangingPunct="1">
-        <a:lnSpc>
-          <a:spcPct val="90000"/>
-        </a:lnSpc>
+      <a:lvl6pPr marL="2514600" indent="-228600" algn="l" defTabSz="457200" rtl="0" eaLnBrk="1" latinLnBrk="0" hangingPunct="1">
         <a:spcBef>
-          <a:spcPts val="500"/>
+          <a:spcPts val="0"/>
         </a:spcBef>
-        <a:buFont typeface="Arial" panose="020B0604020202020204" pitchFamily="34" charset="0"/>
+        <a:spcAft>
+          <a:spcPts val="1000"/>
+        </a:spcAft>
+        <a:buClr>
+          <a:schemeClr val="tx1"/>
+        </a:buClr>
+        <a:buSzPct val="100000"/>
+        <a:buFont typeface="Arial"/>
         <a:buChar char="•"/>
-        <a:defRPr sz="1800" kern="1200">
+        <a:defRPr sz="1200" kern="1200" cap="none">
           <a:solidFill>
             <a:schemeClr val="tx1"/>
           </a:solidFill>
+          <a:effectLst/>
           <a:latin typeface="+mn-lt"/>
           <a:ea typeface="+mn-ea"/>
           <a:cs typeface="+mn-cs"/>
         </a:defRPr>
       </a:lvl6pPr>
-      <a:lvl7pPr marL="2971800" indent="-228600" algn="l" defTabSz="914400" rtl="0" eaLnBrk="1" latinLnBrk="0" hangingPunct="1">
-        <a:lnSpc>
-          <a:spcPct val="90000"/>
-        </a:lnSpc>
+      <a:lvl7pPr marL="2971800" indent="-228600" algn="l" defTabSz="457200" rtl="0" eaLnBrk="1" latinLnBrk="0" hangingPunct="1">
         <a:spcBef>
-          <a:spcPts val="500"/>
+          <a:spcPts val="0"/>
         </a:spcBef>
-        <a:buFont typeface="Arial" panose="020B0604020202020204" pitchFamily="34" charset="0"/>
+        <a:spcAft>
+          <a:spcPts val="1000"/>
+        </a:spcAft>
+        <a:buClr>
+          <a:schemeClr val="tx1"/>
+        </a:buClr>
+        <a:buSzPct val="100000"/>
+        <a:buFont typeface="Arial"/>
         <a:buChar char="•"/>
-        <a:defRPr sz="1800" kern="1200">
+        <a:defRPr sz="1200" kern="1200" cap="none">
           <a:solidFill>
             <a:schemeClr val="tx1"/>
           </a:solidFill>
+          <a:effectLst/>
           <a:latin typeface="+mn-lt"/>
           <a:ea typeface="+mn-ea"/>
           <a:cs typeface="+mn-cs"/>
         </a:defRPr>
       </a:lvl7pPr>
-      <a:lvl8pPr marL="3429000" indent="-228600" algn="l" defTabSz="914400" rtl="0" eaLnBrk="1" latinLnBrk="0" hangingPunct="1">
-        <a:lnSpc>
-          <a:spcPct val="90000"/>
-        </a:lnSpc>
+      <a:lvl8pPr marL="3429000" indent="-228600" algn="l" defTabSz="457200" rtl="0" eaLnBrk="1" latinLnBrk="0" hangingPunct="1">
         <a:spcBef>
-          <a:spcPts val="500"/>
+          <a:spcPts val="0"/>
         </a:spcBef>
-        <a:buFont typeface="Arial" panose="020B0604020202020204" pitchFamily="34" charset="0"/>
+        <a:spcAft>
+          <a:spcPts val="1000"/>
+        </a:spcAft>
+        <a:buClr>
+          <a:schemeClr val="tx1"/>
+        </a:buClr>
+        <a:buSzPct val="100000"/>
+        <a:buFont typeface="Arial"/>
         <a:buChar char="•"/>
-        <a:defRPr sz="1800" kern="1200">
+        <a:defRPr sz="1200" kern="1200" cap="none">
           <a:solidFill>
             <a:schemeClr val="tx1"/>
           </a:solidFill>
+          <a:effectLst/>
           <a:latin typeface="+mn-lt"/>
           <a:ea typeface="+mn-ea"/>
           <a:cs typeface="+mn-cs"/>
         </a:defRPr>
       </a:lvl8pPr>
-      <a:lvl9pPr marL="3886200" indent="-228600" algn="l" defTabSz="914400" rtl="0" eaLnBrk="1" latinLnBrk="0" hangingPunct="1">
-        <a:lnSpc>
-          <a:spcPct val="90000"/>
-        </a:lnSpc>
+      <a:lvl9pPr marL="3886200" indent="-228600" algn="l" defTabSz="457200" rtl="0" eaLnBrk="1" latinLnBrk="0" hangingPunct="1">
         <a:spcBef>
-          <a:spcPts val="500"/>
+          <a:spcPts val="0"/>
         </a:spcBef>
-        <a:buFont typeface="Arial" panose="020B0604020202020204" pitchFamily="34" charset="0"/>
+        <a:spcAft>
+          <a:spcPts val="1000"/>
+        </a:spcAft>
+        <a:buClr>
+          <a:schemeClr val="tx1"/>
+        </a:buClr>
+        <a:buSzPct val="100000"/>
+        <a:buFont typeface="Arial"/>
         <a:buChar char="•"/>
-        <a:defRPr sz="1800" kern="1200">
+        <a:defRPr sz="1200" kern="1200" cap="none">
           <a:solidFill>
             <a:schemeClr val="tx1"/>
           </a:solidFill>
+          <a:effectLst/>
           <a:latin typeface="+mn-lt"/>
           <a:ea typeface="+mn-ea"/>
           <a:cs typeface="+mn-cs"/>
@@ -2868,7 +5729,7 @@
       <a:defPPr>
         <a:defRPr lang="en-US"/>
       </a:defPPr>
-      <a:lvl1pPr marL="0" algn="l" defTabSz="914400" rtl="0" eaLnBrk="1" latinLnBrk="0" hangingPunct="1">
+      <a:lvl1pPr marL="0" algn="l" defTabSz="457200" rtl="0" eaLnBrk="1" latinLnBrk="0" hangingPunct="1">
         <a:defRPr sz="1800" kern="1200">
           <a:solidFill>
             <a:schemeClr val="tx1"/>
@@ -2878,7 +5739,7 @@
           <a:cs typeface="+mn-cs"/>
         </a:defRPr>
       </a:lvl1pPr>
-      <a:lvl2pPr marL="457200" algn="l" defTabSz="914400" rtl="0" eaLnBrk="1" latinLnBrk="0" hangingPunct="1">
+      <a:lvl2pPr marL="457200" algn="l" defTabSz="457200" rtl="0" eaLnBrk="1" latinLnBrk="0" hangingPunct="1">
         <a:defRPr sz="1800" kern="1200">
           <a:solidFill>
             <a:schemeClr val="tx1"/>
@@ -2888,7 +5749,7 @@
           <a:cs typeface="+mn-cs"/>
         </a:defRPr>
       </a:lvl2pPr>
-      <a:lvl3pPr marL="914400" algn="l" defTabSz="914400" rtl="0" eaLnBrk="1" latinLnBrk="0" hangingPunct="1">
+      <a:lvl3pPr marL="914400" algn="l" defTabSz="457200" rtl="0" eaLnBrk="1" latinLnBrk="0" hangingPunct="1">
         <a:defRPr sz="1800" kern="1200">
           <a:solidFill>
             <a:schemeClr val="tx1"/>
@@ -2898,7 +5759,7 @@
           <a:cs typeface="+mn-cs"/>
         </a:defRPr>
       </a:lvl3pPr>
-      <a:lvl4pPr marL="1371600" algn="l" defTabSz="914400" rtl="0" eaLnBrk="1" latinLnBrk="0" hangingPunct="1">
+      <a:lvl4pPr marL="1371600" algn="l" defTabSz="457200" rtl="0" eaLnBrk="1" latinLnBrk="0" hangingPunct="1">
         <a:defRPr sz="1800" kern="1200">
           <a:solidFill>
             <a:schemeClr val="tx1"/>
@@ -2908,7 +5769,7 @@
           <a:cs typeface="+mn-cs"/>
         </a:defRPr>
       </a:lvl4pPr>
-      <a:lvl5pPr marL="1828800" algn="l" defTabSz="914400" rtl="0" eaLnBrk="1" latinLnBrk="0" hangingPunct="1">
+      <a:lvl5pPr marL="1828800" algn="l" defTabSz="457200" rtl="0" eaLnBrk="1" latinLnBrk="0" hangingPunct="1">
         <a:defRPr sz="1800" kern="1200">
           <a:solidFill>
             <a:schemeClr val="tx1"/>
@@ -2918,7 +5779,7 @@
           <a:cs typeface="+mn-cs"/>
         </a:defRPr>
       </a:lvl5pPr>
-      <a:lvl6pPr marL="2286000" algn="l" defTabSz="914400" rtl="0" eaLnBrk="1" latinLnBrk="0" hangingPunct="1">
+      <a:lvl6pPr marL="2286000" algn="l" defTabSz="457200" rtl="0" eaLnBrk="1" latinLnBrk="0" hangingPunct="1">
         <a:defRPr sz="1800" kern="1200">
           <a:solidFill>
             <a:schemeClr val="tx1"/>
@@ -2928,7 +5789,7 @@
           <a:cs typeface="+mn-cs"/>
         </a:defRPr>
       </a:lvl6pPr>
-      <a:lvl7pPr marL="2743200" algn="l" defTabSz="914400" rtl="0" eaLnBrk="1" latinLnBrk="0" hangingPunct="1">
+      <a:lvl7pPr marL="2743200" algn="l" defTabSz="457200" rtl="0" eaLnBrk="1" latinLnBrk="0" hangingPunct="1">
         <a:defRPr sz="1800" kern="1200">
           <a:solidFill>
             <a:schemeClr val="tx1"/>
@@ -2938,7 +5799,7 @@
           <a:cs typeface="+mn-cs"/>
         </a:defRPr>
       </a:lvl7pPr>
-      <a:lvl8pPr marL="3200400" algn="l" defTabSz="914400" rtl="0" eaLnBrk="1" latinLnBrk="0" hangingPunct="1">
+      <a:lvl8pPr marL="3200400" algn="l" defTabSz="457200" rtl="0" eaLnBrk="1" latinLnBrk="0" hangingPunct="1">
         <a:defRPr sz="1800" kern="1200">
           <a:solidFill>
             <a:schemeClr val="tx1"/>
@@ -2948,7 +5809,7 @@
           <a:cs typeface="+mn-cs"/>
         </a:defRPr>
       </a:lvl8pPr>
-      <a:lvl9pPr marL="3657600" algn="l" defTabSz="914400" rtl="0" eaLnBrk="1" latinLnBrk="0" hangingPunct="1">
+      <a:lvl9pPr marL="3657600" algn="l" defTabSz="457200" rtl="0" eaLnBrk="1" latinLnBrk="0" hangingPunct="1">
         <a:defRPr sz="1800" kern="1200">
           <a:solidFill>
             <a:schemeClr val="tx1"/>
@@ -3002,19 +5863,40 @@
           <a:lstStyle/>
           <a:p>
             <a:r>
-              <a:rPr lang="en-PH" sz="5400" dirty="0" smtClean="0"/>
+              <a:rPr lang="en-PH" sz="5400" dirty="0" smtClean="0">
+                <a:solidFill>
+                  <a:schemeClr val="accent5">
+                    <a:lumMod val="40000"/>
+                    <a:lumOff val="60000"/>
+                  </a:schemeClr>
+                </a:solidFill>
+              </a:rPr>
               <a:t>Website Development Plan:</a:t>
             </a:r>
           </a:p>
           <a:p>
-            <a:endParaRPr lang="en-PH" sz="2800" dirty="0" smtClean="0"/>
+            <a:endParaRPr lang="en-PH" sz="2800" dirty="0" smtClean="0">
+              <a:solidFill>
+                <a:schemeClr val="accent5">
+                  <a:lumMod val="40000"/>
+                  <a:lumOff val="60000"/>
+                </a:schemeClr>
+              </a:solidFill>
+            </a:endParaRPr>
           </a:p>
           <a:p>
             <a:pPr marL="342900" indent="-342900">
               <a:buAutoNum type="arabicPeriod"/>
             </a:pPr>
             <a:r>
-              <a:rPr lang="en-PH" sz="5400" b="1" dirty="0" smtClean="0"/>
+              <a:rPr lang="en-PH" sz="5400" b="1" dirty="0" smtClean="0">
+                <a:solidFill>
+                  <a:schemeClr val="accent5">
+                    <a:lumMod val="40000"/>
+                    <a:lumOff val="60000"/>
+                  </a:schemeClr>
+                </a:solidFill>
+              </a:rPr>
               <a:t>Gathering Information</a:t>
             </a:r>
           </a:p>
@@ -3024,11 +5906,25 @@
               <a:buChar char="•"/>
             </a:pPr>
             <a:r>
-              <a:rPr lang="en-PH" sz="5400" dirty="0"/>
+              <a:rPr lang="en-PH" sz="5400" dirty="0">
+                <a:solidFill>
+                  <a:schemeClr val="accent5">
+                    <a:lumMod val="40000"/>
+                    <a:lumOff val="60000"/>
+                  </a:schemeClr>
+                </a:solidFill>
+              </a:rPr>
               <a:t>T</a:t>
             </a:r>
             <a:r>
-              <a:rPr lang="en-PH" sz="5400" dirty="0" smtClean="0"/>
+              <a:rPr lang="en-PH" sz="5400" dirty="0" smtClean="0">
+                <a:solidFill>
+                  <a:schemeClr val="accent5">
+                    <a:lumMod val="40000"/>
+                    <a:lumOff val="60000"/>
+                  </a:schemeClr>
+                </a:solidFill>
+              </a:rPr>
               <a:t>itle: Sparkline</a:t>
             </a:r>
           </a:p>
@@ -3038,10 +5934,24 @@
               <a:buChar char="•"/>
             </a:pPr>
             <a:r>
-              <a:rPr lang="en-US" sz="5400" dirty="0" smtClean="0"/>
+              <a:rPr lang="en-US" sz="5400" dirty="0" smtClean="0">
+                <a:solidFill>
+                  <a:schemeClr val="accent5">
+                    <a:lumMod val="40000"/>
+                    <a:lumOff val="60000"/>
+                  </a:schemeClr>
+                </a:solidFill>
+              </a:rPr>
               <a:t>Tagline: Choose best with us</a:t>
             </a:r>
-            <a:endParaRPr lang="en-PH" sz="5400" dirty="0" smtClean="0"/>
+            <a:endParaRPr lang="en-PH" sz="5400" dirty="0" smtClean="0">
+              <a:solidFill>
+                <a:schemeClr val="accent5">
+                  <a:lumMod val="40000"/>
+                  <a:lumOff val="60000"/>
+                </a:schemeClr>
+              </a:solidFill>
+            </a:endParaRPr>
           </a:p>
           <a:p>
             <a:pPr marL="285750" indent="-285750">
@@ -3049,23 +5959,58 @@
               <a:buChar char="•"/>
             </a:pPr>
             <a:r>
-              <a:rPr lang="en-US" sz="5400" dirty="0" smtClean="0"/>
+              <a:rPr lang="en-US" sz="5400" dirty="0" smtClean="0">
+                <a:solidFill>
+                  <a:schemeClr val="accent5">
+                    <a:lumMod val="40000"/>
+                    <a:lumOff val="60000"/>
+                  </a:schemeClr>
+                </a:solidFill>
+              </a:rPr>
               <a:t>Type of E-commerce website: </a:t>
             </a:r>
             <a:r>
-              <a:rPr lang="en-PH" sz="5400" dirty="0"/>
+              <a:rPr lang="en-PH" sz="5400" dirty="0">
+                <a:solidFill>
+                  <a:schemeClr val="accent5">
+                    <a:lumMod val="40000"/>
+                    <a:lumOff val="60000"/>
+                  </a:schemeClr>
+                </a:solidFill>
+              </a:rPr>
               <a:t>Gaming </a:t>
             </a:r>
             <a:r>
-              <a:rPr lang="en-PH" sz="5400" dirty="0" smtClean="0"/>
+              <a:rPr lang="en-PH" sz="5400" dirty="0" smtClean="0">
+                <a:solidFill>
+                  <a:schemeClr val="accent5">
+                    <a:lumMod val="40000"/>
+                    <a:lumOff val="60000"/>
+                  </a:schemeClr>
+                </a:solidFill>
+              </a:rPr>
               <a:t>Accessories</a:t>
             </a:r>
             <a:r>
-              <a:rPr lang="en-PH" sz="5400" dirty="0"/>
+              <a:rPr lang="en-PH" sz="5400" dirty="0">
+                <a:solidFill>
+                  <a:schemeClr val="accent5">
+                    <a:lumMod val="40000"/>
+                    <a:lumOff val="60000"/>
+                  </a:schemeClr>
+                </a:solidFill>
+              </a:rPr>
               <a:t> </a:t>
             </a:r>
             <a:r>
-              <a:rPr lang="en-PH" sz="5400" dirty="0" smtClean="0"/>
+              <a:rPr lang="en-PH" sz="5400" dirty="0" smtClean="0">
+                <a:solidFill>
+                  <a:schemeClr val="accent5">
+                    <a:lumMod val="40000"/>
+                    <a:lumOff val="60000"/>
+                  </a:schemeClr>
+                </a:solidFill>
+              </a:rPr>
               <a:t>(keyboard, mouse and headset)</a:t>
             </a:r>
           </a:p>
@@ -4584,6 +7529,9 @@
           <a:solidFill>
             <a:srgbClr val="1F2022"/>
           </a:solidFill>
+          <a:ln>
+            <a:noFill/>
+          </a:ln>
         </p:spPr>
         <p:style>
           <a:lnRef idx="2">
@@ -4899,6 +7847,9 @@
           <a:solidFill>
             <a:srgbClr val="1F2022"/>
           </a:solidFill>
+          <a:ln>
+            <a:noFill/>
+          </a:ln>
         </p:spPr>
         <p:style>
           <a:lnRef idx="2">
@@ -5785,6 +8736,114 @@
 </p:sld>
 </file>
 
+<file path=ppt/slides/slide13.xml><?xml version="1.0" encoding="utf-8"?>
+<p:sld xmlns:a="http://schemas.openxmlformats.org/drawingml/2006/main" xmlns:r="http://schemas.openxmlformats.org/officeDocument/2006/relationships" xmlns:p="http://schemas.openxmlformats.org/presentationml/2006/main">
+  <p:cSld>
+    <p:spTree>
+      <p:nvGrpSpPr>
+        <p:cNvPr id="1" name=""/>
+        <p:cNvGrpSpPr/>
+        <p:nvPr/>
+      </p:nvGrpSpPr>
+      <p:grpSpPr>
+        <a:xfrm>
+          <a:off x="0" y="0"/>
+          <a:ext cx="0" cy="0"/>
+          <a:chOff x="0" y="0"/>
+          <a:chExt cx="0" cy="0"/>
+        </a:xfrm>
+      </p:grpSpPr>
+      <p:pic>
+        <p:nvPicPr>
+          <p:cNvPr id="4" name="Picture 3"/>
+          <p:cNvPicPr>
+            <a:picLocks noChangeAspect="1"/>
+          </p:cNvPicPr>
+          <p:nvPr/>
+        </p:nvPicPr>
+        <p:blipFill>
+          <a:blip r:embed="rId2"/>
+          <a:stretch>
+            <a:fillRect/>
+          </a:stretch>
+        </p:blipFill>
+        <p:spPr>
+          <a:xfrm>
+            <a:off x="2627898" y="0"/>
+            <a:ext cx="6456406" cy="6858000"/>
+          </a:xfrm>
+          <a:prstGeom prst="rect">
+            <a:avLst/>
+          </a:prstGeom>
+        </p:spPr>
+      </p:pic>
+    </p:spTree>
+    <p:extLst>
+      <p:ext uri="{BB962C8B-B14F-4D97-AF65-F5344CB8AC3E}">
+        <p14:creationId xmlns:p14="http://schemas.microsoft.com/office/powerpoint/2010/main" val="3473150966"/>
+      </p:ext>
+    </p:extLst>
+  </p:cSld>
+  <p:clrMapOvr>
+    <a:masterClrMapping/>
+  </p:clrMapOvr>
+</p:sld>
+</file>
+
+<file path=ppt/slides/slide14.xml><?xml version="1.0" encoding="utf-8"?>
+<p:sld xmlns:a="http://schemas.openxmlformats.org/drawingml/2006/main" xmlns:r="http://schemas.openxmlformats.org/officeDocument/2006/relationships" xmlns:p="http://schemas.openxmlformats.org/presentationml/2006/main">
+  <p:cSld>
+    <p:spTree>
+      <p:nvGrpSpPr>
+        <p:cNvPr id="1" name=""/>
+        <p:cNvGrpSpPr/>
+        <p:nvPr/>
+      </p:nvGrpSpPr>
+      <p:grpSpPr>
+        <a:xfrm>
+          <a:off x="0" y="0"/>
+          <a:ext cx="0" cy="0"/>
+          <a:chOff x="0" y="0"/>
+          <a:chExt cx="0" cy="0"/>
+        </a:xfrm>
+      </p:grpSpPr>
+      <p:pic>
+        <p:nvPicPr>
+          <p:cNvPr id="2" name="Picture 1"/>
+          <p:cNvPicPr>
+            <a:picLocks noChangeAspect="1"/>
+          </p:cNvPicPr>
+          <p:nvPr/>
+        </p:nvPicPr>
+        <p:blipFill>
+          <a:blip r:embed="rId2"/>
+          <a:stretch>
+            <a:fillRect/>
+          </a:stretch>
+        </p:blipFill>
+        <p:spPr>
+          <a:xfrm>
+            <a:off x="639691" y="729916"/>
+            <a:ext cx="10918394" cy="5145361"/>
+          </a:xfrm>
+          <a:prstGeom prst="rect">
+            <a:avLst/>
+          </a:prstGeom>
+        </p:spPr>
+      </p:pic>
+    </p:spTree>
+    <p:extLst>
+      <p:ext uri="{BB962C8B-B14F-4D97-AF65-F5344CB8AC3E}">
+        <p14:creationId xmlns:p14="http://schemas.microsoft.com/office/powerpoint/2010/main" val="1912034285"/>
+      </p:ext>
+    </p:extLst>
+  </p:cSld>
+  <p:clrMapOvr>
+    <a:masterClrMapping/>
+  </p:clrMapOvr>
+</p:sld>
+</file>
+
 <file path=ppt/slides/slide2.xml><?xml version="1.0" encoding="utf-8"?>
 <p:sld xmlns:a="http://schemas.openxmlformats.org/drawingml/2006/main" xmlns:r="http://schemas.openxmlformats.org/officeDocument/2006/relationships" xmlns:p="http://schemas.openxmlformats.org/presentationml/2006/main">
   <p:cSld>
@@ -5824,16 +8883,37 @@
           <a:lstStyle/>
           <a:p>
             <a:r>
-              <a:rPr lang="en-PH" sz="4400" b="1" dirty="0"/>
+              <a:rPr lang="en-PH" sz="4400" b="1" dirty="0">
+                <a:solidFill>
+                  <a:schemeClr val="accent5">
+                    <a:lumMod val="40000"/>
+                    <a:lumOff val="60000"/>
+                  </a:schemeClr>
+                </a:solidFill>
+              </a:rPr>
               <a:t>3. Target Audience</a:t>
             </a:r>
             <a:r>
-              <a:rPr lang="en-PH" sz="4400" b="1" dirty="0" smtClean="0"/>
+              <a:rPr lang="en-PH" sz="4400" b="1" dirty="0" smtClean="0">
+                <a:solidFill>
+                  <a:schemeClr val="accent5">
+                    <a:lumMod val="40000"/>
+                    <a:lumOff val="60000"/>
+                  </a:schemeClr>
+                </a:solidFill>
+              </a:rPr>
               <a:t>:</a:t>
             </a:r>
           </a:p>
           <a:p>
-            <a:endParaRPr lang="en-PH" sz="4400" b="1" dirty="0"/>
+            <a:endParaRPr lang="en-PH" sz="4400" b="1" dirty="0">
+              <a:solidFill>
+                <a:schemeClr val="accent5">
+                  <a:lumMod val="40000"/>
+                  <a:lumOff val="60000"/>
+                </a:schemeClr>
+              </a:solidFill>
+            </a:endParaRPr>
           </a:p>
           <a:p>
             <a:pPr marL="571500" indent="-571500">
@@ -5841,19 +8921,47 @@
               <a:buChar char="•"/>
             </a:pPr>
             <a:r>
-              <a:rPr lang="en-PH" sz="4400" dirty="0"/>
+              <a:rPr lang="en-PH" sz="4400" dirty="0">
+                <a:solidFill>
+                  <a:schemeClr val="accent5">
+                    <a:lumMod val="40000"/>
+                    <a:lumOff val="60000"/>
+                  </a:schemeClr>
+                </a:solidFill>
+              </a:rPr>
               <a:t>Gen z</a:t>
             </a:r>
             <a:r>
-              <a:rPr lang="en-PH" sz="4400" dirty="0" smtClean="0"/>
+              <a:rPr lang="en-PH" sz="4400" dirty="0" smtClean="0">
+                <a:solidFill>
+                  <a:schemeClr val="accent5">
+                    <a:lumMod val="40000"/>
+                    <a:lumOff val="60000"/>
+                  </a:schemeClr>
+                </a:solidFill>
+              </a:rPr>
               <a:t> </a:t>
             </a:r>
             <a:r>
-              <a:rPr lang="en-PH" sz="4400" dirty="0"/>
+              <a:rPr lang="en-PH" sz="4400" dirty="0">
+                <a:solidFill>
+                  <a:schemeClr val="accent5">
+                    <a:lumMod val="40000"/>
+                    <a:lumOff val="60000"/>
+                  </a:schemeClr>
+                </a:solidFill>
+              </a:rPr>
               <a:t>and Millennial who are interested in latest gadgets and innovations</a:t>
             </a:r>
             <a:r>
-              <a:rPr lang="en-PH" sz="4400" dirty="0" smtClean="0"/>
+              <a:rPr lang="en-PH" sz="4400" dirty="0" smtClean="0">
+                <a:solidFill>
+                  <a:schemeClr val="accent5">
+                    <a:lumMod val="40000"/>
+                    <a:lumOff val="60000"/>
+                  </a:schemeClr>
+                </a:solidFill>
+              </a:rPr>
               <a:t>.</a:t>
             </a:r>
           </a:p>
@@ -5862,14 +8970,35 @@
               <a:buFont typeface="Arial" panose="020B0604020202020204" pitchFamily="34" charset="0"/>
               <a:buChar char="•"/>
             </a:pPr>
-            <a:endParaRPr lang="en-PH" sz="4400" dirty="0"/>
-          </a:p>
-          <a:p>
-            <a:r>
-              <a:rPr lang="en-PH" sz="4400" b="1" dirty="0" smtClean="0"/>
+            <a:endParaRPr lang="en-PH" sz="4400" dirty="0">
+              <a:solidFill>
+                <a:schemeClr val="accent5">
+                  <a:lumMod val="40000"/>
+                  <a:lumOff val="60000"/>
+                </a:schemeClr>
+              </a:solidFill>
+            </a:endParaRPr>
+          </a:p>
+          <a:p>
+            <a:r>
+              <a:rPr lang="en-PH" sz="4400" b="1" dirty="0" smtClean="0">
+                <a:solidFill>
+                  <a:schemeClr val="accent5">
+                    <a:lumMod val="40000"/>
+                    <a:lumOff val="60000"/>
+                  </a:schemeClr>
+                </a:solidFill>
+              </a:rPr>
               <a:t>Planning:</a:t>
             </a:r>
-            <a:endParaRPr lang="en-PH" sz="4400" b="1" dirty="0"/>
+            <a:endParaRPr lang="en-PH" sz="4400" b="1" dirty="0">
+              <a:solidFill>
+                <a:schemeClr val="accent5">
+                  <a:lumMod val="40000"/>
+                  <a:lumOff val="60000"/>
+                </a:schemeClr>
+              </a:solidFill>
+            </a:endParaRPr>
           </a:p>
           <a:p>
             <a:pPr marL="571500" indent="-571500">
@@ -5877,7 +9006,14 @@
               <a:buChar char="•"/>
             </a:pPr>
             <a:r>
-              <a:rPr lang="en-PH" sz="4400" dirty="0"/>
+              <a:rPr lang="en-PH" sz="4400" dirty="0">
+                <a:solidFill>
+                  <a:schemeClr val="accent5">
+                    <a:lumMod val="40000"/>
+                    <a:lumOff val="60000"/>
+                  </a:schemeClr>
+                </a:solidFill>
+              </a:rPr>
               <a:t>Sitemap and Wireframe Creation </a:t>
             </a:r>
           </a:p>
@@ -5887,7 +9023,14 @@
               <a:buChar char="•"/>
             </a:pPr>
             <a:r>
-              <a:rPr lang="en-PH" sz="4400" dirty="0"/>
+              <a:rPr lang="en-PH" sz="4400" dirty="0">
+                <a:solidFill>
+                  <a:schemeClr val="accent5">
+                    <a:lumMod val="40000"/>
+                    <a:lumOff val="60000"/>
+                  </a:schemeClr>
+                </a:solidFill>
+              </a:rPr>
               <a:t>Estimated time 1 to 2 weeks</a:t>
             </a:r>
           </a:p>
@@ -5945,16 +9088,37 @@
           <a:lstStyle/>
           <a:p>
             <a:r>
-              <a:rPr lang="en-PH" sz="4400" dirty="0" smtClean="0"/>
+              <a:rPr lang="en-PH" sz="4400" dirty="0" smtClean="0">
+                <a:solidFill>
+                  <a:schemeClr val="accent5">
+                    <a:lumMod val="40000"/>
+                    <a:lumOff val="60000"/>
+                  </a:schemeClr>
+                </a:solidFill>
+              </a:rPr>
               <a:t>2.Main goals</a:t>
             </a:r>
           </a:p>
           <a:p>
             <a:r>
-              <a:rPr lang="en-US" sz="3600" dirty="0" smtClean="0"/>
+              <a:rPr lang="en-US" sz="3600" dirty="0" smtClean="0">
+                <a:solidFill>
+                  <a:schemeClr val="accent5">
+                    <a:lumMod val="40000"/>
+                    <a:lumOff val="60000"/>
+                  </a:schemeClr>
+                </a:solidFill>
+              </a:rPr>
               <a:t> </a:t>
             </a:r>
-            <a:endParaRPr lang="en-US" sz="3600" dirty="0"/>
+            <a:endParaRPr lang="en-US" sz="3600" dirty="0">
+              <a:solidFill>
+                <a:schemeClr val="accent5">
+                  <a:lumMod val="40000"/>
+                  <a:lumOff val="60000"/>
+                </a:schemeClr>
+              </a:solidFill>
+            </a:endParaRPr>
           </a:p>
           <a:p>
             <a:pPr marL="285750" indent="-285750">
@@ -5962,12 +9126,26 @@
               <a:buChar char="•"/>
             </a:pPr>
             <a:r>
-              <a:rPr lang="en-US" sz="3600" dirty="0" smtClean="0"/>
+              <a:rPr lang="en-US" sz="3600" dirty="0" smtClean="0">
+                <a:solidFill>
+                  <a:schemeClr val="accent5">
+                    <a:lumMod val="40000"/>
+                    <a:lumOff val="60000"/>
+                  </a:schemeClr>
+                </a:solidFill>
+              </a:rPr>
               <a:t>Sparkline website offers a wide variety of high-quality gaming accessories to ensure the product will meet the needs and preferences of customer, while having user-friendly website design.</a:t>
             </a:r>
           </a:p>
           <a:p>
-            <a:endParaRPr lang="en-US" sz="3600" dirty="0"/>
+            <a:endParaRPr lang="en-US" sz="3600" dirty="0">
+              <a:solidFill>
+                <a:schemeClr val="accent5">
+                  <a:lumMod val="40000"/>
+                  <a:lumOff val="60000"/>
+                </a:schemeClr>
+              </a:solidFill>
+            </a:endParaRPr>
           </a:p>
           <a:p>
             <a:pPr marL="285750" indent="-285750">
@@ -5975,12 +9153,26 @@
               <a:buChar char="•"/>
             </a:pPr>
             <a:r>
-              <a:rPr lang="en-US" sz="3600" dirty="0" smtClean="0"/>
+              <a:rPr lang="en-US" sz="3600" dirty="0" smtClean="0">
+                <a:solidFill>
+                  <a:schemeClr val="accent5">
+                    <a:lumMod val="40000"/>
+                    <a:lumOff val="60000"/>
+                  </a:schemeClr>
+                </a:solidFill>
+              </a:rPr>
               <a:t>Must offer multiple shipping options for local and foreign countries.</a:t>
             </a:r>
           </a:p>
           <a:p>
-            <a:endParaRPr lang="en-US" sz="3600" dirty="0" smtClean="0"/>
+            <a:endParaRPr lang="en-US" sz="3600" dirty="0" smtClean="0">
+              <a:solidFill>
+                <a:schemeClr val="accent5">
+                  <a:lumMod val="40000"/>
+                  <a:lumOff val="60000"/>
+                </a:schemeClr>
+              </a:solidFill>
+            </a:endParaRPr>
           </a:p>
           <a:p>
             <a:pPr marL="285750" indent="-285750">
@@ -5988,10 +9180,24 @@
               <a:buChar char="•"/>
             </a:pPr>
             <a:r>
-              <a:rPr lang="en-US" sz="3600" dirty="0" smtClean="0"/>
+              <a:rPr lang="en-US" sz="3600" dirty="0" smtClean="0">
+                <a:solidFill>
+                  <a:schemeClr val="accent5">
+                    <a:lumMod val="40000"/>
+                    <a:lumOff val="60000"/>
+                  </a:schemeClr>
+                </a:solidFill>
+              </a:rPr>
               <a:t>Must be responsive at all devices.</a:t>
             </a:r>
-            <a:endParaRPr lang="en-PH" sz="3600" dirty="0"/>
+            <a:endParaRPr lang="en-PH" sz="3600" dirty="0">
+              <a:solidFill>
+                <a:schemeClr val="accent5">
+                  <a:lumMod val="40000"/>
+                  <a:lumOff val="60000"/>
+                </a:schemeClr>
+              </a:solidFill>
+            </a:endParaRPr>
           </a:p>
         </p:txBody>
       </p:sp>
@@ -9387,6 +12593,9 @@
           <a:solidFill>
             <a:srgbClr val="1F2022"/>
           </a:solidFill>
+          <a:ln>
+            <a:noFill/>
+          </a:ln>
         </p:spPr>
         <p:style>
           <a:lnRef idx="2">
@@ -9434,6 +12643,9 @@
           <a:solidFill>
             <a:srgbClr val="1F2022"/>
           </a:solidFill>
+          <a:ln>
+            <a:noFill/>
+          </a:ln>
         </p:spPr>
         <p:style>
           <a:lnRef idx="2">
@@ -9481,6 +12693,9 @@
           <a:solidFill>
             <a:srgbClr val="1F2022"/>
           </a:solidFill>
+          <a:ln>
+            <a:noFill/>
+          </a:ln>
         </p:spPr>
         <p:style>
           <a:lnRef idx="2">
@@ -9528,6 +12743,9 @@
           <a:solidFill>
             <a:srgbClr val="1F2022"/>
           </a:solidFill>
+          <a:ln>
+            <a:noFill/>
+          </a:ln>
         </p:spPr>
         <p:style>
           <a:lnRef idx="2">
@@ -9575,6 +12793,9 @@
           <a:solidFill>
             <a:srgbClr val="1F2022"/>
           </a:solidFill>
+          <a:ln>
+            <a:noFill/>
+          </a:ln>
         </p:spPr>
         <p:style>
           <a:lnRef idx="2">
@@ -9622,6 +12843,9 @@
           <a:solidFill>
             <a:srgbClr val="1F2022"/>
           </a:solidFill>
+          <a:ln>
+            <a:noFill/>
+          </a:ln>
         </p:spPr>
         <p:style>
           <a:lnRef idx="2">
@@ -9669,6 +12893,9 @@
           <a:solidFill>
             <a:srgbClr val="1F2022"/>
           </a:solidFill>
+          <a:ln>
+            <a:noFill/>
+          </a:ln>
         </p:spPr>
         <p:style>
           <a:lnRef idx="2">
@@ -10166,6 +13393,9 @@
           <a:solidFill>
             <a:srgbClr val="1F2022"/>
           </a:solidFill>
+          <a:ln>
+            <a:noFill/>
+          </a:ln>
         </p:spPr>
         <p:style>
           <a:lnRef idx="2">
@@ -10260,6 +13490,9 @@
           <a:solidFill>
             <a:srgbClr val="1F2022"/>
           </a:solidFill>
+          <a:ln>
+            <a:noFill/>
+          </a:ln>
         </p:spPr>
         <p:style>
           <a:lnRef idx="2">
@@ -10318,6 +13551,9 @@
           <a:solidFill>
             <a:srgbClr val="1F2022"/>
           </a:solidFill>
+          <a:ln>
+            <a:noFill/>
+          </a:ln>
         </p:spPr>
         <p:style>
           <a:lnRef idx="2">
@@ -10365,6 +13601,9 @@
           <a:solidFill>
             <a:srgbClr val="1F2022"/>
           </a:solidFill>
+          <a:ln>
+            <a:noFill/>
+          </a:ln>
         </p:spPr>
         <p:style>
           <a:lnRef idx="2">
@@ -10412,6 +13651,9 @@
           <a:solidFill>
             <a:srgbClr val="1F2022"/>
           </a:solidFill>
+          <a:ln>
+            <a:noFill/>
+          </a:ln>
         </p:spPr>
         <p:style>
           <a:lnRef idx="2">
@@ -10459,6 +13701,9 @@
           <a:solidFill>
             <a:srgbClr val="1F2022"/>
           </a:solidFill>
+          <a:ln>
+            <a:noFill/>
+          </a:ln>
         </p:spPr>
         <p:style>
           <a:lnRef idx="2">
@@ -10506,6 +13751,9 @@
           <a:solidFill>
             <a:srgbClr val="1F2022"/>
           </a:solidFill>
+          <a:ln>
+            <a:noFill/>
+          </a:ln>
         </p:spPr>
         <p:style>
           <a:lnRef idx="2">
@@ -11106,6 +14354,9 @@
           <a:solidFill>
             <a:srgbClr val="1F2022"/>
           </a:solidFill>
+          <a:ln>
+            <a:noFill/>
+          </a:ln>
         </p:spPr>
         <p:style>
           <a:lnRef idx="2">
@@ -12463,6 +15714,9 @@
           <a:solidFill>
             <a:srgbClr val="1F2022"/>
           </a:solidFill>
+          <a:ln>
+            <a:noFill/>
+          </a:ln>
         </p:spPr>
         <p:style>
           <a:lnRef idx="2">
@@ -12800,6 +16054,9 @@
           <a:solidFill>
             <a:srgbClr val="1F2022"/>
           </a:solidFill>
+          <a:ln>
+            <a:noFill/>
+          </a:ln>
         </p:spPr>
         <p:style>
           <a:lnRef idx="2">
@@ -12854,6 +16111,9 @@
           <a:solidFill>
             <a:srgbClr val="1F2022"/>
           </a:solidFill>
+          <a:ln>
+            <a:noFill/>
+          </a:ln>
         </p:spPr>
         <p:style>
           <a:lnRef idx="2">
@@ -12901,6 +16161,9 @@
           <a:solidFill>
             <a:srgbClr val="1F2022"/>
           </a:solidFill>
+          <a:ln>
+            <a:noFill/>
+          </a:ln>
         </p:spPr>
         <p:style>
           <a:lnRef idx="2">
@@ -12994,6 +16257,9 @@
           <a:solidFill>
             <a:srgbClr val="1F2022"/>
           </a:solidFill>
+          <a:ln>
+            <a:noFill/>
+          </a:ln>
         </p:spPr>
         <p:style>
           <a:lnRef idx="2">
@@ -13041,6 +16307,9 @@
           <a:solidFill>
             <a:srgbClr val="1F2022"/>
           </a:solidFill>
+          <a:ln>
+            <a:noFill/>
+          </a:ln>
         </p:spPr>
         <p:style>
           <a:lnRef idx="2">
@@ -13095,6 +16364,9 @@
           <a:solidFill>
             <a:srgbClr val="1F2022"/>
           </a:solidFill>
+          <a:ln>
+            <a:noFill/>
+          </a:ln>
         </p:spPr>
         <p:style>
           <a:lnRef idx="2">
@@ -13142,6 +16414,9 @@
           <a:solidFill>
             <a:srgbClr val="1F2022"/>
           </a:solidFill>
+          <a:ln>
+            <a:noFill/>
+          </a:ln>
         </p:spPr>
         <p:style>
           <a:lnRef idx="2">
@@ -13951,6 +17226,9 @@
           <a:solidFill>
             <a:srgbClr val="1F2022"/>
           </a:solidFill>
+          <a:ln>
+            <a:noFill/>
+          </a:ln>
         </p:spPr>
         <p:style>
           <a:lnRef idx="2">
@@ -14146,9 +17424,9 @@
 </file>
 
 <file path=ppt/theme/theme1.xml><?xml version="1.0" encoding="utf-8"?>
-<a:theme xmlns:a="http://schemas.openxmlformats.org/drawingml/2006/main" name="Office Theme">
+<a:theme xmlns:a="http://schemas.openxmlformats.org/drawingml/2006/main" name="Celestial">
   <a:themeElements>
-    <a:clrScheme name="Office">
+    <a:clrScheme name="Celestial">
       <a:dk1>
         <a:sysClr val="windowText" lastClr="000000"/>
       </a:dk1>
@@ -14156,44 +17434,44 @@
         <a:sysClr val="window" lastClr="FFFFFF"/>
       </a:lt1>
       <a:dk2>
-        <a:srgbClr val="44546A"/>
+        <a:srgbClr val="18276C"/>
       </a:dk2>
       <a:lt2>
-        <a:srgbClr val="E7E6E6"/>
+        <a:srgbClr val="EBEBEB"/>
       </a:lt2>
       <a:accent1>
-        <a:srgbClr val="5B9BD5"/>
+        <a:srgbClr val="AC3EC1"/>
       </a:accent1>
       <a:accent2>
-        <a:srgbClr val="ED7D31"/>
+        <a:srgbClr val="477BD1"/>
       </a:accent2>
       <a:accent3>
-        <a:srgbClr val="A5A5A5"/>
+        <a:srgbClr val="46B298"/>
       </a:accent3>
       <a:accent4>
-        <a:srgbClr val="FFC000"/>
+        <a:srgbClr val="90BA4C"/>
       </a:accent4>
       <a:accent5>
-        <a:srgbClr val="4472C4"/>
+        <a:srgbClr val="DD9D31"/>
       </a:accent5>
       <a:accent6>
-        <a:srgbClr val="70AD47"/>
+        <a:srgbClr val="E25247"/>
       </a:accent6>
       <a:hlink>
-        <a:srgbClr val="0563C1"/>
+        <a:srgbClr val="C573D2"/>
       </a:hlink>
       <a:folHlink>
-        <a:srgbClr val="954F72"/>
+        <a:srgbClr val="CCAEE8"/>
       </a:folHlink>
     </a:clrScheme>
-    <a:fontScheme name="Office">
+    <a:fontScheme name="Celestial">
       <a:majorFont>
         <a:latin typeface="Calibri Light" panose="020F0302020204030204"/>
         <a:ea typeface=""/>
         <a:cs typeface=""/>
-        <a:font script="Jpan" typeface="游ゴシック Light"/>
+        <a:font script="Jpan" typeface="ＭＳ Ｐゴシック"/>
         <a:font script="Hang" typeface="맑은 고딕"/>
-        <a:font script="Hans" typeface="等线 Light"/>
+        <a:font script="Hans" typeface="宋体"/>
         <a:font script="Hant" typeface="新細明體"/>
         <a:font script="Arab" typeface="Times New Roman"/>
         <a:font script="Hebr" typeface="Times New Roman"/>
@@ -14226,9 +17504,9 @@
         <a:latin typeface="Calibri" panose="020F0502020204030204"/>
         <a:ea typeface=""/>
         <a:cs typeface=""/>
-        <a:font script="Jpan" typeface="游ゴシック"/>
+        <a:font script="Jpan" typeface="ＭＳ Ｐゴシック"/>
         <a:font script="Hang" typeface="맑은 고딕"/>
-        <a:font script="Hans" typeface="等线"/>
+        <a:font script="Hans" typeface="宋体"/>
         <a:font script="Hant" typeface="新細明體"/>
         <a:font script="Arab" typeface="Arial"/>
         <a:font script="Hebr" typeface="Arial"/>
@@ -14258,7 +17536,7 @@
         <a:font script="Geor" typeface="Sylfaen"/>
       </a:minorFont>
     </a:fontScheme>
-    <a:fmtScheme name="Office">
+    <a:fmtScheme name="Celestial">
       <a:fillStyleLst>
         <a:solidFill>
           <a:schemeClr val="phClr"/>
@@ -14267,23 +17545,14 @@
           <a:gsLst>
             <a:gs pos="0">
               <a:schemeClr val="phClr">
+                <a:tint val="70000"/>
                 <a:lumMod val="110000"/>
-                <a:satMod val="105000"/>
-                <a:tint val="67000"/>
-              </a:schemeClr>
-            </a:gs>
-            <a:gs pos="50000">
-              <a:schemeClr val="phClr">
-                <a:lumMod val="105000"/>
-                <a:satMod val="103000"/>
-                <a:tint val="73000"/>
               </a:schemeClr>
             </a:gs>
             <a:gs pos="100000">
               <a:schemeClr val="phClr">
-                <a:lumMod val="105000"/>
-                <a:satMod val="109000"/>
-                <a:tint val="81000"/>
+                <a:tint val="82000"/>
+                <a:alpha val="74000"/>
               </a:schemeClr>
             </a:gs>
           </a:gsLst>
@@ -14293,50 +17562,38 @@
           <a:gsLst>
             <a:gs pos="0">
               <a:schemeClr val="phClr">
-                <a:satMod val="103000"/>
-                <a:lumMod val="102000"/>
-                <a:tint val="94000"/>
-              </a:schemeClr>
-            </a:gs>
-            <a:gs pos="50000">
-              <a:schemeClr val="phClr">
-                <a:satMod val="110000"/>
+                <a:tint val="98000"/>
                 <a:lumMod val="100000"/>
-                <a:shade val="100000"/>
               </a:schemeClr>
             </a:gs>
             <a:gs pos="100000">
               <a:schemeClr val="phClr">
-                <a:lumMod val="99000"/>
-                <a:satMod val="120000"/>
-                <a:shade val="78000"/>
+                <a:shade val="88000"/>
+                <a:lumMod val="88000"/>
               </a:schemeClr>
             </a:gs>
           </a:gsLst>
-          <a:lin ang="5400000" scaled="0"/>
+          <a:lin ang="5400000" scaled="1"/>
         </a:gradFill>
       </a:fillStyleLst>
       <a:lnStyleLst>
-        <a:ln w="6350" cap="flat" cmpd="sng" algn="ctr">
+        <a:ln w="9525" cap="rnd" cmpd="sng" algn="ctr">
           <a:solidFill>
             <a:schemeClr val="phClr"/>
           </a:solidFill>
           <a:prstDash val="solid"/>
-          <a:miter lim="800000"/>
         </a:ln>
-        <a:ln w="12700" cap="flat" cmpd="sng" algn="ctr">
+        <a:ln w="19050" cap="rnd" cmpd="sng" algn="ctr">
           <a:solidFill>
             <a:schemeClr val="phClr"/>
           </a:solidFill>
           <a:prstDash val="solid"/>
-          <a:miter lim="800000"/>
         </a:ln>
-        <a:ln w="19050" cap="flat" cmpd="sng" algn="ctr">
+        <a:ln w="25400" cap="rnd" cmpd="sng" algn="ctr">
           <a:solidFill>
             <a:schemeClr val="phClr"/>
           </a:solidFill>
           <a:prstDash val="solid"/>
-          <a:miter lim="800000"/>
         </a:ln>
       </a:lnStyleLst>
       <a:effectStyleLst>
@@ -14344,55 +17601,64 @@
           <a:effectLst/>
         </a:effectStyle>
         <a:effectStyle>
-          <a:effectLst/>
+          <a:effectLst>
+            <a:outerShdw blurRad="50800" dist="38100" dir="5400000" rotWithShape="0">
+              <a:srgbClr val="000000">
+                <a:alpha val="35000"/>
+              </a:srgbClr>
+            </a:outerShdw>
+          </a:effectLst>
         </a:effectStyle>
         <a:effectStyle>
           <a:effectLst>
-            <a:outerShdw blurRad="57150" dist="19050" dir="5400000" algn="ctr" rotWithShape="0">
+            <a:outerShdw blurRad="63500" dist="38100" dir="5400000" rotWithShape="0">
               <a:srgbClr val="000000">
-                <a:alpha val="63000"/>
+                <a:alpha val="65000"/>
               </a:srgbClr>
             </a:outerShdw>
           </a:effectLst>
+          <a:scene3d>
+            <a:camera prst="orthographicFront">
+              <a:rot lat="0" lon="0" rev="0"/>
+            </a:camera>
+            <a:lightRig rig="threePt" dir="tl">
+              <a:rot lat="0" lon="0" rev="1200000"/>
+            </a:lightRig>
+          </a:scene3d>
+          <a:sp3d>
+            <a:bevelT w="38100" h="12700"/>
+          </a:sp3d>
         </a:effectStyle>
       </a:effectStyleLst>
       <a:bgFillStyleLst>
         <a:solidFill>
           <a:schemeClr val="phClr"/>
         </a:solidFill>
-        <a:solidFill>
-          <a:schemeClr val="phClr">
-            <a:tint val="95000"/>
-            <a:satMod val="170000"/>
-          </a:schemeClr>
-        </a:solidFill>
         <a:gradFill rotWithShape="1">
           <a:gsLst>
             <a:gs pos="0">
               <a:schemeClr val="phClr">
-                <a:tint val="93000"/>
-                <a:satMod val="150000"/>
-                <a:shade val="98000"/>
-                <a:lumMod val="102000"/>
-              </a:schemeClr>
-            </a:gs>
-            <a:gs pos="50000">
-              <a:schemeClr val="phClr">
-                <a:tint val="98000"/>
-                <a:satMod val="130000"/>
-                <a:shade val="90000"/>
-                <a:lumMod val="103000"/>
+                <a:tint val="90000"/>
+                <a:shade val="96000"/>
+                <a:hueMod val="100000"/>
+                <a:satMod val="180000"/>
+                <a:lumMod val="110000"/>
               </a:schemeClr>
             </a:gs>
             <a:gs pos="100000">
               <a:schemeClr val="phClr">
-                <a:shade val="63000"/>
-                <a:satMod val="120000"/>
+                <a:shade val="96000"/>
+                <a:satMod val="160000"/>
+                <a:lumMod val="100000"/>
               </a:schemeClr>
             </a:gs>
           </a:gsLst>
-          <a:lin ang="5400000" scaled="0"/>
+          <a:lin ang="4740000" scaled="1"/>
         </a:gradFill>
+        <a:blipFill>
+          <a:blip xmlns:r="http://schemas.openxmlformats.org/officeDocument/2006/relationships" r:embed="rId1"/>
+          <a:stretch/>
+        </a:blipFill>
       </a:bgFillStyleLst>
     </a:fmtScheme>
   </a:themeElements>
@@ -14400,7 +17666,7 @@
   <a:extraClrSchemeLst/>
   <a:extLst>
     <a:ext uri="{05A4C25C-085E-4340-85A3-A5531E510DB2}">
-      <thm15:themeFamily xmlns:thm15="http://schemas.microsoft.com/office/thememl/2012/main" name="Office Theme" id="{62F939B6-93AF-4DB8-9C6B-D6C7DFDC589F}" vid="{4A3C46E8-61CC-4603-A589-7422A47A8E4A}"/>
+      <thm15:themeFamily xmlns:thm15="http://schemas.microsoft.com/office/thememl/2012/main" name="Celestial" id="{C4BB2A3D-0E93-4C5F-B0D2-9D3FCE089CC5}" vid="{42E5908D-19A2-46FD-89FA-638B126129EF}"/>
     </a:ext>
   </a:extLst>
 </a:theme>
